--- a/Predicting_Diabetic_Patient_Readmission/Capstone2_Final_Report_slides.pptx
+++ b/Predicting_Diabetic_Patient_Readmission/Capstone2_Final_Report_slides.pptx
@@ -14979,7 +14979,7 @@
                   <a:srgbClr val="FFFFFF"/>
                 </a:solidFill>
               </a:rPr>
-              <a:t>All data treated initially as categorical</a:t>
+              <a:t>All categorical data transformed via One Hot Encoding</a:t>
             </a:r>
             <a:endParaRPr sz="1800">
               <a:solidFill>
@@ -15007,7 +15007,7 @@
                   <a:srgbClr val="FFFFFF"/>
                 </a:solidFill>
               </a:rPr>
-              <a:t>StandardScaler() and One Hot Encoding used ubiquitously</a:t>
+              <a:t>StandardScaler() used on numeric data</a:t>
             </a:r>
             <a:endParaRPr sz="1800">
               <a:solidFill>
@@ -15112,7 +15112,7 @@
             <a:tbl>
               <a:tblPr>
                 <a:noFill/>
-                <a:tableStyleId>{5EB9F12B-8FA3-47E0-8205-88BE076ECA3F}</a:tableStyleId>
+                <a:tableStyleId>{6F2554DA-EB0F-417C-8A83-E1381AB22A1F}</a:tableStyleId>
               </a:tblPr>
               <a:tblGrid>
                 <a:gridCol w="2971800"/>
@@ -15231,7 +15231,7 @@
                     <a:bodyPr/>
                     <a:lstStyle/>
                     <a:p>
-                      <a:pPr indent="0" lvl="0" marL="0" rtl="0" algn="l">
+                      <a:pPr indent="0" lvl="0" marL="0" rtl="0" algn="ctr">
                         <a:lnSpc>
                           <a:spcPct val="110795"/>
                         </a:lnSpc>
@@ -15249,7 +15249,7 @@
                             <a:srgbClr val="FFFFFF"/>
                           </a:highlight>
                         </a:rPr>
-                        <a:t>0.8746337107535922</a:t>
+                        <a:t>0.87463</a:t>
                       </a:r>
                       <a:endParaRPr sz="1100">
                         <a:highlight>
@@ -15306,7 +15306,7 @@
                     <a:bodyPr/>
                     <a:lstStyle/>
                     <a:p>
-                      <a:pPr indent="0" lvl="0" marL="0" rtl="0" algn="l">
+                      <a:pPr indent="0" lvl="0" marL="0" rtl="0" algn="ctr">
                         <a:lnSpc>
                           <a:spcPct val="110795"/>
                         </a:lnSpc>
@@ -15324,7 +15324,7 @@
                             <a:srgbClr val="FFFFFF"/>
                           </a:highlight>
                         </a:rPr>
-                        <a:t>0.8750672328312273</a:t>
+                        <a:t>0.87507</a:t>
                       </a:r>
                       <a:endParaRPr b="1" sz="1100">
                         <a:highlight>
@@ -15381,7 +15381,7 @@
                     <a:bodyPr/>
                     <a:lstStyle/>
                     <a:p>
-                      <a:pPr indent="0" lvl="0" marL="0" rtl="0" algn="l">
+                      <a:pPr indent="0" lvl="0" marL="0" rtl="0" algn="ctr">
                         <a:lnSpc>
                           <a:spcPct val="110795"/>
                         </a:lnSpc>
@@ -15399,7 +15399,7 @@
                             <a:srgbClr val="FFFFFF"/>
                           </a:highlight>
                         </a:rPr>
-                        <a:t>0.8549024876952227</a:t>
+                        <a:t>0.85490</a:t>
                       </a:r>
                       <a:endParaRPr sz="1100">
                         <a:highlight>
@@ -15456,7 +15456,7 @@
                     <a:bodyPr/>
                     <a:lstStyle/>
                     <a:p>
-                      <a:pPr indent="0" lvl="0" marL="0" rtl="0" algn="l">
+                      <a:pPr indent="0" lvl="0" marL="0" rtl="0" algn="ctr">
                         <a:lnSpc>
                           <a:spcPct val="110795"/>
                         </a:lnSpc>
@@ -15474,7 +15474,7 @@
                             <a:srgbClr val="FFFFFF"/>
                           </a:highlight>
                         </a:rPr>
-                        <a:t>0.8758155785678916</a:t>
+                        <a:t>0.87582</a:t>
                       </a:r>
                       <a:endParaRPr b="1" sz="1100">
                         <a:highlight>
@@ -15531,7 +15531,7 @@
                     <a:bodyPr/>
                     <a:lstStyle/>
                     <a:p>
-                      <a:pPr indent="0" lvl="0" marL="0" rtl="0" algn="l">
+                      <a:pPr indent="0" lvl="0" marL="0" rtl="0" algn="ctr">
                         <a:lnSpc>
                           <a:spcPct val="110795"/>
                         </a:lnSpc>
@@ -15549,7 +15549,7 @@
                             <a:srgbClr val="FFFFFF"/>
                           </a:highlight>
                         </a:rPr>
-                        <a:t>0.8673007422358227</a:t>
+                        <a:t>0.86730</a:t>
                       </a:r>
                       <a:endParaRPr sz="1100">
                         <a:highlight>
@@ -15606,7 +15606,7 @@
                     <a:bodyPr/>
                     <a:lstStyle/>
                     <a:p>
-                      <a:pPr indent="0" lvl="0" marL="0" rtl="0" algn="l">
+                      <a:pPr indent="0" lvl="0" marL="0" rtl="0" algn="ctr">
                         <a:lnSpc>
                           <a:spcPct val="110795"/>
                         </a:lnSpc>
@@ -15624,7 +15624,7 @@
                             <a:srgbClr val="FFFFFF"/>
                           </a:highlight>
                         </a:rPr>
-                        <a:t>0.874575455730425</a:t>
+                        <a:t>0.87458</a:t>
                       </a:r>
                       <a:endParaRPr sz="1100">
                         <a:highlight>
@@ -15681,7 +15681,7 @@
                     <a:bodyPr/>
                     <a:lstStyle/>
                     <a:p>
-                      <a:pPr indent="0" lvl="0" marL="0" rtl="0" algn="l">
+                      <a:pPr indent="0" lvl="0" marL="0" rtl="0" algn="ctr">
                         <a:lnSpc>
                           <a:spcPct val="110795"/>
                         </a:lnSpc>
@@ -15699,7 +15699,7 @@
                             <a:srgbClr val="FFFFFF"/>
                           </a:highlight>
                         </a:rPr>
-                        <a:t>0.8765311717848258</a:t>
+                        <a:t>0.87653</a:t>
                       </a:r>
                       <a:endParaRPr b="1" sz="1100">
                         <a:highlight>
@@ -15907,7 +15907,7 @@
             <a:tbl>
               <a:tblPr>
                 <a:noFill/>
-                <a:tableStyleId>{5EB9F12B-8FA3-47E0-8205-88BE076ECA3F}</a:tableStyleId>
+                <a:tableStyleId>{6F2554DA-EB0F-417C-8A83-E1381AB22A1F}</a:tableStyleId>
               </a:tblPr>
               <a:tblGrid>
                 <a:gridCol w="1485900"/>
@@ -16116,7 +16116,15 @@
                             <a:srgbClr val="FFFFFF"/>
                           </a:highlight>
                         </a:rPr>
-                        <a:t>0.915982299063497</a:t>
+                        <a:t>91.60</a:t>
+                      </a:r>
+                      <a:r>
+                        <a:rPr lang="en" sz="1100">
+                          <a:highlight>
+                            <a:srgbClr val="FFFFFF"/>
+                          </a:highlight>
+                        </a:rPr>
+                        <a:t>8%</a:t>
                       </a:r>
                       <a:endParaRPr sz="1100">
                         <a:highlight>
@@ -16189,7 +16197,7 @@
                             <a:srgbClr val="FFFFFF"/>
                           </a:highlight>
                         </a:rPr>
-                        <a:t>0.721088731825609</a:t>
+                        <a:t>0.7211</a:t>
                       </a:r>
                       <a:endParaRPr sz="1050">
                         <a:highlight>
@@ -16264,7 +16272,7 @@
                             <a:srgbClr val="FFFFFF"/>
                           </a:highlight>
                         </a:rPr>
-                        <a:t>0.915982299063497</a:t>
+                        <a:t>91.598%</a:t>
                       </a:r>
                       <a:endParaRPr sz="1100">
                         <a:highlight>
@@ -16412,7 +16420,7 @@
                             <a:srgbClr val="FFFFFF"/>
                           </a:highlight>
                         </a:rPr>
-                        <a:t>0.916002881547803</a:t>
+                        <a:t>91.600%</a:t>
                       </a:r>
                       <a:endParaRPr b="1" sz="1100">
                         <a:highlight>
@@ -16485,7 +16493,7 @@
                             <a:srgbClr val="FFFFFF"/>
                           </a:highlight>
                         </a:rPr>
-                        <a:t>0.882231034570797</a:t>
+                        <a:t>0.8822</a:t>
                       </a:r>
                       <a:endParaRPr b="1" sz="1100">
                         <a:highlight>
@@ -16693,7 +16701,7 @@
             <a:tbl>
               <a:tblPr>
                 <a:noFill/>
-                <a:tableStyleId>{5EB9F12B-8FA3-47E0-8205-88BE076ECA3F}</a:tableStyleId>
+                <a:tableStyleId>{6F2554DA-EB0F-417C-8A83-E1381AB22A1F}</a:tableStyleId>
               </a:tblPr>
               <a:tblGrid>
                 <a:gridCol w="1485900"/>
@@ -17749,7 +17757,7 @@
             <a:tbl>
               <a:tblPr>
                 <a:noFill/>
-                <a:tableStyleId>{5EB9F12B-8FA3-47E0-8205-88BE076ECA3F}</a:tableStyleId>
+                <a:tableStyleId>{6F2554DA-EB0F-417C-8A83-E1381AB22A1F}</a:tableStyleId>
               </a:tblPr>
               <a:tblGrid>
                 <a:gridCol w="1485900"/>
@@ -18757,7 +18765,7 @@
             <a:tbl>
               <a:tblPr>
                 <a:noFill/>
-                <a:tableStyleId>{FF2748BC-3B55-4F77-9A6F-6B5F9EA63C96}</a:tableStyleId>
+                <a:tableStyleId>{4B196D51-81D5-4A20-8C1D-6EDE576F51F9}</a:tableStyleId>
               </a:tblPr>
               <a:tblGrid>
                 <a:gridCol w="2639800"/>
@@ -19100,7 +19108,7 @@
             <a:tbl>
               <a:tblPr>
                 <a:noFill/>
-                <a:tableStyleId>{FF2748BC-3B55-4F77-9A6F-6B5F9EA63C96}</a:tableStyleId>
+                <a:tableStyleId>{4B196D51-81D5-4A20-8C1D-6EDE576F51F9}</a:tableStyleId>
               </a:tblPr>
               <a:tblGrid>
                 <a:gridCol w="2639800"/>
@@ -22168,7 +22176,7 @@
         </p:spPr>
         <p:txBody>
           <a:bodyPr anchorCtr="0" anchor="t" bIns="91425" lIns="91425" spcFirstLastPara="1" rIns="91425" wrap="square" tIns="91425">
-            <a:normAutofit fontScale="62500" lnSpcReduction="10000"/>
+            <a:normAutofit fontScale="62500" lnSpcReduction="20000"/>
           </a:bodyPr>
           <a:lstStyle/>
           <a:p>
@@ -22291,7 +22299,7 @@
                   <a:schemeClr val="lt2"/>
                 </a:solidFill>
               </a:rPr>
-              <a:t>One, generally, would expect improvement of the model with more intensive feature encoding/engineering</a:t>
+              <a:t>One, generally, would expect improvement of the model with more intensive feature selection/engineering through techniques like PCA and chi-squared tests for dimensionality reduction.</a:t>
             </a:r>
             <a:endParaRPr sz="1900">
               <a:solidFill>
@@ -22635,7 +22643,7 @@
         </p:spPr>
         <p:txBody>
           <a:bodyPr anchorCtr="0" anchor="t" bIns="91425" lIns="91425" spcFirstLastPara="1" rIns="91425" wrap="square" tIns="91425">
-            <a:normAutofit fontScale="62500" lnSpcReduction="10000"/>
+            <a:normAutofit fontScale="62500" lnSpcReduction="20000"/>
           </a:bodyPr>
           <a:lstStyle/>
           <a:p>
@@ -22758,7 +22766,7 @@
                   <a:schemeClr val="lt2"/>
                 </a:solidFill>
               </a:rPr>
-              <a:t>One, generally, would expect improvement of the model with more intensive feature encoding/engineering</a:t>
+              <a:t>One, generally, would expect improvement of the model with more intensive feature selection/engineering through techniques like PCA and chi-squared tests for dimensionality reduction.</a:t>
             </a:r>
             <a:endParaRPr sz="1900">
               <a:solidFill>
@@ -22941,8 +22949,8 @@
         </p:nvSpPr>
         <p:spPr>
           <a:xfrm>
-            <a:off x="7317600" y="4374346"/>
-            <a:ext cx="1514700" cy="682500"/>
+            <a:off x="7317600" y="4502064"/>
+            <a:ext cx="1514700" cy="570600"/>
           </a:xfrm>
           <a:prstGeom prst="curvedLeftArrow">
             <a:avLst>
@@ -22988,8 +22996,8 @@
         </p:nvSpPr>
         <p:spPr>
           <a:xfrm>
-            <a:off x="2508650" y="4374350"/>
-            <a:ext cx="4891200" cy="153900"/>
+            <a:off x="2508650" y="4502067"/>
+            <a:ext cx="4891200" cy="129000"/>
           </a:xfrm>
           <a:prstGeom prst="rect">
             <a:avLst/>
@@ -23031,8 +23039,8 @@
         </p:nvSpPr>
         <p:spPr>
           <a:xfrm>
-            <a:off x="2453425" y="4157400"/>
-            <a:ext cx="150000" cy="370800"/>
+            <a:off x="2453425" y="4320775"/>
+            <a:ext cx="150000" cy="309900"/>
           </a:xfrm>
           <a:prstGeom prst="rect">
             <a:avLst/>

--- a/Predicting_Diabetic_Patient_Readmission/Capstone2_Final_Report_slides.pptx
+++ b/Predicting_Diabetic_Patient_Readmission/Capstone2_Final_Report_slides.pptx
@@ -875,7 +875,7 @@
   <p:cSld>
     <p:spTree>
       <p:nvGrpSpPr>
-        <p:cNvPr id="123" name="Shape 123"/>
+        <p:cNvPr id="131" name="Shape 131"/>
         <p:cNvGrpSpPr/>
         <p:nvPr/>
       </p:nvGrpSpPr>
@@ -889,7 +889,7 @@
       </p:grpSpPr>
       <p:sp>
         <p:nvSpPr>
-          <p:cNvPr id="124" name="Google Shape;124;g11d2595d5c5_0_433:notes"/>
+          <p:cNvPr id="132" name="Google Shape;132;g11d2595d5c5_0_433:notes"/>
           <p:cNvSpPr/>
           <p:nvPr>
             <p:ph idx="2" type="sldImg"/>
@@ -924,7 +924,7 @@
       </p:sp>
       <p:sp>
         <p:nvSpPr>
-          <p:cNvPr id="125" name="Google Shape;125;g11d2595d5c5_0_433:notes"/>
+          <p:cNvPr id="133" name="Google Shape;133;g11d2595d5c5_0_433:notes"/>
           <p:cNvSpPr txBox="1"/>
           <p:nvPr>
             <p:ph idx="1" type="body"/>
@@ -1031,7 +1031,7 @@
   <p:cSld>
     <p:spTree>
       <p:nvGrpSpPr>
-        <p:cNvPr id="131" name="Shape 131"/>
+        <p:cNvPr id="139" name="Shape 139"/>
         <p:cNvGrpSpPr/>
         <p:nvPr/>
       </p:nvGrpSpPr>
@@ -1045,7 +1045,7 @@
       </p:grpSpPr>
       <p:sp>
         <p:nvSpPr>
-          <p:cNvPr id="132" name="Google Shape;132;g11d2595d5c5_0_459:notes"/>
+          <p:cNvPr id="140" name="Google Shape;140;g11d2595d5c5_0_459:notes"/>
           <p:cNvSpPr/>
           <p:nvPr>
             <p:ph idx="2" type="sldImg"/>
@@ -1080,7 +1080,7 @@
       </p:sp>
       <p:sp>
         <p:nvSpPr>
-          <p:cNvPr id="133" name="Google Shape;133;g11d2595d5c5_0_459:notes"/>
+          <p:cNvPr id="141" name="Google Shape;141;g11d2595d5c5_0_459:notes"/>
           <p:cNvSpPr txBox="1"/>
           <p:nvPr>
             <p:ph idx="1" type="body"/>
@@ -1187,7 +1187,7 @@
   <p:cSld>
     <p:spTree>
       <p:nvGrpSpPr>
-        <p:cNvPr id="141" name="Shape 141"/>
+        <p:cNvPr id="149" name="Shape 149"/>
         <p:cNvGrpSpPr/>
         <p:nvPr/>
       </p:nvGrpSpPr>
@@ -1201,7 +1201,7 @@
       </p:grpSpPr>
       <p:sp>
         <p:nvSpPr>
-          <p:cNvPr id="142" name="Google Shape;142;g11d2595d5c5_0_493:notes"/>
+          <p:cNvPr id="150" name="Google Shape;150;g11d2595d5c5_0_493:notes"/>
           <p:cNvSpPr/>
           <p:nvPr>
             <p:ph idx="2" type="sldImg"/>
@@ -1236,7 +1236,7 @@
       </p:sp>
       <p:sp>
         <p:nvSpPr>
-          <p:cNvPr id="143" name="Google Shape;143;g11d2595d5c5_0_493:notes"/>
+          <p:cNvPr id="151" name="Google Shape;151;g11d2595d5c5_0_493:notes"/>
           <p:cNvSpPr txBox="1"/>
           <p:nvPr>
             <p:ph idx="1" type="body"/>
@@ -1343,7 +1343,7 @@
   <p:cSld>
     <p:spTree>
       <p:nvGrpSpPr>
-        <p:cNvPr id="149" name="Shape 149"/>
+        <p:cNvPr id="157" name="Shape 157"/>
         <p:cNvGrpSpPr/>
         <p:nvPr/>
       </p:nvGrpSpPr>
@@ -1357,7 +1357,7 @@
       </p:grpSpPr>
       <p:sp>
         <p:nvSpPr>
-          <p:cNvPr id="150" name="Google Shape;150;g11d2595d5c5_0_503:notes"/>
+          <p:cNvPr id="158" name="Google Shape;158;g11d2595d5c5_0_503:notes"/>
           <p:cNvSpPr/>
           <p:nvPr>
             <p:ph idx="2" type="sldImg"/>
@@ -1392,7 +1392,7 @@
       </p:sp>
       <p:sp>
         <p:nvSpPr>
-          <p:cNvPr id="151" name="Google Shape;151;g11d2595d5c5_0_503:notes"/>
+          <p:cNvPr id="159" name="Google Shape;159;g11d2595d5c5_0_503:notes"/>
           <p:cNvSpPr txBox="1"/>
           <p:nvPr>
             <p:ph idx="1" type="body"/>
@@ -1499,7 +1499,7 @@
   <p:cSld>
     <p:spTree>
       <p:nvGrpSpPr>
-        <p:cNvPr id="158" name="Shape 158"/>
+        <p:cNvPr id="166" name="Shape 166"/>
         <p:cNvGrpSpPr/>
         <p:nvPr/>
       </p:nvGrpSpPr>
@@ -1513,7 +1513,7 @@
       </p:grpSpPr>
       <p:sp>
         <p:nvSpPr>
-          <p:cNvPr id="159" name="Google Shape;159;g13330878855_0_93:notes"/>
+          <p:cNvPr id="167" name="Google Shape;167;g13330878855_0_93:notes"/>
           <p:cNvSpPr/>
           <p:nvPr>
             <p:ph idx="2" type="sldImg"/>
@@ -1548,7 +1548,7 @@
       </p:sp>
       <p:sp>
         <p:nvSpPr>
-          <p:cNvPr id="160" name="Google Shape;160;g13330878855_0_93:notes"/>
+          <p:cNvPr id="168" name="Google Shape;168;g13330878855_0_93:notes"/>
           <p:cNvSpPr txBox="1"/>
           <p:nvPr>
             <p:ph idx="1" type="body"/>
@@ -1650,7 +1650,7 @@
   <p:cSld>
     <p:spTree>
       <p:nvGrpSpPr>
-        <p:cNvPr id="167" name="Shape 167"/>
+        <p:cNvPr id="175" name="Shape 175"/>
         <p:cNvGrpSpPr/>
         <p:nvPr/>
       </p:nvGrpSpPr>
@@ -1664,7 +1664,7 @@
       </p:grpSpPr>
       <p:sp>
         <p:nvSpPr>
-          <p:cNvPr id="168" name="Google Shape;168;g11d2595d5c5_0_569:notes"/>
+          <p:cNvPr id="176" name="Google Shape;176;g11d2595d5c5_0_569:notes"/>
           <p:cNvSpPr/>
           <p:nvPr>
             <p:ph idx="2" type="sldImg"/>
@@ -1699,7 +1699,7 @@
       </p:sp>
       <p:sp>
         <p:nvSpPr>
-          <p:cNvPr id="169" name="Google Shape;169;g11d2595d5c5_0_569:notes"/>
+          <p:cNvPr id="177" name="Google Shape;177;g11d2595d5c5_0_569:notes"/>
           <p:cNvSpPr txBox="1"/>
           <p:nvPr>
             <p:ph idx="1" type="body"/>
@@ -1837,7 +1837,7 @@
   <p:cSld>
     <p:spTree>
       <p:nvGrpSpPr>
-        <p:cNvPr id="174" name="Shape 174"/>
+        <p:cNvPr id="182" name="Shape 182"/>
         <p:cNvGrpSpPr/>
         <p:nvPr/>
       </p:nvGrpSpPr>
@@ -1851,7 +1851,7 @@
       </p:grpSpPr>
       <p:sp>
         <p:nvSpPr>
-          <p:cNvPr id="175" name="Google Shape;175;g11d2595d5c5_0_577:notes"/>
+          <p:cNvPr id="183" name="Google Shape;183;g11d2595d5c5_0_577:notes"/>
           <p:cNvSpPr/>
           <p:nvPr>
             <p:ph idx="2" type="sldImg"/>
@@ -1886,7 +1886,7 @@
       </p:sp>
       <p:sp>
         <p:nvSpPr>
-          <p:cNvPr id="176" name="Google Shape;176;g11d2595d5c5_0_577:notes"/>
+          <p:cNvPr id="184" name="Google Shape;184;g11d2595d5c5_0_577:notes"/>
           <p:cNvSpPr txBox="1"/>
           <p:nvPr>
             <p:ph idx="1" type="body"/>
@@ -2024,7 +2024,7 @@
   <p:cSld>
     <p:spTree>
       <p:nvGrpSpPr>
-        <p:cNvPr id="183" name="Shape 183"/>
+        <p:cNvPr id="191" name="Shape 191"/>
         <p:cNvGrpSpPr/>
         <p:nvPr/>
       </p:nvGrpSpPr>
@@ -2038,7 +2038,7 @@
       </p:grpSpPr>
       <p:sp>
         <p:nvSpPr>
-          <p:cNvPr id="184" name="Google Shape;184;g11d2595d5c5_0_631:notes"/>
+          <p:cNvPr id="192" name="Google Shape;192;g11d2595d5c5_0_631:notes"/>
           <p:cNvSpPr/>
           <p:nvPr>
             <p:ph idx="2" type="sldImg"/>
@@ -2073,7 +2073,7 @@
       </p:sp>
       <p:sp>
         <p:nvSpPr>
-          <p:cNvPr id="185" name="Google Shape;185;g11d2595d5c5_0_631:notes"/>
+          <p:cNvPr id="193" name="Google Shape;193;g11d2595d5c5_0_631:notes"/>
           <p:cNvSpPr txBox="1"/>
           <p:nvPr>
             <p:ph idx="1" type="body"/>
@@ -2211,7 +2211,7 @@
   <p:cSld>
     <p:spTree>
       <p:nvGrpSpPr>
-        <p:cNvPr id="193" name="Shape 193"/>
+        <p:cNvPr id="201" name="Shape 201"/>
         <p:cNvGrpSpPr/>
         <p:nvPr/>
       </p:nvGrpSpPr>
@@ -2225,7 +2225,7 @@
       </p:grpSpPr>
       <p:sp>
         <p:nvSpPr>
-          <p:cNvPr id="194" name="Google Shape;194;g11d2595d5c5_0_512:notes"/>
+          <p:cNvPr id="202" name="Google Shape;202;g11d2595d5c5_0_512:notes"/>
           <p:cNvSpPr/>
           <p:nvPr>
             <p:ph idx="2" type="sldImg"/>
@@ -2260,7 +2260,7 @@
       </p:sp>
       <p:sp>
         <p:nvSpPr>
-          <p:cNvPr id="195" name="Google Shape;195;g11d2595d5c5_0_512:notes"/>
+          <p:cNvPr id="203" name="Google Shape;203;g11d2595d5c5_0_512:notes"/>
           <p:cNvSpPr txBox="1"/>
           <p:nvPr>
             <p:ph idx="1" type="body"/>
@@ -2336,7 +2336,7 @@
   <p:cSld>
     <p:spTree>
       <p:nvGrpSpPr>
-        <p:cNvPr id="200" name="Shape 200"/>
+        <p:cNvPr id="208" name="Shape 208"/>
         <p:cNvGrpSpPr/>
         <p:nvPr/>
       </p:nvGrpSpPr>
@@ -2350,7 +2350,7 @@
       </p:grpSpPr>
       <p:sp>
         <p:nvSpPr>
-          <p:cNvPr id="201" name="Google Shape;201;g11d2595d5c5_0_518:notes"/>
+          <p:cNvPr id="209" name="Google Shape;209;g11d2595d5c5_0_518:notes"/>
           <p:cNvSpPr/>
           <p:nvPr>
             <p:ph idx="2" type="sldImg"/>
@@ -2385,7 +2385,7 @@
       </p:sp>
       <p:sp>
         <p:nvSpPr>
-          <p:cNvPr id="202" name="Google Shape;202;g11d2595d5c5_0_518:notes"/>
+          <p:cNvPr id="210" name="Google Shape;210;g11d2595d5c5_0_518:notes"/>
           <p:cNvSpPr txBox="1"/>
           <p:nvPr>
             <p:ph idx="1" type="body"/>
@@ -2624,7 +2624,7 @@
   <p:cSld>
     <p:spTree>
       <p:nvGrpSpPr>
-        <p:cNvPr id="208" name="Shape 208"/>
+        <p:cNvPr id="216" name="Shape 216"/>
         <p:cNvGrpSpPr/>
         <p:nvPr/>
       </p:nvGrpSpPr>
@@ -2638,7 +2638,7 @@
       </p:grpSpPr>
       <p:sp>
         <p:nvSpPr>
-          <p:cNvPr id="209" name="Google Shape;209;g13330878855_0_78:notes"/>
+          <p:cNvPr id="217" name="Google Shape;217;g13330878855_0_78:notes"/>
           <p:cNvSpPr/>
           <p:nvPr>
             <p:ph idx="2" type="sldImg"/>
@@ -2673,7 +2673,7 @@
       </p:sp>
       <p:sp>
         <p:nvSpPr>
-          <p:cNvPr id="210" name="Google Shape;210;g13330878855_0_78:notes"/>
+          <p:cNvPr id="218" name="Google Shape;218;g13330878855_0_78:notes"/>
           <p:cNvSpPr txBox="1"/>
           <p:nvPr>
             <p:ph idx="1" type="body"/>
@@ -2787,7 +2787,7 @@
   <p:cSld>
     <p:spTree>
       <p:nvGrpSpPr>
-        <p:cNvPr id="220" name="Shape 220"/>
+        <p:cNvPr id="228" name="Shape 228"/>
         <p:cNvGrpSpPr/>
         <p:nvPr/>
       </p:nvGrpSpPr>
@@ -2801,7 +2801,7 @@
       </p:grpSpPr>
       <p:sp>
         <p:nvSpPr>
-          <p:cNvPr id="221" name="Google Shape;221;g13330878855_0_30:notes"/>
+          <p:cNvPr id="229" name="Google Shape;229;g13330878855_0_30:notes"/>
           <p:cNvSpPr/>
           <p:nvPr>
             <p:ph idx="2" type="sldImg"/>
@@ -2836,7 +2836,7 @@
       </p:sp>
       <p:sp>
         <p:nvSpPr>
-          <p:cNvPr id="222" name="Google Shape;222;g13330878855_0_30:notes"/>
+          <p:cNvPr id="230" name="Google Shape;230;g13330878855_0_30:notes"/>
           <p:cNvSpPr txBox="1"/>
           <p:nvPr>
             <p:ph idx="1" type="body"/>
@@ -2976,7 +2976,7 @@
   <p:cSld>
     <p:spTree>
       <p:nvGrpSpPr>
-        <p:cNvPr id="227" name="Shape 227"/>
+        <p:cNvPr id="235" name="Shape 235"/>
         <p:cNvGrpSpPr/>
         <p:nvPr/>
       </p:nvGrpSpPr>
@@ -2990,7 +2990,7 @@
       </p:grpSpPr>
       <p:sp>
         <p:nvSpPr>
-          <p:cNvPr id="228" name="Google Shape;228;g13330878855_0_134:notes"/>
+          <p:cNvPr id="236" name="Google Shape;236;g13330878855_0_134:notes"/>
           <p:cNvSpPr/>
           <p:nvPr>
             <p:ph idx="2" type="sldImg"/>
@@ -3025,7 +3025,7 @@
       </p:sp>
       <p:sp>
         <p:nvSpPr>
-          <p:cNvPr id="229" name="Google Shape;229;g13330878855_0_134:notes"/>
+          <p:cNvPr id="237" name="Google Shape;237;g13330878855_0_134:notes"/>
           <p:cNvSpPr txBox="1"/>
           <p:nvPr>
             <p:ph idx="1" type="body"/>
@@ -3127,7 +3127,7 @@
   <p:cSld>
     <p:spTree>
       <p:nvGrpSpPr>
-        <p:cNvPr id="234" name="Shape 234"/>
+        <p:cNvPr id="242" name="Shape 242"/>
         <p:cNvGrpSpPr/>
         <p:nvPr/>
       </p:nvGrpSpPr>
@@ -3141,7 +3141,7 @@
       </p:grpSpPr>
       <p:sp>
         <p:nvSpPr>
-          <p:cNvPr id="235" name="Google Shape;235;g13330878855_0_142:notes"/>
+          <p:cNvPr id="243" name="Google Shape;243;g13330878855_0_142:notes"/>
           <p:cNvSpPr/>
           <p:nvPr>
             <p:ph idx="2" type="sldImg"/>
@@ -3176,7 +3176,7 @@
       </p:sp>
       <p:sp>
         <p:nvSpPr>
-          <p:cNvPr id="236" name="Google Shape;236;g13330878855_0_142:notes"/>
+          <p:cNvPr id="244" name="Google Shape;244;g13330878855_0_142:notes"/>
           <p:cNvSpPr txBox="1"/>
           <p:nvPr>
             <p:ph idx="1" type="body"/>
@@ -3278,7 +3278,7 @@
   <p:cSld>
     <p:spTree>
       <p:nvGrpSpPr>
-        <p:cNvPr id="247" name="Shape 247"/>
+        <p:cNvPr id="255" name="Shape 255"/>
         <p:cNvGrpSpPr/>
         <p:nvPr/>
       </p:nvGrpSpPr>
@@ -3292,7 +3292,7 @@
       </p:grpSpPr>
       <p:sp>
         <p:nvSpPr>
-          <p:cNvPr id="248" name="Google Shape;248;g13330878855_0_155:notes"/>
+          <p:cNvPr id="256" name="Google Shape;256;g13330878855_0_155:notes"/>
           <p:cNvSpPr/>
           <p:nvPr>
             <p:ph idx="2" type="sldImg"/>
@@ -3327,7 +3327,7 @@
       </p:sp>
       <p:sp>
         <p:nvSpPr>
-          <p:cNvPr id="249" name="Google Shape;249;g13330878855_0_155:notes"/>
+          <p:cNvPr id="257" name="Google Shape;257;g13330878855_0_155:notes"/>
           <p:cNvSpPr txBox="1"/>
           <p:nvPr>
             <p:ph idx="1" type="body"/>
@@ -3429,7 +3429,7 @@
   <p:cSld>
     <p:spTree>
       <p:nvGrpSpPr>
-        <p:cNvPr id="261" name="Shape 261"/>
+        <p:cNvPr id="269" name="Shape 269"/>
         <p:cNvGrpSpPr/>
         <p:nvPr/>
       </p:nvGrpSpPr>
@@ -3443,7 +3443,7 @@
       </p:grpSpPr>
       <p:sp>
         <p:nvSpPr>
-          <p:cNvPr id="262" name="Google Shape;262;g13330878855_0_168:notes"/>
+          <p:cNvPr id="270" name="Google Shape;270;g13330878855_0_168:notes"/>
           <p:cNvSpPr/>
           <p:nvPr>
             <p:ph idx="2" type="sldImg"/>
@@ -3478,7 +3478,7 @@
       </p:sp>
       <p:sp>
         <p:nvSpPr>
-          <p:cNvPr id="263" name="Google Shape;263;g13330878855_0_168:notes"/>
+          <p:cNvPr id="271" name="Google Shape;271;g13330878855_0_168:notes"/>
           <p:cNvSpPr txBox="1"/>
           <p:nvPr>
             <p:ph idx="1" type="body"/>
@@ -3580,7 +3580,7 @@
   <p:cSld>
     <p:spTree>
       <p:nvGrpSpPr>
-        <p:cNvPr id="270" name="Shape 270"/>
+        <p:cNvPr id="278" name="Shape 278"/>
         <p:cNvGrpSpPr/>
         <p:nvPr/>
       </p:nvGrpSpPr>
@@ -3594,7 +3594,7 @@
       </p:grpSpPr>
       <p:sp>
         <p:nvSpPr>
-          <p:cNvPr id="271" name="Google Shape;271;g13330878855_0_201:notes"/>
+          <p:cNvPr id="279" name="Google Shape;279;g13330878855_0_201:notes"/>
           <p:cNvSpPr/>
           <p:nvPr>
             <p:ph idx="2" type="sldImg"/>
@@ -3629,7 +3629,7 @@
       </p:sp>
       <p:sp>
         <p:nvSpPr>
-          <p:cNvPr id="272" name="Google Shape;272;g13330878855_0_201:notes"/>
+          <p:cNvPr id="280" name="Google Shape;280;g13330878855_0_201:notes"/>
           <p:cNvSpPr txBox="1"/>
           <p:nvPr>
             <p:ph idx="1" type="body"/>
@@ -3755,7 +3755,7 @@
   <p:cSld>
     <p:spTree>
       <p:nvGrpSpPr>
-        <p:cNvPr id="280" name="Shape 280"/>
+        <p:cNvPr id="288" name="Shape 288"/>
         <p:cNvGrpSpPr/>
         <p:nvPr/>
       </p:nvGrpSpPr>
@@ -3769,7 +3769,7 @@
       </p:grpSpPr>
       <p:sp>
         <p:nvSpPr>
-          <p:cNvPr id="281" name="Google Shape;281;g13330878855_0_181:notes"/>
+          <p:cNvPr id="289" name="Google Shape;289;g13330878855_0_181:notes"/>
           <p:cNvSpPr/>
           <p:nvPr>
             <p:ph idx="2" type="sldImg"/>
@@ -3804,7 +3804,7 @@
       </p:sp>
       <p:sp>
         <p:nvSpPr>
-          <p:cNvPr id="282" name="Google Shape;282;g13330878855_0_181:notes"/>
+          <p:cNvPr id="290" name="Google Shape;290;g13330878855_0_181:notes"/>
           <p:cNvSpPr txBox="1"/>
           <p:nvPr>
             <p:ph idx="1" type="body"/>
@@ -3948,7 +3948,7 @@
   <p:cSld>
     <p:spTree>
       <p:nvGrpSpPr>
-        <p:cNvPr id="288" name="Shape 288"/>
+        <p:cNvPr id="296" name="Shape 296"/>
         <p:cNvGrpSpPr/>
         <p:nvPr/>
       </p:nvGrpSpPr>
@@ -3962,7 +3962,7 @@
       </p:grpSpPr>
       <p:sp>
         <p:nvSpPr>
-          <p:cNvPr id="289" name="Google Shape;289;g13330878855_0_210:notes"/>
+          <p:cNvPr id="297" name="Google Shape;297;g13330878855_0_210:notes"/>
           <p:cNvSpPr/>
           <p:nvPr>
             <p:ph idx="2" type="sldImg"/>
@@ -3997,7 +3997,7 @@
       </p:sp>
       <p:sp>
         <p:nvSpPr>
-          <p:cNvPr id="290" name="Google Shape;290;g13330878855_0_210:notes"/>
+          <p:cNvPr id="298" name="Google Shape;298;g13330878855_0_210:notes"/>
           <p:cNvSpPr txBox="1"/>
           <p:nvPr>
             <p:ph idx="1" type="body"/>
@@ -4141,7 +4141,7 @@
   <p:cSld>
     <p:spTree>
       <p:nvGrpSpPr>
-        <p:cNvPr id="296" name="Shape 296"/>
+        <p:cNvPr id="304" name="Shape 304"/>
         <p:cNvGrpSpPr/>
         <p:nvPr/>
       </p:nvGrpSpPr>
@@ -4155,7 +4155,7 @@
       </p:grpSpPr>
       <p:sp>
         <p:nvSpPr>
-          <p:cNvPr id="297" name="Google Shape;297;g13330878855_0_225:notes"/>
+          <p:cNvPr id="305" name="Google Shape;305;g13330878855_0_225:notes"/>
           <p:cNvSpPr/>
           <p:nvPr>
             <p:ph idx="2" type="sldImg"/>
@@ -4190,7 +4190,7 @@
       </p:sp>
       <p:sp>
         <p:nvSpPr>
-          <p:cNvPr id="298" name="Google Shape;298;g13330878855_0_225:notes"/>
+          <p:cNvPr id="306" name="Google Shape;306;g13330878855_0_225:notes"/>
           <p:cNvSpPr txBox="1"/>
           <p:nvPr>
             <p:ph idx="1" type="body"/>
@@ -4450,7 +4450,7 @@
   <p:cSld>
     <p:spTree>
       <p:nvGrpSpPr>
-        <p:cNvPr id="307" name="Shape 307"/>
+        <p:cNvPr id="315" name="Shape 315"/>
         <p:cNvGrpSpPr/>
         <p:nvPr/>
       </p:nvGrpSpPr>
@@ -4464,7 +4464,7 @@
       </p:grpSpPr>
       <p:sp>
         <p:nvSpPr>
-          <p:cNvPr id="308" name="Google Shape;308;g13330878855_0_241:notes"/>
+          <p:cNvPr id="316" name="Google Shape;316;g13330878855_0_241:notes"/>
           <p:cNvSpPr/>
           <p:nvPr>
             <p:ph idx="2" type="sldImg"/>
@@ -4499,7 +4499,7 @@
       </p:sp>
       <p:sp>
         <p:nvSpPr>
-          <p:cNvPr id="309" name="Google Shape;309;g13330878855_0_241:notes"/>
+          <p:cNvPr id="317" name="Google Shape;317;g13330878855_0_241:notes"/>
           <p:cNvSpPr txBox="1"/>
           <p:nvPr>
             <p:ph idx="1" type="body"/>
@@ -4643,7 +4643,7 @@
   <p:cSld>
     <p:spTree>
       <p:nvGrpSpPr>
-        <p:cNvPr id="317" name="Shape 317"/>
+        <p:cNvPr id="325" name="Shape 325"/>
         <p:cNvGrpSpPr/>
         <p:nvPr/>
       </p:nvGrpSpPr>
@@ -4657,7 +4657,7 @@
       </p:grpSpPr>
       <p:sp>
         <p:nvSpPr>
-          <p:cNvPr id="318" name="Google Shape;318;g13330878855_0_257:notes"/>
+          <p:cNvPr id="326" name="Google Shape;326;g13330878855_0_257:notes"/>
           <p:cNvSpPr/>
           <p:nvPr>
             <p:ph idx="2" type="sldImg"/>
@@ -4692,7 +4692,7 @@
       </p:sp>
       <p:sp>
         <p:nvSpPr>
-          <p:cNvPr id="319" name="Google Shape;319;g13330878855_0_257:notes"/>
+          <p:cNvPr id="327" name="Google Shape;327;g13330878855_0_257:notes"/>
           <p:cNvSpPr txBox="1"/>
           <p:nvPr>
             <p:ph idx="1" type="body"/>
@@ -4800,7 +4800,7 @@
   <p:cSld>
     <p:spTree>
       <p:nvGrpSpPr>
-        <p:cNvPr id="330" name="Shape 330"/>
+        <p:cNvPr id="338" name="Shape 338"/>
         <p:cNvGrpSpPr/>
         <p:nvPr/>
       </p:nvGrpSpPr>
@@ -4814,7 +4814,7 @@
       </p:grpSpPr>
       <p:sp>
         <p:nvSpPr>
-          <p:cNvPr id="331" name="Google Shape;331;g13330878855_0_271:notes"/>
+          <p:cNvPr id="339" name="Google Shape;339;g13330878855_0_271:notes"/>
           <p:cNvSpPr/>
           <p:nvPr>
             <p:ph idx="2" type="sldImg"/>
@@ -4849,7 +4849,7 @@
       </p:sp>
       <p:sp>
         <p:nvSpPr>
-          <p:cNvPr id="332" name="Google Shape;332;g13330878855_0_271:notes"/>
+          <p:cNvPr id="340" name="Google Shape;340;g13330878855_0_271:notes"/>
           <p:cNvSpPr txBox="1"/>
           <p:nvPr>
             <p:ph idx="1" type="body"/>
@@ -4899,7 +4899,7 @@
   <p:cSld>
     <p:spTree>
       <p:nvGrpSpPr>
-        <p:cNvPr id="339" name="Shape 339"/>
+        <p:cNvPr id="347" name="Shape 347"/>
         <p:cNvGrpSpPr/>
         <p:nvPr/>
       </p:nvGrpSpPr>
@@ -4913,7 +4913,7 @@
       </p:grpSpPr>
       <p:sp>
         <p:nvSpPr>
-          <p:cNvPr id="340" name="Google Shape;340;g13330878855_0_280:notes"/>
+          <p:cNvPr id="348" name="Google Shape;348;g13330878855_0_280:notes"/>
           <p:cNvSpPr/>
           <p:nvPr>
             <p:ph idx="2" type="sldImg"/>
@@ -4948,7 +4948,7 @@
       </p:sp>
       <p:sp>
         <p:nvSpPr>
-          <p:cNvPr id="341" name="Google Shape;341;g13330878855_0_280:notes"/>
+          <p:cNvPr id="349" name="Google Shape;349;g13330878855_0_280:notes"/>
           <p:cNvSpPr txBox="1"/>
           <p:nvPr>
             <p:ph idx="1" type="body"/>
@@ -4998,7 +4998,7 @@
   <p:cSld>
     <p:spTree>
       <p:nvGrpSpPr>
-        <p:cNvPr id="348" name="Shape 348"/>
+        <p:cNvPr id="356" name="Shape 356"/>
         <p:cNvGrpSpPr/>
         <p:nvPr/>
       </p:nvGrpSpPr>
@@ -5012,7 +5012,7 @@
       </p:grpSpPr>
       <p:sp>
         <p:nvSpPr>
-          <p:cNvPr id="349" name="Google Shape;349;g13330878855_0_108:notes"/>
+          <p:cNvPr id="357" name="Google Shape;357;g13330878855_0_108:notes"/>
           <p:cNvSpPr/>
           <p:nvPr>
             <p:ph idx="2" type="sldImg"/>
@@ -5047,7 +5047,7 @@
       </p:sp>
       <p:sp>
         <p:nvSpPr>
-          <p:cNvPr id="350" name="Google Shape;350;g13330878855_0_108:notes"/>
+          <p:cNvPr id="358" name="Google Shape;358;g13330878855_0_108:notes"/>
           <p:cNvSpPr txBox="1"/>
           <p:nvPr>
             <p:ph idx="1" type="body"/>
@@ -5097,7 +5097,7 @@
   <p:cSld>
     <p:spTree>
       <p:nvGrpSpPr>
-        <p:cNvPr id="358" name="Shape 358"/>
+        <p:cNvPr id="366" name="Shape 366"/>
         <p:cNvGrpSpPr/>
         <p:nvPr/>
       </p:nvGrpSpPr>
@@ -5111,7 +5111,7 @@
       </p:grpSpPr>
       <p:sp>
         <p:nvSpPr>
-          <p:cNvPr id="359" name="Google Shape;359;g13330878855_0_307:notes"/>
+          <p:cNvPr id="367" name="Google Shape;367;g13330878855_0_307:notes"/>
           <p:cNvSpPr/>
           <p:nvPr>
             <p:ph idx="2" type="sldImg"/>
@@ -5146,7 +5146,7 @@
       </p:sp>
       <p:sp>
         <p:nvSpPr>
-          <p:cNvPr id="360" name="Google Shape;360;g13330878855_0_307:notes"/>
+          <p:cNvPr id="368" name="Google Shape;368;g13330878855_0_307:notes"/>
           <p:cNvSpPr txBox="1"/>
           <p:nvPr>
             <p:ph idx="1" type="body"/>
@@ -5196,7 +5196,7 @@
   <p:cSld>
     <p:spTree>
       <p:nvGrpSpPr>
-        <p:cNvPr id="371" name="Shape 371"/>
+        <p:cNvPr id="379" name="Shape 379"/>
         <p:cNvGrpSpPr/>
         <p:nvPr/>
       </p:nvGrpSpPr>
@@ -5210,7 +5210,7 @@
       </p:grpSpPr>
       <p:sp>
         <p:nvSpPr>
-          <p:cNvPr id="372" name="Google Shape;372;g13330878855_0_298:notes"/>
+          <p:cNvPr id="380" name="Google Shape;380;g13330878855_0_298:notes"/>
           <p:cNvSpPr/>
           <p:nvPr>
             <p:ph idx="2" type="sldImg"/>
@@ -5245,7 +5245,7 @@
       </p:sp>
       <p:sp>
         <p:nvSpPr>
-          <p:cNvPr id="373" name="Google Shape;373;g13330878855_0_298:notes"/>
+          <p:cNvPr id="381" name="Google Shape;381;g13330878855_0_298:notes"/>
           <p:cNvSpPr txBox="1"/>
           <p:nvPr>
             <p:ph idx="1" type="body"/>
@@ -5295,7 +5295,7 @@
   <p:cSld>
     <p:spTree>
       <p:nvGrpSpPr>
-        <p:cNvPr id="384" name="Shape 384"/>
+        <p:cNvPr id="392" name="Shape 392"/>
         <p:cNvGrpSpPr/>
         <p:nvPr/>
       </p:nvGrpSpPr>
@@ -5309,7 +5309,7 @@
       </p:grpSpPr>
       <p:sp>
         <p:nvSpPr>
-          <p:cNvPr id="385" name="Google Shape;385;g13330878855_0_291:notes"/>
+          <p:cNvPr id="393" name="Google Shape;393;g13330878855_0_291:notes"/>
           <p:cNvSpPr/>
           <p:nvPr>
             <p:ph idx="2" type="sldImg"/>
@@ -5344,7 +5344,7 @@
       </p:sp>
       <p:sp>
         <p:nvSpPr>
-          <p:cNvPr id="386" name="Google Shape;386;g13330878855_0_291:notes"/>
+          <p:cNvPr id="394" name="Google Shape;394;g13330878855_0_291:notes"/>
           <p:cNvSpPr txBox="1"/>
           <p:nvPr>
             <p:ph idx="1" type="body"/>
@@ -5873,7 +5873,7 @@
   <p:cSld>
     <p:spTree>
       <p:nvGrpSpPr>
-        <p:cNvPr id="109" name="Shape 109"/>
+        <p:cNvPr id="117" name="Shape 117"/>
         <p:cNvGrpSpPr/>
         <p:nvPr/>
       </p:nvGrpSpPr>
@@ -5887,7 +5887,7 @@
       </p:grpSpPr>
       <p:sp>
         <p:nvSpPr>
-          <p:cNvPr id="110" name="Google Shape;110;g13330878855_0_59:notes"/>
+          <p:cNvPr id="118" name="Google Shape;118;g13330878855_0_59:notes"/>
           <p:cNvSpPr/>
           <p:nvPr>
             <p:ph idx="2" type="sldImg"/>
@@ -5922,7 +5922,7 @@
       </p:sp>
       <p:sp>
         <p:nvSpPr>
-          <p:cNvPr id="111" name="Google Shape;111;g13330878855_0_59:notes"/>
+          <p:cNvPr id="119" name="Google Shape;119;g13330878855_0_59:notes"/>
           <p:cNvSpPr txBox="1"/>
           <p:nvPr>
             <p:ph idx="1" type="body"/>
@@ -6029,7 +6029,7 @@
   <p:cSld>
     <p:spTree>
       <p:nvGrpSpPr>
-        <p:cNvPr id="116" name="Shape 116"/>
+        <p:cNvPr id="124" name="Shape 124"/>
         <p:cNvGrpSpPr/>
         <p:nvPr/>
       </p:nvGrpSpPr>
@@ -6043,7 +6043,7 @@
       </p:grpSpPr>
       <p:sp>
         <p:nvSpPr>
-          <p:cNvPr id="117" name="Google Shape;117;g11d2595d5c5_0_426:notes"/>
+          <p:cNvPr id="125" name="Google Shape;125;g11d2595d5c5_0_426:notes"/>
           <p:cNvSpPr/>
           <p:nvPr>
             <p:ph idx="2" type="sldImg"/>
@@ -6078,7 +6078,7 @@
       </p:sp>
       <p:sp>
         <p:nvSpPr>
-          <p:cNvPr id="118" name="Google Shape;118;g11d2595d5c5_0_426:notes"/>
+          <p:cNvPr id="126" name="Google Shape;126;g11d2595d5c5_0_426:notes"/>
           <p:cNvSpPr txBox="1"/>
           <p:nvPr>
             <p:ph idx="1" type="body"/>
@@ -11496,7 +11496,7 @@
             </a:pPr>
             <a:r>
               <a:rPr lang="en" sz="1400"/>
-              <a:t>Investigating the potential for Machine Learning to improve resource management and occupancy forecasting in regard to diabetic patients.</a:t>
+              <a:t>Investigating the potential for Machine Learning to improve resource management and simple occupancy forecasting in regard to diabetic patients.</a:t>
             </a:r>
             <a:endParaRPr sz="1400"/>
           </a:p>
@@ -11591,207 +11591,6 @@
 </file>
 
 <file path=ppt/slides/slide10.xml><?xml version="1.0" encoding="utf-8"?>
-<p:sld xmlns:a="http://schemas.openxmlformats.org/drawingml/2006/main" xmlns:r="http://schemas.openxmlformats.org/officeDocument/2006/relationships" xmlns:mc="http://schemas.openxmlformats.org/markup-compatibility/2006" xmlns:mv="urn:schemas-microsoft-com:mac:vml" xmlns:p="http://schemas.openxmlformats.org/presentationml/2006/main" xmlns:c="http://schemas.openxmlformats.org/drawingml/2006/chart" xmlns:dgm="http://schemas.openxmlformats.org/drawingml/2006/diagram" xmlns:o="urn:schemas-microsoft-com:office:office" xmlns:v="urn:schemas-microsoft-com:vml" xmlns:pvml="urn:schemas-microsoft-com:office:powerpoint" xmlns:com="http://schemas.openxmlformats.org/drawingml/2006/compatibility" xmlns:p14="http://schemas.microsoft.com/office/powerpoint/2010/main" xmlns:p15="http://schemas.microsoft.com/office/powerpoint/2012/main" xmlns:ahyp="http://schemas.microsoft.com/office/drawing/2018/hyperlinkcolor">
-  <p:cSld>
-    <p:spTree>
-      <p:nvGrpSpPr>
-        <p:cNvPr id="126" name="Shape 126"/>
-        <p:cNvGrpSpPr/>
-        <p:nvPr/>
-      </p:nvGrpSpPr>
-      <p:grpSpPr>
-        <a:xfrm>
-          <a:off x="0" y="0"/>
-          <a:ext cx="0" cy="0"/>
-          <a:chOff x="0" y="0"/>
-          <a:chExt cx="0" cy="0"/>
-        </a:xfrm>
-      </p:grpSpPr>
-      <p:pic>
-        <p:nvPicPr>
-          <p:cNvPr id="127" name="Google Shape;127;p22"/>
-          <p:cNvPicPr preferRelativeResize="0"/>
-          <p:nvPr/>
-        </p:nvPicPr>
-        <p:blipFill>
-          <a:blip r:embed="rId3">
-            <a:alphaModFix/>
-          </a:blip>
-          <a:stretch>
-            <a:fillRect/>
-          </a:stretch>
-        </p:blipFill>
-        <p:spPr>
-          <a:xfrm>
-            <a:off x="4572000" y="1023376"/>
-            <a:ext cx="4121750" cy="3096750"/>
-          </a:xfrm>
-          <a:prstGeom prst="rect">
-            <a:avLst/>
-          </a:prstGeom>
-          <a:noFill/>
-          <a:ln>
-            <a:noFill/>
-          </a:ln>
-        </p:spPr>
-      </p:pic>
-      <p:sp>
-        <p:nvSpPr>
-          <p:cNvPr id="128" name="Google Shape;128;p22"/>
-          <p:cNvSpPr txBox="1"/>
-          <p:nvPr/>
-        </p:nvSpPr>
-        <p:spPr>
-          <a:xfrm>
-            <a:off x="708900" y="1163600"/>
-            <a:ext cx="4038300" cy="554100"/>
-          </a:xfrm>
-          <a:prstGeom prst="rect">
-            <a:avLst/>
-          </a:prstGeom>
-          <a:noFill/>
-          <a:ln>
-            <a:noFill/>
-          </a:ln>
-        </p:spPr>
-        <p:txBody>
-          <a:bodyPr anchorCtr="0" anchor="t" bIns="91425" lIns="91425" spcFirstLastPara="1" rIns="91425" wrap="square" tIns="91425">
-            <a:spAutoFit/>
-          </a:bodyPr>
-          <a:lstStyle/>
-          <a:p>
-            <a:pPr indent="0" lvl="0" marL="0" rtl="0" algn="l">
-              <a:spcBef>
-                <a:spcPts val="0"/>
-              </a:spcBef>
-              <a:spcAft>
-                <a:spcPts val="0"/>
-              </a:spcAft>
-              <a:buNone/>
-            </a:pPr>
-            <a:r>
-              <a:rPr lang="en" sz="2400">
-                <a:solidFill>
-                  <a:schemeClr val="dk1"/>
-                </a:solidFill>
-                <a:latin typeface="Oswald"/>
-                <a:ea typeface="Oswald"/>
-                <a:cs typeface="Oswald"/>
-                <a:sym typeface="Oswald"/>
-              </a:rPr>
-              <a:t>…Demographics?</a:t>
-            </a:r>
-            <a:endParaRPr sz="2400">
-              <a:solidFill>
-                <a:srgbClr val="CCCCCC"/>
-              </a:solidFill>
-              <a:latin typeface="Oswald"/>
-              <a:ea typeface="Oswald"/>
-              <a:cs typeface="Oswald"/>
-              <a:sym typeface="Oswald"/>
-            </a:endParaRPr>
-          </a:p>
-        </p:txBody>
-      </p:sp>
-      <p:sp>
-        <p:nvSpPr>
-          <p:cNvPr id="129" name="Google Shape;129;p22"/>
-          <p:cNvSpPr txBox="1"/>
-          <p:nvPr/>
-        </p:nvSpPr>
-        <p:spPr>
-          <a:xfrm>
-            <a:off x="1509325" y="2360950"/>
-            <a:ext cx="4856700" cy="400200"/>
-          </a:xfrm>
-          <a:prstGeom prst="rect">
-            <a:avLst/>
-          </a:prstGeom>
-          <a:noFill/>
-          <a:ln>
-            <a:noFill/>
-          </a:ln>
-        </p:spPr>
-        <p:txBody>
-          <a:bodyPr anchorCtr="0" anchor="t" bIns="91425" lIns="91425" spcFirstLastPara="1" rIns="91425" wrap="square" tIns="91425">
-            <a:spAutoFit/>
-          </a:bodyPr>
-          <a:lstStyle/>
-          <a:p>
-            <a:pPr indent="0" lvl="0" marL="0" rtl="0" algn="l">
-              <a:spcBef>
-                <a:spcPts val="0"/>
-              </a:spcBef>
-              <a:spcAft>
-                <a:spcPts val="0"/>
-              </a:spcAft>
-              <a:buNone/>
-            </a:pPr>
-            <a:r>
-              <a:t/>
-            </a:r>
-            <a:endParaRPr>
-              <a:latin typeface="Average"/>
-              <a:ea typeface="Average"/>
-              <a:cs typeface="Average"/>
-              <a:sym typeface="Average"/>
-            </a:endParaRPr>
-          </a:p>
-        </p:txBody>
-      </p:sp>
-      <p:sp>
-        <p:nvSpPr>
-          <p:cNvPr id="130" name="Google Shape;130;p22"/>
-          <p:cNvSpPr txBox="1"/>
-          <p:nvPr>
-            <p:ph type="title"/>
-          </p:nvPr>
-        </p:nvSpPr>
-        <p:spPr>
-          <a:xfrm>
-            <a:off x="311700" y="216425"/>
-            <a:ext cx="8520600" cy="572700"/>
-          </a:xfrm>
-          <a:prstGeom prst="rect">
-            <a:avLst/>
-          </a:prstGeom>
-        </p:spPr>
-        <p:txBody>
-          <a:bodyPr anchorCtr="0" anchor="t" bIns="91425" lIns="91425" spcFirstLastPara="1" rIns="91425" wrap="square" tIns="91425">
-            <a:noAutofit/>
-          </a:bodyPr>
-          <a:lstStyle/>
-          <a:p>
-            <a:pPr indent="0" lvl="0" marL="0" rtl="0" algn="l">
-              <a:spcBef>
-                <a:spcPts val="0"/>
-              </a:spcBef>
-              <a:spcAft>
-                <a:spcPts val="0"/>
-              </a:spcAft>
-              <a:buNone/>
-            </a:pPr>
-            <a:r>
-              <a:rPr i="1" lang="en" sz="3333"/>
-              <a:t>What does EDA tell us about…</a:t>
-            </a:r>
-            <a:endParaRPr>
-              <a:solidFill>
-                <a:srgbClr val="CCCCCC"/>
-              </a:solidFill>
-            </a:endParaRPr>
-          </a:p>
-        </p:txBody>
-      </p:sp>
-    </p:spTree>
-  </p:cSld>
-  <p:clrMapOvr>
-    <a:masterClrMapping/>
-  </p:clrMapOvr>
-</p:sld>
-</file>
-
-<file path=ppt/slides/slide11.xml><?xml version="1.0" encoding="utf-8"?>
 <p:sld xmlns:a="http://schemas.openxmlformats.org/drawingml/2006/main" xmlns:r="http://schemas.openxmlformats.org/officeDocument/2006/relationships" xmlns:mc="http://schemas.openxmlformats.org/markup-compatibility/2006" xmlns:mv="urn:schemas-microsoft-com:mac:vml" xmlns:p="http://schemas.openxmlformats.org/presentationml/2006/main" xmlns:c="http://schemas.openxmlformats.org/drawingml/2006/chart" xmlns:dgm="http://schemas.openxmlformats.org/drawingml/2006/diagram" xmlns:o="urn:schemas-microsoft-com:office:office" xmlns:v="urn:schemas-microsoft-com:vml" xmlns:pvml="urn:schemas-microsoft-com:office:powerpoint" xmlns:com="http://schemas.openxmlformats.org/drawingml/2006/compatibility" xmlns:p14="http://schemas.microsoft.com/office/powerpoint/2010/main" xmlns:p15="http://schemas.microsoft.com/office/powerpoint/2012/main" xmlns:ahyp="http://schemas.microsoft.com/office/drawing/2018/hyperlinkcolor">
   <p:cSld>
     <p:spTree>
@@ -11810,7 +11609,7 @@
       </p:grpSpPr>
       <p:pic>
         <p:nvPicPr>
-          <p:cNvPr id="135" name="Google Shape;135;p23"/>
+          <p:cNvPr id="135" name="Google Shape;135;p22"/>
           <p:cNvPicPr preferRelativeResize="0"/>
           <p:nvPr/>
         </p:nvPicPr>
@@ -11838,7 +11637,7 @@
       </p:pic>
       <p:sp>
         <p:nvSpPr>
-          <p:cNvPr id="136" name="Google Shape;136;p23"/>
+          <p:cNvPr id="136" name="Google Shape;136;p22"/>
           <p:cNvSpPr txBox="1"/>
           <p:nvPr/>
         </p:nvSpPr>
@@ -11896,7 +11695,7 @@
       </p:sp>
       <p:sp>
         <p:nvSpPr>
-          <p:cNvPr id="137" name="Google Shape;137;p23"/>
+          <p:cNvPr id="137" name="Google Shape;137;p22"/>
           <p:cNvSpPr txBox="1"/>
           <p:nvPr/>
         </p:nvSpPr>
@@ -11942,7 +11741,208 @@
       </p:sp>
       <p:sp>
         <p:nvSpPr>
-          <p:cNvPr id="138" name="Google Shape;138;p23"/>
+          <p:cNvPr id="138" name="Google Shape;138;p22"/>
+          <p:cNvSpPr txBox="1"/>
+          <p:nvPr>
+            <p:ph type="title"/>
+          </p:nvPr>
+        </p:nvSpPr>
+        <p:spPr>
+          <a:xfrm>
+            <a:off x="311700" y="216425"/>
+            <a:ext cx="8520600" cy="572700"/>
+          </a:xfrm>
+          <a:prstGeom prst="rect">
+            <a:avLst/>
+          </a:prstGeom>
+        </p:spPr>
+        <p:txBody>
+          <a:bodyPr anchorCtr="0" anchor="t" bIns="91425" lIns="91425" spcFirstLastPara="1" rIns="91425" wrap="square" tIns="91425">
+            <a:noAutofit/>
+          </a:bodyPr>
+          <a:lstStyle/>
+          <a:p>
+            <a:pPr indent="0" lvl="0" marL="0" rtl="0" algn="l">
+              <a:spcBef>
+                <a:spcPts val="0"/>
+              </a:spcBef>
+              <a:spcAft>
+                <a:spcPts val="0"/>
+              </a:spcAft>
+              <a:buNone/>
+            </a:pPr>
+            <a:r>
+              <a:rPr i="1" lang="en" sz="3333"/>
+              <a:t>What does EDA tell us about…</a:t>
+            </a:r>
+            <a:endParaRPr>
+              <a:solidFill>
+                <a:srgbClr val="CCCCCC"/>
+              </a:solidFill>
+            </a:endParaRPr>
+          </a:p>
+        </p:txBody>
+      </p:sp>
+    </p:spTree>
+  </p:cSld>
+  <p:clrMapOvr>
+    <a:masterClrMapping/>
+  </p:clrMapOvr>
+</p:sld>
+</file>
+
+<file path=ppt/slides/slide11.xml><?xml version="1.0" encoding="utf-8"?>
+<p:sld xmlns:a="http://schemas.openxmlformats.org/drawingml/2006/main" xmlns:r="http://schemas.openxmlformats.org/officeDocument/2006/relationships" xmlns:mc="http://schemas.openxmlformats.org/markup-compatibility/2006" xmlns:mv="urn:schemas-microsoft-com:mac:vml" xmlns:p="http://schemas.openxmlformats.org/presentationml/2006/main" xmlns:c="http://schemas.openxmlformats.org/drawingml/2006/chart" xmlns:dgm="http://schemas.openxmlformats.org/drawingml/2006/diagram" xmlns:o="urn:schemas-microsoft-com:office:office" xmlns:v="urn:schemas-microsoft-com:vml" xmlns:pvml="urn:schemas-microsoft-com:office:powerpoint" xmlns:com="http://schemas.openxmlformats.org/drawingml/2006/compatibility" xmlns:p14="http://schemas.microsoft.com/office/powerpoint/2010/main" xmlns:p15="http://schemas.microsoft.com/office/powerpoint/2012/main" xmlns:ahyp="http://schemas.microsoft.com/office/drawing/2018/hyperlinkcolor">
+  <p:cSld>
+    <p:spTree>
+      <p:nvGrpSpPr>
+        <p:cNvPr id="142" name="Shape 142"/>
+        <p:cNvGrpSpPr/>
+        <p:nvPr/>
+      </p:nvGrpSpPr>
+      <p:grpSpPr>
+        <a:xfrm>
+          <a:off x="0" y="0"/>
+          <a:ext cx="0" cy="0"/>
+          <a:chOff x="0" y="0"/>
+          <a:chExt cx="0" cy="0"/>
+        </a:xfrm>
+      </p:grpSpPr>
+      <p:pic>
+        <p:nvPicPr>
+          <p:cNvPr id="143" name="Google Shape;143;p23"/>
+          <p:cNvPicPr preferRelativeResize="0"/>
+          <p:nvPr/>
+        </p:nvPicPr>
+        <p:blipFill>
+          <a:blip r:embed="rId3">
+            <a:alphaModFix/>
+          </a:blip>
+          <a:stretch>
+            <a:fillRect/>
+          </a:stretch>
+        </p:blipFill>
+        <p:spPr>
+          <a:xfrm>
+            <a:off x="4572000" y="1023376"/>
+            <a:ext cx="4121750" cy="3096750"/>
+          </a:xfrm>
+          <a:prstGeom prst="rect">
+            <a:avLst/>
+          </a:prstGeom>
+          <a:noFill/>
+          <a:ln>
+            <a:noFill/>
+          </a:ln>
+        </p:spPr>
+      </p:pic>
+      <p:sp>
+        <p:nvSpPr>
+          <p:cNvPr id="144" name="Google Shape;144;p23"/>
+          <p:cNvSpPr txBox="1"/>
+          <p:nvPr/>
+        </p:nvSpPr>
+        <p:spPr>
+          <a:xfrm>
+            <a:off x="708900" y="1163600"/>
+            <a:ext cx="4038300" cy="554100"/>
+          </a:xfrm>
+          <a:prstGeom prst="rect">
+            <a:avLst/>
+          </a:prstGeom>
+          <a:noFill/>
+          <a:ln>
+            <a:noFill/>
+          </a:ln>
+        </p:spPr>
+        <p:txBody>
+          <a:bodyPr anchorCtr="0" anchor="t" bIns="91425" lIns="91425" spcFirstLastPara="1" rIns="91425" wrap="square" tIns="91425">
+            <a:spAutoFit/>
+          </a:bodyPr>
+          <a:lstStyle/>
+          <a:p>
+            <a:pPr indent="0" lvl="0" marL="0" rtl="0" algn="l">
+              <a:spcBef>
+                <a:spcPts val="0"/>
+              </a:spcBef>
+              <a:spcAft>
+                <a:spcPts val="0"/>
+              </a:spcAft>
+              <a:buNone/>
+            </a:pPr>
+            <a:r>
+              <a:rPr lang="en" sz="2400">
+                <a:solidFill>
+                  <a:schemeClr val="dk1"/>
+                </a:solidFill>
+                <a:latin typeface="Oswald"/>
+                <a:ea typeface="Oswald"/>
+                <a:cs typeface="Oswald"/>
+                <a:sym typeface="Oswald"/>
+              </a:rPr>
+              <a:t>…Demographics?</a:t>
+            </a:r>
+            <a:endParaRPr sz="2400">
+              <a:solidFill>
+                <a:srgbClr val="CCCCCC"/>
+              </a:solidFill>
+              <a:latin typeface="Oswald"/>
+              <a:ea typeface="Oswald"/>
+              <a:cs typeface="Oswald"/>
+              <a:sym typeface="Oswald"/>
+            </a:endParaRPr>
+          </a:p>
+        </p:txBody>
+      </p:sp>
+      <p:sp>
+        <p:nvSpPr>
+          <p:cNvPr id="145" name="Google Shape;145;p23"/>
+          <p:cNvSpPr txBox="1"/>
+          <p:nvPr/>
+        </p:nvSpPr>
+        <p:spPr>
+          <a:xfrm>
+            <a:off x="1509325" y="2360950"/>
+            <a:ext cx="4856700" cy="400200"/>
+          </a:xfrm>
+          <a:prstGeom prst="rect">
+            <a:avLst/>
+          </a:prstGeom>
+          <a:noFill/>
+          <a:ln>
+            <a:noFill/>
+          </a:ln>
+        </p:spPr>
+        <p:txBody>
+          <a:bodyPr anchorCtr="0" anchor="t" bIns="91425" lIns="91425" spcFirstLastPara="1" rIns="91425" wrap="square" tIns="91425">
+            <a:spAutoFit/>
+          </a:bodyPr>
+          <a:lstStyle/>
+          <a:p>
+            <a:pPr indent="0" lvl="0" marL="0" rtl="0" algn="l">
+              <a:spcBef>
+                <a:spcPts val="0"/>
+              </a:spcBef>
+              <a:spcAft>
+                <a:spcPts val="0"/>
+              </a:spcAft>
+              <a:buNone/>
+            </a:pPr>
+            <a:r>
+              <a:t/>
+            </a:r>
+            <a:endParaRPr>
+              <a:latin typeface="Average"/>
+              <a:ea typeface="Average"/>
+              <a:cs typeface="Average"/>
+              <a:sym typeface="Average"/>
+            </a:endParaRPr>
+          </a:p>
+        </p:txBody>
+      </p:sp>
+      <p:sp>
+        <p:nvSpPr>
+          <p:cNvPr id="146" name="Google Shape;146;p23"/>
           <p:cNvSpPr txBox="1"/>
           <p:nvPr/>
         </p:nvSpPr>
@@ -12224,7 +12224,7 @@
       </p:sp>
       <p:sp>
         <p:nvSpPr>
-          <p:cNvPr id="139" name="Google Shape;139;p23"/>
+          <p:cNvPr id="147" name="Google Shape;147;p23"/>
           <p:cNvSpPr txBox="1"/>
           <p:nvPr/>
         </p:nvSpPr>
@@ -12282,7 +12282,7 @@
       </p:sp>
       <p:sp>
         <p:nvSpPr>
-          <p:cNvPr id="140" name="Google Shape;140;p23"/>
+          <p:cNvPr id="148" name="Google Shape;148;p23"/>
           <p:cNvSpPr txBox="1"/>
           <p:nvPr>
             <p:ph type="title"/>
@@ -12333,207 +12333,6 @@
 </file>
 
 <file path=ppt/slides/slide12.xml><?xml version="1.0" encoding="utf-8"?>
-<p:sld xmlns:a="http://schemas.openxmlformats.org/drawingml/2006/main" xmlns:r="http://schemas.openxmlformats.org/officeDocument/2006/relationships" xmlns:mc="http://schemas.openxmlformats.org/markup-compatibility/2006" xmlns:mv="urn:schemas-microsoft-com:mac:vml" xmlns:p="http://schemas.openxmlformats.org/presentationml/2006/main" xmlns:c="http://schemas.openxmlformats.org/drawingml/2006/chart" xmlns:dgm="http://schemas.openxmlformats.org/drawingml/2006/diagram" xmlns:o="urn:schemas-microsoft-com:office:office" xmlns:v="urn:schemas-microsoft-com:vml" xmlns:pvml="urn:schemas-microsoft-com:office:powerpoint" xmlns:com="http://schemas.openxmlformats.org/drawingml/2006/compatibility" xmlns:p14="http://schemas.microsoft.com/office/powerpoint/2010/main" xmlns:p15="http://schemas.microsoft.com/office/powerpoint/2012/main" xmlns:ahyp="http://schemas.microsoft.com/office/drawing/2018/hyperlinkcolor">
-  <p:cSld>
-    <p:spTree>
-      <p:nvGrpSpPr>
-        <p:cNvPr id="144" name="Shape 144"/>
-        <p:cNvGrpSpPr/>
-        <p:nvPr/>
-      </p:nvGrpSpPr>
-      <p:grpSpPr>
-        <a:xfrm>
-          <a:off x="0" y="0"/>
-          <a:ext cx="0" cy="0"/>
-          <a:chOff x="0" y="0"/>
-          <a:chExt cx="0" cy="0"/>
-        </a:xfrm>
-      </p:grpSpPr>
-      <p:sp>
-        <p:nvSpPr>
-          <p:cNvPr id="145" name="Google Shape;145;p24"/>
-          <p:cNvSpPr txBox="1"/>
-          <p:nvPr/>
-        </p:nvSpPr>
-        <p:spPr>
-          <a:xfrm>
-            <a:off x="708900" y="1163600"/>
-            <a:ext cx="4038300" cy="554100"/>
-          </a:xfrm>
-          <a:prstGeom prst="rect">
-            <a:avLst/>
-          </a:prstGeom>
-          <a:noFill/>
-          <a:ln>
-            <a:noFill/>
-          </a:ln>
-        </p:spPr>
-        <p:txBody>
-          <a:bodyPr anchorCtr="0" anchor="t" bIns="91425" lIns="91425" spcFirstLastPara="1" rIns="91425" wrap="square" tIns="91425">
-            <a:spAutoFit/>
-          </a:bodyPr>
-          <a:lstStyle/>
-          <a:p>
-            <a:pPr indent="0" lvl="0" marL="0" rtl="0" algn="l">
-              <a:spcBef>
-                <a:spcPts val="0"/>
-              </a:spcBef>
-              <a:spcAft>
-                <a:spcPts val="0"/>
-              </a:spcAft>
-              <a:buNone/>
-            </a:pPr>
-            <a:r>
-              <a:rPr lang="en" sz="2400">
-                <a:solidFill>
-                  <a:schemeClr val="dk1"/>
-                </a:solidFill>
-                <a:latin typeface="Oswald"/>
-                <a:ea typeface="Oswald"/>
-                <a:cs typeface="Oswald"/>
-                <a:sym typeface="Oswald"/>
-              </a:rPr>
-              <a:t>…Time spent with us?</a:t>
-            </a:r>
-            <a:endParaRPr sz="2400">
-              <a:solidFill>
-                <a:srgbClr val="CCCCCC"/>
-              </a:solidFill>
-              <a:latin typeface="Oswald"/>
-              <a:ea typeface="Oswald"/>
-              <a:cs typeface="Oswald"/>
-              <a:sym typeface="Oswald"/>
-            </a:endParaRPr>
-          </a:p>
-        </p:txBody>
-      </p:sp>
-      <p:sp>
-        <p:nvSpPr>
-          <p:cNvPr id="146" name="Google Shape;146;p24"/>
-          <p:cNvSpPr txBox="1"/>
-          <p:nvPr/>
-        </p:nvSpPr>
-        <p:spPr>
-          <a:xfrm>
-            <a:off x="1509325" y="2360950"/>
-            <a:ext cx="4856700" cy="400200"/>
-          </a:xfrm>
-          <a:prstGeom prst="rect">
-            <a:avLst/>
-          </a:prstGeom>
-          <a:noFill/>
-          <a:ln>
-            <a:noFill/>
-          </a:ln>
-        </p:spPr>
-        <p:txBody>
-          <a:bodyPr anchorCtr="0" anchor="t" bIns="91425" lIns="91425" spcFirstLastPara="1" rIns="91425" wrap="square" tIns="91425">
-            <a:spAutoFit/>
-          </a:bodyPr>
-          <a:lstStyle/>
-          <a:p>
-            <a:pPr indent="0" lvl="0" marL="0" rtl="0" algn="l">
-              <a:spcBef>
-                <a:spcPts val="0"/>
-              </a:spcBef>
-              <a:spcAft>
-                <a:spcPts val="0"/>
-              </a:spcAft>
-              <a:buNone/>
-            </a:pPr>
-            <a:r>
-              <a:t/>
-            </a:r>
-            <a:endParaRPr>
-              <a:latin typeface="Average"/>
-              <a:ea typeface="Average"/>
-              <a:cs typeface="Average"/>
-              <a:sym typeface="Average"/>
-            </a:endParaRPr>
-          </a:p>
-        </p:txBody>
-      </p:sp>
-      <p:pic>
-        <p:nvPicPr>
-          <p:cNvPr id="147" name="Google Shape;147;p24"/>
-          <p:cNvPicPr preferRelativeResize="0"/>
-          <p:nvPr/>
-        </p:nvPicPr>
-        <p:blipFill>
-          <a:blip r:embed="rId3">
-            <a:alphaModFix/>
-          </a:blip>
-          <a:stretch>
-            <a:fillRect/>
-          </a:stretch>
-        </p:blipFill>
-        <p:spPr>
-          <a:xfrm>
-            <a:off x="4747201" y="1163600"/>
-            <a:ext cx="3775100" cy="2623550"/>
-          </a:xfrm>
-          <a:prstGeom prst="rect">
-            <a:avLst/>
-          </a:prstGeom>
-          <a:noFill/>
-          <a:ln>
-            <a:noFill/>
-          </a:ln>
-        </p:spPr>
-      </p:pic>
-      <p:sp>
-        <p:nvSpPr>
-          <p:cNvPr id="148" name="Google Shape;148;p24"/>
-          <p:cNvSpPr txBox="1"/>
-          <p:nvPr>
-            <p:ph type="title"/>
-          </p:nvPr>
-        </p:nvSpPr>
-        <p:spPr>
-          <a:xfrm>
-            <a:off x="311700" y="216425"/>
-            <a:ext cx="8520600" cy="572700"/>
-          </a:xfrm>
-          <a:prstGeom prst="rect">
-            <a:avLst/>
-          </a:prstGeom>
-        </p:spPr>
-        <p:txBody>
-          <a:bodyPr anchorCtr="0" anchor="t" bIns="91425" lIns="91425" spcFirstLastPara="1" rIns="91425" wrap="square" tIns="91425">
-            <a:noAutofit/>
-          </a:bodyPr>
-          <a:lstStyle/>
-          <a:p>
-            <a:pPr indent="0" lvl="0" marL="0" rtl="0" algn="l">
-              <a:spcBef>
-                <a:spcPts val="0"/>
-              </a:spcBef>
-              <a:spcAft>
-                <a:spcPts val="0"/>
-              </a:spcAft>
-              <a:buNone/>
-            </a:pPr>
-            <a:r>
-              <a:rPr i="1" lang="en" sz="3333"/>
-              <a:t>What does EDA tell us about…</a:t>
-            </a:r>
-            <a:endParaRPr>
-              <a:solidFill>
-                <a:srgbClr val="CCCCCC"/>
-              </a:solidFill>
-            </a:endParaRPr>
-          </a:p>
-        </p:txBody>
-      </p:sp>
-    </p:spTree>
-  </p:cSld>
-  <p:clrMapOvr>
-    <a:masterClrMapping/>
-  </p:clrMapOvr>
-</p:sld>
-</file>
-
-<file path=ppt/slides/slide13.xml><?xml version="1.0" encoding="utf-8"?>
 <p:sld xmlns:a="http://schemas.openxmlformats.org/drawingml/2006/main" xmlns:r="http://schemas.openxmlformats.org/officeDocument/2006/relationships" xmlns:mc="http://schemas.openxmlformats.org/markup-compatibility/2006" xmlns:mv="urn:schemas-microsoft-com:mac:vml" xmlns:p="http://schemas.openxmlformats.org/presentationml/2006/main" xmlns:c="http://schemas.openxmlformats.org/drawingml/2006/chart" xmlns:dgm="http://schemas.openxmlformats.org/drawingml/2006/diagram" xmlns:o="urn:schemas-microsoft-com:office:office" xmlns:v="urn:schemas-microsoft-com:vml" xmlns:pvml="urn:schemas-microsoft-com:office:powerpoint" xmlns:com="http://schemas.openxmlformats.org/drawingml/2006/compatibility" xmlns:p14="http://schemas.microsoft.com/office/powerpoint/2010/main" xmlns:p15="http://schemas.microsoft.com/office/powerpoint/2012/main" xmlns:ahyp="http://schemas.microsoft.com/office/drawing/2018/hyperlinkcolor">
   <p:cSld>
     <p:spTree>
@@ -12552,7 +12351,7 @@
       </p:grpSpPr>
       <p:sp>
         <p:nvSpPr>
-          <p:cNvPr id="153" name="Google Shape;153;p25"/>
+          <p:cNvPr id="153" name="Google Shape;153;p24"/>
           <p:cNvSpPr txBox="1"/>
           <p:nvPr/>
         </p:nvSpPr>
@@ -12608,9 +12407,55 @@
           </a:p>
         </p:txBody>
       </p:sp>
+      <p:sp>
+        <p:nvSpPr>
+          <p:cNvPr id="154" name="Google Shape;154;p24"/>
+          <p:cNvSpPr txBox="1"/>
+          <p:nvPr/>
+        </p:nvSpPr>
+        <p:spPr>
+          <a:xfrm>
+            <a:off x="1509325" y="2360950"/>
+            <a:ext cx="4856700" cy="400200"/>
+          </a:xfrm>
+          <a:prstGeom prst="rect">
+            <a:avLst/>
+          </a:prstGeom>
+          <a:noFill/>
+          <a:ln>
+            <a:noFill/>
+          </a:ln>
+        </p:spPr>
+        <p:txBody>
+          <a:bodyPr anchorCtr="0" anchor="t" bIns="91425" lIns="91425" spcFirstLastPara="1" rIns="91425" wrap="square" tIns="91425">
+            <a:spAutoFit/>
+          </a:bodyPr>
+          <a:lstStyle/>
+          <a:p>
+            <a:pPr indent="0" lvl="0" marL="0" rtl="0" algn="l">
+              <a:spcBef>
+                <a:spcPts val="0"/>
+              </a:spcBef>
+              <a:spcAft>
+                <a:spcPts val="0"/>
+              </a:spcAft>
+              <a:buNone/>
+            </a:pPr>
+            <a:r>
+              <a:t/>
+            </a:r>
+            <a:endParaRPr>
+              <a:latin typeface="Average"/>
+              <a:ea typeface="Average"/>
+              <a:cs typeface="Average"/>
+              <a:sym typeface="Average"/>
+            </a:endParaRPr>
+          </a:p>
+        </p:txBody>
+      </p:sp>
       <p:pic>
         <p:nvPicPr>
-          <p:cNvPr id="154" name="Google Shape;154;p25"/>
+          <p:cNvPr id="155" name="Google Shape;155;p24"/>
           <p:cNvPicPr preferRelativeResize="0"/>
           <p:nvPr/>
         </p:nvPicPr>
@@ -12638,7 +12483,162 @@
       </p:pic>
       <p:sp>
         <p:nvSpPr>
-          <p:cNvPr id="155" name="Google Shape;155;p25"/>
+          <p:cNvPr id="156" name="Google Shape;156;p24"/>
+          <p:cNvSpPr txBox="1"/>
+          <p:nvPr>
+            <p:ph type="title"/>
+          </p:nvPr>
+        </p:nvSpPr>
+        <p:spPr>
+          <a:xfrm>
+            <a:off x="311700" y="216425"/>
+            <a:ext cx="8520600" cy="572700"/>
+          </a:xfrm>
+          <a:prstGeom prst="rect">
+            <a:avLst/>
+          </a:prstGeom>
+        </p:spPr>
+        <p:txBody>
+          <a:bodyPr anchorCtr="0" anchor="t" bIns="91425" lIns="91425" spcFirstLastPara="1" rIns="91425" wrap="square" tIns="91425">
+            <a:noAutofit/>
+          </a:bodyPr>
+          <a:lstStyle/>
+          <a:p>
+            <a:pPr indent="0" lvl="0" marL="0" rtl="0" algn="l">
+              <a:spcBef>
+                <a:spcPts val="0"/>
+              </a:spcBef>
+              <a:spcAft>
+                <a:spcPts val="0"/>
+              </a:spcAft>
+              <a:buNone/>
+            </a:pPr>
+            <a:r>
+              <a:rPr i="1" lang="en" sz="3333"/>
+              <a:t>What does EDA tell us about…</a:t>
+            </a:r>
+            <a:endParaRPr>
+              <a:solidFill>
+                <a:srgbClr val="CCCCCC"/>
+              </a:solidFill>
+            </a:endParaRPr>
+          </a:p>
+        </p:txBody>
+      </p:sp>
+    </p:spTree>
+  </p:cSld>
+  <p:clrMapOvr>
+    <a:masterClrMapping/>
+  </p:clrMapOvr>
+</p:sld>
+</file>
+
+<file path=ppt/slides/slide13.xml><?xml version="1.0" encoding="utf-8"?>
+<p:sld xmlns:a="http://schemas.openxmlformats.org/drawingml/2006/main" xmlns:r="http://schemas.openxmlformats.org/officeDocument/2006/relationships" xmlns:mc="http://schemas.openxmlformats.org/markup-compatibility/2006" xmlns:mv="urn:schemas-microsoft-com:mac:vml" xmlns:p="http://schemas.openxmlformats.org/presentationml/2006/main" xmlns:c="http://schemas.openxmlformats.org/drawingml/2006/chart" xmlns:dgm="http://schemas.openxmlformats.org/drawingml/2006/diagram" xmlns:o="urn:schemas-microsoft-com:office:office" xmlns:v="urn:schemas-microsoft-com:vml" xmlns:pvml="urn:schemas-microsoft-com:office:powerpoint" xmlns:com="http://schemas.openxmlformats.org/drawingml/2006/compatibility" xmlns:p14="http://schemas.microsoft.com/office/powerpoint/2010/main" xmlns:p15="http://schemas.microsoft.com/office/powerpoint/2012/main" xmlns:ahyp="http://schemas.microsoft.com/office/drawing/2018/hyperlinkcolor">
+  <p:cSld>
+    <p:spTree>
+      <p:nvGrpSpPr>
+        <p:cNvPr id="160" name="Shape 160"/>
+        <p:cNvGrpSpPr/>
+        <p:nvPr/>
+      </p:nvGrpSpPr>
+      <p:grpSpPr>
+        <a:xfrm>
+          <a:off x="0" y="0"/>
+          <a:ext cx="0" cy="0"/>
+          <a:chOff x="0" y="0"/>
+          <a:chExt cx="0" cy="0"/>
+        </a:xfrm>
+      </p:grpSpPr>
+      <p:sp>
+        <p:nvSpPr>
+          <p:cNvPr id="161" name="Google Shape;161;p25"/>
+          <p:cNvSpPr txBox="1"/>
+          <p:nvPr/>
+        </p:nvSpPr>
+        <p:spPr>
+          <a:xfrm>
+            <a:off x="708900" y="1163600"/>
+            <a:ext cx="4038300" cy="554100"/>
+          </a:xfrm>
+          <a:prstGeom prst="rect">
+            <a:avLst/>
+          </a:prstGeom>
+          <a:noFill/>
+          <a:ln>
+            <a:noFill/>
+          </a:ln>
+        </p:spPr>
+        <p:txBody>
+          <a:bodyPr anchorCtr="0" anchor="t" bIns="91425" lIns="91425" spcFirstLastPara="1" rIns="91425" wrap="square" tIns="91425">
+            <a:spAutoFit/>
+          </a:bodyPr>
+          <a:lstStyle/>
+          <a:p>
+            <a:pPr indent="0" lvl="0" marL="0" rtl="0" algn="l">
+              <a:spcBef>
+                <a:spcPts val="0"/>
+              </a:spcBef>
+              <a:spcAft>
+                <a:spcPts val="0"/>
+              </a:spcAft>
+              <a:buNone/>
+            </a:pPr>
+            <a:r>
+              <a:rPr lang="en" sz="2400">
+                <a:solidFill>
+                  <a:schemeClr val="dk1"/>
+                </a:solidFill>
+                <a:latin typeface="Oswald"/>
+                <a:ea typeface="Oswald"/>
+                <a:cs typeface="Oswald"/>
+                <a:sym typeface="Oswald"/>
+              </a:rPr>
+              <a:t>…Time spent with us?</a:t>
+            </a:r>
+            <a:endParaRPr sz="2400">
+              <a:solidFill>
+                <a:srgbClr val="CCCCCC"/>
+              </a:solidFill>
+              <a:latin typeface="Oswald"/>
+              <a:ea typeface="Oswald"/>
+              <a:cs typeface="Oswald"/>
+              <a:sym typeface="Oswald"/>
+            </a:endParaRPr>
+          </a:p>
+        </p:txBody>
+      </p:sp>
+      <p:pic>
+        <p:nvPicPr>
+          <p:cNvPr id="162" name="Google Shape;162;p25"/>
+          <p:cNvPicPr preferRelativeResize="0"/>
+          <p:nvPr/>
+        </p:nvPicPr>
+        <p:blipFill>
+          <a:blip r:embed="rId3">
+            <a:alphaModFix/>
+          </a:blip>
+          <a:stretch>
+            <a:fillRect/>
+          </a:stretch>
+        </p:blipFill>
+        <p:spPr>
+          <a:xfrm>
+            <a:off x="4747201" y="1163600"/>
+            <a:ext cx="3775100" cy="2623550"/>
+          </a:xfrm>
+          <a:prstGeom prst="rect">
+            <a:avLst/>
+          </a:prstGeom>
+          <a:noFill/>
+          <a:ln>
+            <a:noFill/>
+          </a:ln>
+        </p:spPr>
+      </p:pic>
+      <p:sp>
+        <p:nvSpPr>
+          <p:cNvPr id="163" name="Google Shape;163;p25"/>
           <p:cNvSpPr txBox="1"/>
           <p:nvPr/>
         </p:nvSpPr>
@@ -12696,7 +12696,7 @@
       </p:sp>
       <p:sp>
         <p:nvSpPr>
-          <p:cNvPr id="156" name="Google Shape;156;p25"/>
+          <p:cNvPr id="164" name="Google Shape;164;p25"/>
           <p:cNvSpPr txBox="1"/>
           <p:nvPr>
             <p:ph type="title"/>
@@ -12740,7 +12740,7 @@
       </p:sp>
       <p:sp>
         <p:nvSpPr>
-          <p:cNvPr id="157" name="Google Shape;157;p25"/>
+          <p:cNvPr id="165" name="Google Shape;165;p25"/>
           <p:cNvSpPr txBox="1"/>
           <p:nvPr/>
         </p:nvSpPr>
@@ -12833,7 +12833,7 @@
   <p:cSld>
     <p:spTree>
       <p:nvGrpSpPr>
-        <p:cNvPr id="161" name="Shape 161"/>
+        <p:cNvPr id="169" name="Shape 169"/>
         <p:cNvGrpSpPr/>
         <p:nvPr/>
       </p:nvGrpSpPr>
@@ -12847,7 +12847,7 @@
       </p:grpSpPr>
       <p:sp>
         <p:nvSpPr>
-          <p:cNvPr id="162" name="Google Shape;162;p26"/>
+          <p:cNvPr id="170" name="Google Shape;170;p26"/>
           <p:cNvSpPr txBox="1"/>
           <p:nvPr/>
         </p:nvSpPr>
@@ -12949,7 +12949,7 @@
       </p:sp>
       <p:sp>
         <p:nvSpPr>
-          <p:cNvPr id="163" name="Google Shape;163;p26"/>
+          <p:cNvPr id="171" name="Google Shape;171;p26"/>
           <p:cNvSpPr txBox="1"/>
           <p:nvPr>
             <p:ph type="title"/>
@@ -12993,7 +12993,7 @@
       </p:sp>
       <p:pic>
         <p:nvPicPr>
-          <p:cNvPr id="164" name="Google Shape;164;p26"/>
+          <p:cNvPr id="172" name="Google Shape;172;p26"/>
           <p:cNvPicPr preferRelativeResize="0"/>
           <p:nvPr/>
         </p:nvPicPr>
@@ -13021,7 +13021,7 @@
       </p:pic>
       <p:sp>
         <p:nvSpPr>
-          <p:cNvPr id="165" name="Google Shape;165;p26"/>
+          <p:cNvPr id="173" name="Google Shape;173;p26"/>
           <p:cNvSpPr txBox="1"/>
           <p:nvPr/>
         </p:nvSpPr>
@@ -13079,7 +13079,7 @@
       </p:sp>
       <p:sp>
         <p:nvSpPr>
-          <p:cNvPr id="166" name="Google Shape;166;p26"/>
+          <p:cNvPr id="174" name="Google Shape;174;p26"/>
           <p:cNvSpPr txBox="1"/>
           <p:nvPr/>
         </p:nvSpPr>
@@ -13148,7 +13148,7 @@
   <p:cSld>
     <p:spTree>
       <p:nvGrpSpPr>
-        <p:cNvPr id="170" name="Shape 170"/>
+        <p:cNvPr id="178" name="Shape 178"/>
         <p:cNvGrpSpPr/>
         <p:nvPr/>
       </p:nvGrpSpPr>
@@ -13162,7 +13162,7 @@
       </p:grpSpPr>
       <p:sp>
         <p:nvSpPr>
-          <p:cNvPr id="171" name="Google Shape;171;p27"/>
+          <p:cNvPr id="179" name="Google Shape;179;p27"/>
           <p:cNvSpPr txBox="1"/>
           <p:nvPr/>
         </p:nvSpPr>
@@ -13220,7 +13220,7 @@
       </p:sp>
       <p:pic>
         <p:nvPicPr>
-          <p:cNvPr id="172" name="Google Shape;172;p27"/>
+          <p:cNvPr id="180" name="Google Shape;180;p27"/>
           <p:cNvPicPr preferRelativeResize="0"/>
           <p:nvPr/>
         </p:nvPicPr>
@@ -13248,7 +13248,7 @@
       </p:pic>
       <p:sp>
         <p:nvSpPr>
-          <p:cNvPr id="173" name="Google Shape;173;p27"/>
+          <p:cNvPr id="181" name="Google Shape;181;p27"/>
           <p:cNvSpPr txBox="1"/>
           <p:nvPr>
             <p:ph type="title"/>
@@ -13303,7 +13303,7 @@
   <p:cSld>
     <p:spTree>
       <p:nvGrpSpPr>
-        <p:cNvPr id="177" name="Shape 177"/>
+        <p:cNvPr id="185" name="Shape 185"/>
         <p:cNvGrpSpPr/>
         <p:nvPr/>
       </p:nvGrpSpPr>
@@ -13317,7 +13317,7 @@
       </p:grpSpPr>
       <p:sp>
         <p:nvSpPr>
-          <p:cNvPr id="178" name="Google Shape;178;p28"/>
+          <p:cNvPr id="186" name="Google Shape;186;p28"/>
           <p:cNvSpPr txBox="1"/>
           <p:nvPr/>
         </p:nvSpPr>
@@ -13375,7 +13375,7 @@
       </p:sp>
       <p:pic>
         <p:nvPicPr>
-          <p:cNvPr id="179" name="Google Shape;179;p28"/>
+          <p:cNvPr id="187" name="Google Shape;187;p28"/>
           <p:cNvPicPr preferRelativeResize="0"/>
           <p:nvPr/>
         </p:nvPicPr>
@@ -13403,7 +13403,7 @@
       </p:pic>
       <p:pic>
         <p:nvPicPr>
-          <p:cNvPr id="180" name="Google Shape;180;p28"/>
+          <p:cNvPr id="188" name="Google Shape;188;p28"/>
           <p:cNvPicPr preferRelativeResize="0"/>
           <p:nvPr/>
         </p:nvPicPr>
@@ -13431,7 +13431,7 @@
       </p:pic>
       <p:sp>
         <p:nvSpPr>
-          <p:cNvPr id="181" name="Google Shape;181;p28"/>
+          <p:cNvPr id="189" name="Google Shape;189;p28"/>
           <p:cNvSpPr txBox="1"/>
           <p:nvPr/>
         </p:nvSpPr>
@@ -13489,7 +13489,7 @@
       </p:sp>
       <p:sp>
         <p:nvSpPr>
-          <p:cNvPr id="182" name="Google Shape;182;p28"/>
+          <p:cNvPr id="190" name="Google Shape;190;p28"/>
           <p:cNvSpPr txBox="1"/>
           <p:nvPr>
             <p:ph type="title"/>
@@ -13544,7 +13544,7 @@
   <p:cSld>
     <p:spTree>
       <p:nvGrpSpPr>
-        <p:cNvPr id="186" name="Shape 186"/>
+        <p:cNvPr id="194" name="Shape 194"/>
         <p:cNvGrpSpPr/>
         <p:nvPr/>
       </p:nvGrpSpPr>
@@ -13558,7 +13558,7 @@
       </p:grpSpPr>
       <p:sp>
         <p:nvSpPr>
-          <p:cNvPr id="187" name="Google Shape;187;p29"/>
+          <p:cNvPr id="195" name="Google Shape;195;p29"/>
           <p:cNvSpPr txBox="1"/>
           <p:nvPr/>
         </p:nvSpPr>
@@ -13616,7 +13616,7 @@
       </p:sp>
       <p:pic>
         <p:nvPicPr>
-          <p:cNvPr id="188" name="Google Shape;188;p29"/>
+          <p:cNvPr id="196" name="Google Shape;196;p29"/>
           <p:cNvPicPr preferRelativeResize="0"/>
           <p:nvPr/>
         </p:nvPicPr>
@@ -13644,7 +13644,7 @@
       </p:pic>
       <p:pic>
         <p:nvPicPr>
-          <p:cNvPr id="189" name="Google Shape;189;p29"/>
+          <p:cNvPr id="197" name="Google Shape;197;p29"/>
           <p:cNvPicPr preferRelativeResize="0"/>
           <p:nvPr/>
         </p:nvPicPr>
@@ -13672,7 +13672,7 @@
       </p:pic>
       <p:sp>
         <p:nvSpPr>
-          <p:cNvPr id="190" name="Google Shape;190;p29"/>
+          <p:cNvPr id="198" name="Google Shape;198;p29"/>
           <p:cNvSpPr txBox="1"/>
           <p:nvPr/>
         </p:nvSpPr>
@@ -13730,7 +13730,7 @@
       </p:sp>
       <p:pic>
         <p:nvPicPr>
-          <p:cNvPr id="191" name="Google Shape;191;p29"/>
+          <p:cNvPr id="199" name="Google Shape;199;p29"/>
           <p:cNvPicPr preferRelativeResize="0"/>
           <p:nvPr/>
         </p:nvPicPr>
@@ -13758,7 +13758,7 @@
       </p:pic>
       <p:sp>
         <p:nvSpPr>
-          <p:cNvPr id="192" name="Google Shape;192;p29"/>
+          <p:cNvPr id="200" name="Google Shape;200;p29"/>
           <p:cNvSpPr txBox="1"/>
           <p:nvPr>
             <p:ph type="title"/>
@@ -13813,7 +13813,7 @@
   <p:cSld>
     <p:spTree>
       <p:nvGrpSpPr>
-        <p:cNvPr id="196" name="Shape 196"/>
+        <p:cNvPr id="204" name="Shape 204"/>
         <p:cNvGrpSpPr/>
         <p:nvPr/>
       </p:nvGrpSpPr>
@@ -13827,7 +13827,7 @@
       </p:grpSpPr>
       <p:sp>
         <p:nvSpPr>
-          <p:cNvPr id="197" name="Google Shape;197;p30"/>
+          <p:cNvPr id="205" name="Google Shape;205;p30"/>
           <p:cNvSpPr txBox="1"/>
           <p:nvPr>
             <p:ph type="title"/>
@@ -13875,7 +13875,7 @@
       </p:sp>
       <p:sp>
         <p:nvSpPr>
-          <p:cNvPr id="198" name="Google Shape;198;p30"/>
+          <p:cNvPr id="206" name="Google Shape;206;p30"/>
           <p:cNvSpPr txBox="1"/>
           <p:nvPr>
             <p:ph idx="1" type="body"/>
@@ -13977,7 +13977,7 @@
       </p:sp>
       <p:pic>
         <p:nvPicPr>
-          <p:cNvPr id="199" name="Google Shape;199;p30"/>
+          <p:cNvPr id="207" name="Google Shape;207;p30"/>
           <p:cNvPicPr preferRelativeResize="0"/>
           <p:nvPr/>
         </p:nvPicPr>
@@ -14016,7 +14016,7 @@
   <p:cSld>
     <p:spTree>
       <p:nvGrpSpPr>
-        <p:cNvPr id="203" name="Shape 203"/>
+        <p:cNvPr id="211" name="Shape 211"/>
         <p:cNvGrpSpPr/>
         <p:nvPr/>
       </p:nvGrpSpPr>
@@ -14030,7 +14030,7 @@
       </p:grpSpPr>
       <p:sp>
         <p:nvSpPr>
-          <p:cNvPr id="204" name="Google Shape;204;p31"/>
+          <p:cNvPr id="212" name="Google Shape;212;p31"/>
           <p:cNvSpPr txBox="1"/>
           <p:nvPr>
             <p:ph type="title"/>
@@ -14078,7 +14078,7 @@
       </p:sp>
       <p:sp>
         <p:nvSpPr>
-          <p:cNvPr id="205" name="Google Shape;205;p31"/>
+          <p:cNvPr id="213" name="Google Shape;213;p31"/>
           <p:cNvSpPr txBox="1"/>
           <p:nvPr>
             <p:ph idx="1" type="body"/>
@@ -14180,7 +14180,7 @@
       </p:sp>
       <p:pic>
         <p:nvPicPr>
-          <p:cNvPr id="206" name="Google Shape;206;p31"/>
+          <p:cNvPr id="214" name="Google Shape;214;p31"/>
           <p:cNvPicPr preferRelativeResize="0"/>
           <p:nvPr/>
         </p:nvPicPr>
@@ -14208,7 +14208,7 @@
       </p:pic>
       <p:sp>
         <p:nvSpPr>
-          <p:cNvPr id="207" name="Google Shape;207;p31"/>
+          <p:cNvPr id="215" name="Google Shape;215;p31"/>
           <p:cNvSpPr txBox="1"/>
           <p:nvPr/>
         </p:nvSpPr>
@@ -14443,7 +14443,7 @@
   <p:cSld>
     <p:spTree>
       <p:nvGrpSpPr>
-        <p:cNvPr id="211" name="Shape 211"/>
+        <p:cNvPr id="219" name="Shape 219"/>
         <p:cNvGrpSpPr/>
         <p:nvPr/>
       </p:nvGrpSpPr>
@@ -14457,7 +14457,7 @@
       </p:grpSpPr>
       <p:sp>
         <p:nvSpPr>
-          <p:cNvPr id="212" name="Google Shape;212;p32"/>
+          <p:cNvPr id="220" name="Google Shape;220;p32"/>
           <p:cNvSpPr txBox="1"/>
           <p:nvPr>
             <p:ph type="title"/>
@@ -14505,7 +14505,7 @@
       </p:sp>
       <p:sp>
         <p:nvSpPr>
-          <p:cNvPr id="213" name="Google Shape;213;p32"/>
+          <p:cNvPr id="221" name="Google Shape;221;p32"/>
           <p:cNvSpPr txBox="1"/>
           <p:nvPr>
             <p:ph idx="1" type="body"/>
@@ -14607,7 +14607,7 @@
       </p:sp>
       <p:pic>
         <p:nvPicPr>
-          <p:cNvPr id="214" name="Google Shape;214;p32"/>
+          <p:cNvPr id="222" name="Google Shape;222;p32"/>
           <p:cNvPicPr preferRelativeResize="0"/>
           <p:nvPr/>
         </p:nvPicPr>
@@ -14635,7 +14635,7 @@
       </p:pic>
       <p:sp>
         <p:nvSpPr>
-          <p:cNvPr id="215" name="Google Shape;215;p32"/>
+          <p:cNvPr id="223" name="Google Shape;223;p32"/>
           <p:cNvSpPr txBox="1"/>
           <p:nvPr/>
         </p:nvSpPr>
@@ -14693,7 +14693,7 @@
       </p:sp>
       <p:sp>
         <p:nvSpPr>
-          <p:cNvPr id="216" name="Google Shape;216;p32"/>
+          <p:cNvPr id="224" name="Google Shape;224;p32"/>
           <p:cNvSpPr/>
           <p:nvPr/>
         </p:nvSpPr>
@@ -14736,7 +14736,7 @@
       </p:sp>
       <p:sp>
         <p:nvSpPr>
-          <p:cNvPr id="217" name="Google Shape;217;p32"/>
+          <p:cNvPr id="225" name="Google Shape;225;p32"/>
           <p:cNvSpPr/>
           <p:nvPr/>
         </p:nvSpPr>
@@ -14779,7 +14779,7 @@
       </p:sp>
       <p:sp>
         <p:nvSpPr>
-          <p:cNvPr id="218" name="Google Shape;218;p32"/>
+          <p:cNvPr id="226" name="Google Shape;226;p32"/>
           <p:cNvSpPr/>
           <p:nvPr/>
         </p:nvSpPr>
@@ -14822,7 +14822,7 @@
       </p:sp>
       <p:sp>
         <p:nvSpPr>
-          <p:cNvPr id="219" name="Google Shape;219;p32"/>
+          <p:cNvPr id="227" name="Google Shape;227;p32"/>
           <p:cNvSpPr/>
           <p:nvPr/>
         </p:nvSpPr>
@@ -14888,7 +14888,7 @@
   <p:cSld>
     <p:spTree>
       <p:nvGrpSpPr>
-        <p:cNvPr id="223" name="Shape 223"/>
+        <p:cNvPr id="231" name="Shape 231"/>
         <p:cNvGrpSpPr/>
         <p:nvPr/>
       </p:nvGrpSpPr>
@@ -14902,7 +14902,7 @@
       </p:grpSpPr>
       <p:sp>
         <p:nvSpPr>
-          <p:cNvPr id="224" name="Google Shape;224;p33"/>
+          <p:cNvPr id="232" name="Google Shape;232;p33"/>
           <p:cNvSpPr txBox="1"/>
           <p:nvPr>
             <p:ph type="title"/>
@@ -14942,7 +14942,7 @@
       </p:sp>
       <p:sp>
         <p:nvSpPr>
-          <p:cNvPr id="225" name="Google Shape;225;p33"/>
+          <p:cNvPr id="233" name="Google Shape;233;p33"/>
           <p:cNvSpPr txBox="1"/>
           <p:nvPr>
             <p:ph idx="1" type="body"/>
@@ -15099,7 +15099,7 @@
       </p:sp>
       <p:graphicFrame>
         <p:nvGraphicFramePr>
-          <p:cNvPr id="226" name="Google Shape;226;p33"/>
+          <p:cNvPr id="234" name="Google Shape;234;p33"/>
           <p:cNvGraphicFramePr/>
           <p:nvPr/>
         </p:nvGraphicFramePr>
@@ -15112,7 +15112,7 @@
             <a:tbl>
               <a:tblPr>
                 <a:noFill/>
-                <a:tableStyleId>{6F2554DA-EB0F-417C-8A83-E1381AB22A1F}</a:tableStyleId>
+                <a:tableStyleId>{25046B50-B42A-4E8D-87F8-D130027FF7FD}</a:tableStyleId>
               </a:tblPr>
               <a:tblGrid>
                 <a:gridCol w="2971800"/>
@@ -15732,7 +15732,7 @@
   <p:cSld>
     <p:spTree>
       <p:nvGrpSpPr>
-        <p:cNvPr id="230" name="Shape 230"/>
+        <p:cNvPr id="238" name="Shape 238"/>
         <p:cNvGrpSpPr/>
         <p:nvPr/>
       </p:nvGrpSpPr>
@@ -15746,7 +15746,7 @@
       </p:grpSpPr>
       <p:sp>
         <p:nvSpPr>
-          <p:cNvPr id="231" name="Google Shape;231;p34"/>
+          <p:cNvPr id="239" name="Google Shape;239;p34"/>
           <p:cNvSpPr txBox="1"/>
           <p:nvPr>
             <p:ph type="title"/>
@@ -15786,7 +15786,7 @@
       </p:sp>
       <p:sp>
         <p:nvSpPr>
-          <p:cNvPr id="232" name="Google Shape;232;p34"/>
+          <p:cNvPr id="240" name="Google Shape;240;p34"/>
           <p:cNvSpPr txBox="1"/>
           <p:nvPr>
             <p:ph idx="1" type="body"/>
@@ -15894,7 +15894,7 @@
       </p:sp>
       <p:graphicFrame>
         <p:nvGraphicFramePr>
-          <p:cNvPr id="233" name="Google Shape;233;p34"/>
+          <p:cNvPr id="241" name="Google Shape;241;p34"/>
           <p:cNvGraphicFramePr/>
           <p:nvPr/>
         </p:nvGraphicFramePr>
@@ -15907,7 +15907,7 @@
             <a:tbl>
               <a:tblPr>
                 <a:noFill/>
-                <a:tableStyleId>{6F2554DA-EB0F-417C-8A83-E1381AB22A1F}</a:tableStyleId>
+                <a:tableStyleId>{25046B50-B42A-4E8D-87F8-D130027FF7FD}</a:tableStyleId>
               </a:tblPr>
               <a:tblGrid>
                 <a:gridCol w="1485900"/>
@@ -16526,7 +16526,7 @@
   <p:cSld>
     <p:spTree>
       <p:nvGrpSpPr>
-        <p:cNvPr id="237" name="Shape 237"/>
+        <p:cNvPr id="245" name="Shape 245"/>
         <p:cNvGrpSpPr/>
         <p:nvPr/>
       </p:nvGrpSpPr>
@@ -16540,7 +16540,7 @@
       </p:grpSpPr>
       <p:sp>
         <p:nvSpPr>
-          <p:cNvPr id="238" name="Google Shape;238;p35"/>
+          <p:cNvPr id="246" name="Google Shape;246;p35"/>
           <p:cNvSpPr txBox="1"/>
           <p:nvPr>
             <p:ph type="title"/>
@@ -16580,7 +16580,7 @@
       </p:sp>
       <p:sp>
         <p:nvSpPr>
-          <p:cNvPr id="239" name="Google Shape;239;p35"/>
+          <p:cNvPr id="247" name="Google Shape;247;p35"/>
           <p:cNvSpPr txBox="1"/>
           <p:nvPr>
             <p:ph idx="1" type="body"/>
@@ -16688,7 +16688,7 @@
       </p:sp>
       <p:graphicFrame>
         <p:nvGraphicFramePr>
-          <p:cNvPr id="240" name="Google Shape;240;p35"/>
+          <p:cNvPr id="248" name="Google Shape;248;p35"/>
           <p:cNvGraphicFramePr/>
           <p:nvPr/>
         </p:nvGraphicFramePr>
@@ -16701,7 +16701,7 @@
             <a:tbl>
               <a:tblPr>
                 <a:noFill/>
-                <a:tableStyleId>{6F2554DA-EB0F-417C-8A83-E1381AB22A1F}</a:tableStyleId>
+                <a:tableStyleId>{25046B50-B42A-4E8D-87F8-D130027FF7FD}</a:tableStyleId>
               </a:tblPr>
               <a:tblGrid>
                 <a:gridCol w="1485900"/>
@@ -17301,7 +17301,7 @@
       </p:graphicFrame>
       <p:sp>
         <p:nvSpPr>
-          <p:cNvPr id="241" name="Google Shape;241;p35"/>
+          <p:cNvPr id="249" name="Google Shape;249;p35"/>
           <p:cNvSpPr/>
           <p:nvPr/>
         </p:nvSpPr>
@@ -17344,7 +17344,7 @@
       </p:sp>
       <p:sp>
         <p:nvSpPr>
-          <p:cNvPr id="242" name="Google Shape;242;p35"/>
+          <p:cNvPr id="250" name="Google Shape;250;p35"/>
           <p:cNvSpPr/>
           <p:nvPr/>
         </p:nvSpPr>
@@ -17387,7 +17387,7 @@
       </p:sp>
       <p:sp>
         <p:nvSpPr>
-          <p:cNvPr id="243" name="Google Shape;243;p35"/>
+          <p:cNvPr id="251" name="Google Shape;251;p35"/>
           <p:cNvSpPr/>
           <p:nvPr/>
         </p:nvSpPr>
@@ -17430,7 +17430,7 @@
       </p:sp>
       <p:sp>
         <p:nvSpPr>
-          <p:cNvPr id="244" name="Google Shape;244;p35"/>
+          <p:cNvPr id="252" name="Google Shape;252;p35"/>
           <p:cNvSpPr/>
           <p:nvPr/>
         </p:nvSpPr>
@@ -17473,7 +17473,7 @@
       </p:sp>
       <p:sp>
         <p:nvSpPr>
-          <p:cNvPr id="245" name="Google Shape;245;p35"/>
+          <p:cNvPr id="253" name="Google Shape;253;p35"/>
           <p:cNvSpPr/>
           <p:nvPr/>
         </p:nvSpPr>
@@ -17516,7 +17516,7 @@
       </p:sp>
       <p:sp>
         <p:nvSpPr>
-          <p:cNvPr id="246" name="Google Shape;246;p35"/>
+          <p:cNvPr id="254" name="Google Shape;254;p35"/>
           <p:cNvSpPr/>
           <p:nvPr/>
         </p:nvSpPr>
@@ -17582,7 +17582,7 @@
   <p:cSld>
     <p:spTree>
       <p:nvGrpSpPr>
-        <p:cNvPr id="250" name="Shape 250"/>
+        <p:cNvPr id="258" name="Shape 258"/>
         <p:cNvGrpSpPr/>
         <p:nvPr/>
       </p:nvGrpSpPr>
@@ -17596,7 +17596,7 @@
       </p:grpSpPr>
       <p:sp>
         <p:nvSpPr>
-          <p:cNvPr id="251" name="Google Shape;251;p36"/>
+          <p:cNvPr id="259" name="Google Shape;259;p36"/>
           <p:cNvSpPr txBox="1"/>
           <p:nvPr>
             <p:ph type="title"/>
@@ -17636,7 +17636,7 @@
       </p:sp>
       <p:sp>
         <p:nvSpPr>
-          <p:cNvPr id="252" name="Google Shape;252;p36"/>
+          <p:cNvPr id="260" name="Google Shape;260;p36"/>
           <p:cNvSpPr txBox="1"/>
           <p:nvPr>
             <p:ph idx="1" type="body"/>
@@ -17744,7 +17744,7 @@
       </p:sp>
       <p:graphicFrame>
         <p:nvGraphicFramePr>
-          <p:cNvPr id="253" name="Google Shape;253;p36"/>
+          <p:cNvPr id="261" name="Google Shape;261;p36"/>
           <p:cNvGraphicFramePr/>
           <p:nvPr/>
         </p:nvGraphicFramePr>
@@ -17757,7 +17757,7 @@
             <a:tbl>
               <a:tblPr>
                 <a:noFill/>
-                <a:tableStyleId>{6F2554DA-EB0F-417C-8A83-E1381AB22A1F}</a:tableStyleId>
+                <a:tableStyleId>{25046B50-B42A-4E8D-87F8-D130027FF7FD}</a:tableStyleId>
               </a:tblPr>
               <a:tblGrid>
                 <a:gridCol w="1485900"/>
@@ -18357,7 +18357,7 @@
       </p:graphicFrame>
       <p:sp>
         <p:nvSpPr>
-          <p:cNvPr id="254" name="Google Shape;254;p36"/>
+          <p:cNvPr id="262" name="Google Shape;262;p36"/>
           <p:cNvSpPr/>
           <p:nvPr/>
         </p:nvSpPr>
@@ -18400,7 +18400,7 @@
       </p:sp>
       <p:sp>
         <p:nvSpPr>
-          <p:cNvPr id="255" name="Google Shape;255;p36"/>
+          <p:cNvPr id="263" name="Google Shape;263;p36"/>
           <p:cNvSpPr/>
           <p:nvPr/>
         </p:nvSpPr>
@@ -18443,7 +18443,7 @@
       </p:sp>
       <p:sp>
         <p:nvSpPr>
-          <p:cNvPr id="256" name="Google Shape;256;p36"/>
+          <p:cNvPr id="264" name="Google Shape;264;p36"/>
           <p:cNvSpPr/>
           <p:nvPr/>
         </p:nvSpPr>
@@ -18486,7 +18486,7 @@
       </p:sp>
       <p:sp>
         <p:nvSpPr>
-          <p:cNvPr id="257" name="Google Shape;257;p36"/>
+          <p:cNvPr id="265" name="Google Shape;265;p36"/>
           <p:cNvSpPr/>
           <p:nvPr/>
         </p:nvSpPr>
@@ -18529,7 +18529,7 @@
       </p:sp>
       <p:sp>
         <p:nvSpPr>
-          <p:cNvPr id="258" name="Google Shape;258;p36"/>
+          <p:cNvPr id="266" name="Google Shape;266;p36"/>
           <p:cNvSpPr/>
           <p:nvPr/>
         </p:nvSpPr>
@@ -18572,7 +18572,7 @@
       </p:sp>
       <p:sp>
         <p:nvSpPr>
-          <p:cNvPr id="259" name="Google Shape;259;p36"/>
+          <p:cNvPr id="267" name="Google Shape;267;p36"/>
           <p:cNvSpPr/>
           <p:nvPr/>
         </p:nvSpPr>
@@ -18615,7 +18615,7 @@
       </p:sp>
       <p:sp>
         <p:nvSpPr>
-          <p:cNvPr id="260" name="Google Shape;260;p36"/>
+          <p:cNvPr id="268" name="Google Shape;268;p36"/>
           <p:cNvSpPr txBox="1"/>
           <p:nvPr/>
         </p:nvSpPr>
@@ -18698,7 +18698,7 @@
   <p:cSld>
     <p:spTree>
       <p:nvGrpSpPr>
-        <p:cNvPr id="264" name="Shape 264"/>
+        <p:cNvPr id="272" name="Shape 272"/>
         <p:cNvGrpSpPr/>
         <p:nvPr/>
       </p:nvGrpSpPr>
@@ -18712,7 +18712,7 @@
       </p:grpSpPr>
       <p:sp>
         <p:nvSpPr>
-          <p:cNvPr id="265" name="Google Shape;265;p37"/>
+          <p:cNvPr id="273" name="Google Shape;273;p37"/>
           <p:cNvSpPr txBox="1"/>
           <p:nvPr>
             <p:ph type="title"/>
@@ -18752,7 +18752,7 @@
       </p:sp>
       <p:graphicFrame>
         <p:nvGraphicFramePr>
-          <p:cNvPr id="266" name="Google Shape;266;p37"/>
+          <p:cNvPr id="274" name="Google Shape;274;p37"/>
           <p:cNvGraphicFramePr/>
           <p:nvPr/>
         </p:nvGraphicFramePr>
@@ -18765,7 +18765,7 @@
             <a:tbl>
               <a:tblPr>
                 <a:noFill/>
-                <a:tableStyleId>{4B196D51-81D5-4A20-8C1D-6EDE576F51F9}</a:tableStyleId>
+                <a:tableStyleId>{FC1A4F12-566B-4368-A98D-1E2B01CCDE5D}</a:tableStyleId>
               </a:tblPr>
               <a:tblGrid>
                 <a:gridCol w="2639800"/>
@@ -18946,7 +18946,7 @@
       </p:graphicFrame>
       <p:pic>
         <p:nvPicPr>
-          <p:cNvPr id="267" name="Google Shape;267;p37"/>
+          <p:cNvPr id="275" name="Google Shape;275;p37"/>
           <p:cNvPicPr preferRelativeResize="0"/>
           <p:nvPr/>
         </p:nvPicPr>
@@ -18974,7 +18974,7 @@
       </p:pic>
       <p:pic>
         <p:nvPicPr>
-          <p:cNvPr id="268" name="Google Shape;268;p37"/>
+          <p:cNvPr id="276" name="Google Shape;276;p37"/>
           <p:cNvPicPr preferRelativeResize="0"/>
           <p:nvPr/>
         </p:nvPicPr>
@@ -19002,7 +19002,7 @@
       </p:pic>
       <p:pic>
         <p:nvPicPr>
-          <p:cNvPr id="269" name="Google Shape;269;p37"/>
+          <p:cNvPr id="277" name="Google Shape;277;p37"/>
           <p:cNvPicPr preferRelativeResize="0"/>
           <p:nvPr/>
         </p:nvPicPr>
@@ -19041,7 +19041,7 @@
   <p:cSld>
     <p:spTree>
       <p:nvGrpSpPr>
-        <p:cNvPr id="273" name="Shape 273"/>
+        <p:cNvPr id="281" name="Shape 281"/>
         <p:cNvGrpSpPr/>
         <p:nvPr/>
       </p:nvGrpSpPr>
@@ -19055,7 +19055,7 @@
       </p:grpSpPr>
       <p:sp>
         <p:nvSpPr>
-          <p:cNvPr id="274" name="Google Shape;274;p38"/>
+          <p:cNvPr id="282" name="Google Shape;282;p38"/>
           <p:cNvSpPr txBox="1"/>
           <p:nvPr>
             <p:ph type="title"/>
@@ -19095,7 +19095,7 @@
       </p:sp>
       <p:graphicFrame>
         <p:nvGraphicFramePr>
-          <p:cNvPr id="275" name="Google Shape;275;p38"/>
+          <p:cNvPr id="283" name="Google Shape;283;p38"/>
           <p:cNvGraphicFramePr/>
           <p:nvPr/>
         </p:nvGraphicFramePr>
@@ -19108,7 +19108,7 @@
             <a:tbl>
               <a:tblPr>
                 <a:noFill/>
-                <a:tableStyleId>{4B196D51-81D5-4A20-8C1D-6EDE576F51F9}</a:tableStyleId>
+                <a:tableStyleId>{FC1A4F12-566B-4368-A98D-1E2B01CCDE5D}</a:tableStyleId>
               </a:tblPr>
               <a:tblGrid>
                 <a:gridCol w="2639800"/>
@@ -19285,7 +19285,7 @@
       </p:graphicFrame>
       <p:pic>
         <p:nvPicPr>
-          <p:cNvPr id="276" name="Google Shape;276;p38"/>
+          <p:cNvPr id="284" name="Google Shape;284;p38"/>
           <p:cNvPicPr preferRelativeResize="0"/>
           <p:nvPr/>
         </p:nvPicPr>
@@ -19313,7 +19313,7 @@
       </p:pic>
       <p:pic>
         <p:nvPicPr>
-          <p:cNvPr id="277" name="Google Shape;277;p38"/>
+          <p:cNvPr id="285" name="Google Shape;285;p38"/>
           <p:cNvPicPr preferRelativeResize="0"/>
           <p:nvPr/>
         </p:nvPicPr>
@@ -19341,7 +19341,7 @@
       </p:pic>
       <p:pic>
         <p:nvPicPr>
-          <p:cNvPr id="278" name="Google Shape;278;p38"/>
+          <p:cNvPr id="286" name="Google Shape;286;p38"/>
           <p:cNvPicPr preferRelativeResize="0"/>
           <p:nvPr/>
         </p:nvPicPr>
@@ -19369,7 +19369,7 @@
       </p:pic>
       <p:sp>
         <p:nvSpPr>
-          <p:cNvPr id="279" name="Google Shape;279;p38"/>
+          <p:cNvPr id="287" name="Google Shape;287;p38"/>
           <p:cNvSpPr/>
           <p:nvPr/>
         </p:nvSpPr>
@@ -19425,263 +19425,6 @@
 </file>
 
 <file path=ppt/slides/slide27.xml><?xml version="1.0" encoding="utf-8"?>
-<p:sld xmlns:a="http://schemas.openxmlformats.org/drawingml/2006/main" xmlns:r="http://schemas.openxmlformats.org/officeDocument/2006/relationships" xmlns:mc="http://schemas.openxmlformats.org/markup-compatibility/2006" xmlns:mv="urn:schemas-microsoft-com:mac:vml" xmlns:p="http://schemas.openxmlformats.org/presentationml/2006/main" xmlns:c="http://schemas.openxmlformats.org/drawingml/2006/chart" xmlns:dgm="http://schemas.openxmlformats.org/drawingml/2006/diagram" xmlns:o="urn:schemas-microsoft-com:office:office" xmlns:v="urn:schemas-microsoft-com:vml" xmlns:pvml="urn:schemas-microsoft-com:office:powerpoint" xmlns:com="http://schemas.openxmlformats.org/drawingml/2006/compatibility" xmlns:p14="http://schemas.microsoft.com/office/powerpoint/2010/main" xmlns:p15="http://schemas.microsoft.com/office/powerpoint/2012/main" xmlns:ahyp="http://schemas.microsoft.com/office/drawing/2018/hyperlinkcolor">
-  <p:cSld>
-    <p:spTree>
-      <p:nvGrpSpPr>
-        <p:cNvPr id="283" name="Shape 283"/>
-        <p:cNvGrpSpPr/>
-        <p:nvPr/>
-      </p:nvGrpSpPr>
-      <p:grpSpPr>
-        <a:xfrm>
-          <a:off x="0" y="0"/>
-          <a:ext cx="0" cy="0"/>
-          <a:chOff x="0" y="0"/>
-          <a:chExt cx="0" cy="0"/>
-        </a:xfrm>
-      </p:grpSpPr>
-      <p:sp>
-        <p:nvSpPr>
-          <p:cNvPr id="284" name="Google Shape;284;p39"/>
-          <p:cNvSpPr txBox="1"/>
-          <p:nvPr>
-            <p:ph type="title"/>
-          </p:nvPr>
-        </p:nvSpPr>
-        <p:spPr>
-          <a:xfrm>
-            <a:off x="311700" y="445025"/>
-            <a:ext cx="8520600" cy="572700"/>
-          </a:xfrm>
-          <a:prstGeom prst="rect">
-            <a:avLst/>
-          </a:prstGeom>
-        </p:spPr>
-        <p:txBody>
-          <a:bodyPr anchorCtr="0" anchor="t" bIns="91425" lIns="91425" spcFirstLastPara="1" rIns="91425" wrap="square" tIns="91425">
-            <a:normAutofit fontScale="90000"/>
-          </a:bodyPr>
-          <a:lstStyle/>
-          <a:p>
-            <a:pPr indent="0" lvl="0" marL="0" rtl="0" algn="l">
-              <a:spcBef>
-                <a:spcPts val="0"/>
-              </a:spcBef>
-              <a:spcAft>
-                <a:spcPts val="0"/>
-              </a:spcAft>
-              <a:buNone/>
-            </a:pPr>
-            <a:r>
-              <a:rPr lang="en"/>
-              <a:t>The XGBoost Classifier:</a:t>
-            </a:r>
-            <a:endParaRPr/>
-          </a:p>
-        </p:txBody>
-      </p:sp>
-      <p:sp>
-        <p:nvSpPr>
-          <p:cNvPr id="285" name="Google Shape;285;p39"/>
-          <p:cNvSpPr txBox="1"/>
-          <p:nvPr>
-            <p:ph idx="1" type="body"/>
-          </p:nvPr>
-        </p:nvSpPr>
-        <p:spPr>
-          <a:xfrm>
-            <a:off x="235500" y="1152475"/>
-            <a:ext cx="4588200" cy="3416400"/>
-          </a:xfrm>
-          <a:prstGeom prst="rect">
-            <a:avLst/>
-          </a:prstGeom>
-        </p:spPr>
-        <p:txBody>
-          <a:bodyPr anchorCtr="0" anchor="t" bIns="91425" lIns="91425" spcFirstLastPara="1" rIns="91425" wrap="square" tIns="91425">
-            <a:normAutofit/>
-          </a:bodyPr>
-          <a:lstStyle/>
-          <a:p>
-            <a:pPr indent="0" lvl="0" marL="0" rtl="0" algn="l">
-              <a:spcBef>
-                <a:spcPts val="0"/>
-              </a:spcBef>
-              <a:spcAft>
-                <a:spcPts val="0"/>
-              </a:spcAft>
-              <a:buNone/>
-            </a:pPr>
-            <a:r>
-              <a:t/>
-            </a:r>
-            <a:endParaRPr sz="1900"/>
-          </a:p>
-          <a:p>
-            <a:pPr indent="0" lvl="0" marL="457200" rtl="0" algn="l">
-              <a:spcBef>
-                <a:spcPts val="1200"/>
-              </a:spcBef>
-              <a:spcAft>
-                <a:spcPts val="0"/>
-              </a:spcAft>
-              <a:buNone/>
-            </a:pPr>
-            <a:r>
-              <a:rPr lang="en" sz="1900"/>
-              <a:t>roc_auc_score = </a:t>
-            </a:r>
-            <a:r>
-              <a:rPr lang="en" sz="1900">
-                <a:solidFill>
-                  <a:schemeClr val="dk1"/>
-                </a:solidFill>
-              </a:rPr>
-              <a:t>~0.8822</a:t>
-            </a:r>
-            <a:endParaRPr sz="1900">
-              <a:solidFill>
-                <a:schemeClr val="dk1"/>
-              </a:solidFill>
-            </a:endParaRPr>
-          </a:p>
-          <a:p>
-            <a:pPr indent="0" lvl="0" marL="0" rtl="0" algn="l">
-              <a:spcBef>
-                <a:spcPts val="1200"/>
-              </a:spcBef>
-              <a:spcAft>
-                <a:spcPts val="0"/>
-              </a:spcAft>
-              <a:buNone/>
-            </a:pPr>
-            <a:r>
-              <a:t/>
-            </a:r>
-            <a:endParaRPr sz="1900"/>
-          </a:p>
-          <a:p>
-            <a:pPr indent="0" lvl="0" marL="457200" rtl="0" algn="l">
-              <a:spcBef>
-                <a:spcPts val="1200"/>
-              </a:spcBef>
-              <a:spcAft>
-                <a:spcPts val="0"/>
-              </a:spcAft>
-              <a:buNone/>
-            </a:pPr>
-            <a:r>
-              <a:rPr lang="en" sz="1900"/>
-              <a:t>Chosen for the only non-zero f1-score</a:t>
-            </a:r>
-            <a:endParaRPr sz="1900"/>
-          </a:p>
-          <a:p>
-            <a:pPr indent="0" lvl="0" marL="914400" rtl="0" algn="l">
-              <a:spcBef>
-                <a:spcPts val="1200"/>
-              </a:spcBef>
-              <a:spcAft>
-                <a:spcPts val="0"/>
-              </a:spcAft>
-              <a:buNone/>
-            </a:pPr>
-            <a:r>
-              <a:rPr lang="en" sz="1900"/>
-              <a:t>0.01 → not the best</a:t>
-            </a:r>
-            <a:endParaRPr sz="1900"/>
-          </a:p>
-          <a:p>
-            <a:pPr indent="0" lvl="0" marL="914400" rtl="0" algn="l">
-              <a:spcBef>
-                <a:spcPts val="1200"/>
-              </a:spcBef>
-              <a:spcAft>
-                <a:spcPts val="1200"/>
-              </a:spcAft>
-              <a:buNone/>
-            </a:pPr>
-            <a:r>
-              <a:rPr lang="en" sz="1900"/>
-              <a:t>How can we improve?</a:t>
-            </a:r>
-            <a:endParaRPr sz="1900"/>
-          </a:p>
-        </p:txBody>
-      </p:sp>
-      <p:pic>
-        <p:nvPicPr>
-          <p:cNvPr id="286" name="Google Shape;286;p39"/>
-          <p:cNvPicPr preferRelativeResize="0"/>
-          <p:nvPr/>
-        </p:nvPicPr>
-        <p:blipFill>
-          <a:blip r:embed="rId3">
-            <a:alphaModFix/>
-          </a:blip>
-          <a:stretch>
-            <a:fillRect/>
-          </a:stretch>
-        </p:blipFill>
-        <p:spPr>
-          <a:xfrm>
-            <a:off x="4899750" y="938850"/>
-            <a:ext cx="3714750" cy="1257300"/>
-          </a:xfrm>
-          <a:prstGeom prst="rect">
-            <a:avLst/>
-          </a:prstGeom>
-          <a:noFill/>
-          <a:ln cap="flat" cmpd="sng" w="12700">
-            <a:solidFill>
-              <a:srgbClr val="000000"/>
-            </a:solidFill>
-            <a:prstDash val="solid"/>
-            <a:miter lim="8000"/>
-            <a:headEnd len="sm" w="sm" type="none"/>
-            <a:tailEnd len="sm" w="sm" type="none"/>
-          </a:ln>
-        </p:spPr>
-      </p:pic>
-      <p:pic>
-        <p:nvPicPr>
-          <p:cNvPr id="287" name="Google Shape;287;p39"/>
-          <p:cNvPicPr preferRelativeResize="0"/>
-          <p:nvPr/>
-        </p:nvPicPr>
-        <p:blipFill>
-          <a:blip r:embed="rId4">
-            <a:alphaModFix/>
-          </a:blip>
-          <a:stretch>
-            <a:fillRect/>
-          </a:stretch>
-        </p:blipFill>
-        <p:spPr>
-          <a:xfrm>
-            <a:off x="4728300" y="2275013"/>
-            <a:ext cx="4057650" cy="2733675"/>
-          </a:xfrm>
-          <a:prstGeom prst="rect">
-            <a:avLst/>
-          </a:prstGeom>
-          <a:noFill/>
-          <a:ln>
-            <a:noFill/>
-          </a:ln>
-        </p:spPr>
-      </p:pic>
-    </p:spTree>
-  </p:cSld>
-  <p:clrMapOvr>
-    <a:masterClrMapping/>
-  </p:clrMapOvr>
-</p:sld>
-</file>
-
-<file path=ppt/slides/slide28.xml><?xml version="1.0" encoding="utf-8"?>
 <p:sld xmlns:a="http://schemas.openxmlformats.org/drawingml/2006/main" xmlns:r="http://schemas.openxmlformats.org/officeDocument/2006/relationships" xmlns:mc="http://schemas.openxmlformats.org/markup-compatibility/2006" xmlns:mv="urn:schemas-microsoft-com:mac:vml" xmlns:p="http://schemas.openxmlformats.org/presentationml/2006/main" xmlns:c="http://schemas.openxmlformats.org/drawingml/2006/chart" xmlns:dgm="http://schemas.openxmlformats.org/drawingml/2006/diagram" xmlns:o="urn:schemas-microsoft-com:office:office" xmlns:v="urn:schemas-microsoft-com:vml" xmlns:pvml="urn:schemas-microsoft-com:office:powerpoint" xmlns:com="http://schemas.openxmlformats.org/drawingml/2006/compatibility" xmlns:p14="http://schemas.microsoft.com/office/powerpoint/2010/main" xmlns:p15="http://schemas.microsoft.com/office/powerpoint/2012/main" xmlns:ahyp="http://schemas.microsoft.com/office/drawing/2018/hyperlinkcolor">
   <p:cSld>
     <p:spTree>
@@ -19700,7 +19443,47 @@
       </p:grpSpPr>
       <p:sp>
         <p:nvSpPr>
-          <p:cNvPr id="292" name="Google Shape;292;p40"/>
+          <p:cNvPr id="292" name="Google Shape;292;p39"/>
+          <p:cNvSpPr txBox="1"/>
+          <p:nvPr>
+            <p:ph type="title"/>
+          </p:nvPr>
+        </p:nvSpPr>
+        <p:spPr>
+          <a:xfrm>
+            <a:off x="311700" y="445025"/>
+            <a:ext cx="8520600" cy="572700"/>
+          </a:xfrm>
+          <a:prstGeom prst="rect">
+            <a:avLst/>
+          </a:prstGeom>
+        </p:spPr>
+        <p:txBody>
+          <a:bodyPr anchorCtr="0" anchor="t" bIns="91425" lIns="91425" spcFirstLastPara="1" rIns="91425" wrap="square" tIns="91425">
+            <a:normAutofit fontScale="90000"/>
+          </a:bodyPr>
+          <a:lstStyle/>
+          <a:p>
+            <a:pPr indent="0" lvl="0" marL="0" rtl="0" algn="l">
+              <a:spcBef>
+                <a:spcPts val="0"/>
+              </a:spcBef>
+              <a:spcAft>
+                <a:spcPts val="0"/>
+              </a:spcAft>
+              <a:buNone/>
+            </a:pPr>
+            <a:r>
+              <a:rPr lang="en"/>
+              <a:t>The XGBoost Classifier:</a:t>
+            </a:r>
+            <a:endParaRPr/>
+          </a:p>
+        </p:txBody>
+      </p:sp>
+      <p:sp>
+        <p:nvSpPr>
+          <p:cNvPr id="293" name="Google Shape;293;p39"/>
           <p:cNvSpPr txBox="1"/>
           <p:nvPr>
             <p:ph idx="1" type="body"/>
@@ -19708,8 +19491,8 @@
         </p:nvSpPr>
         <p:spPr>
           <a:xfrm>
-            <a:off x="311700" y="1168250"/>
-            <a:ext cx="4260300" cy="3416400"/>
+            <a:off x="235500" y="1152475"/>
+            <a:ext cx="4588200" cy="3416400"/>
           </a:xfrm>
           <a:prstGeom prst="rect">
             <a:avLst/>
@@ -19726,85 +19509,111 @@
                 <a:spcPts val="0"/>
               </a:spcBef>
               <a:spcAft>
+                <a:spcPts val="0"/>
+              </a:spcAft>
+              <a:buNone/>
+            </a:pPr>
+            <a:r>
+              <a:t/>
+            </a:r>
+            <a:endParaRPr sz="1900"/>
+          </a:p>
+          <a:p>
+            <a:pPr indent="0" lvl="0" marL="457200" rtl="0" algn="l">
+              <a:spcBef>
                 <a:spcPts val="1200"/>
-              </a:spcAft>
-              <a:buNone/>
-            </a:pPr>
+              </a:spcBef>
+              <a:spcAft>
+                <a:spcPts val="0"/>
+              </a:spcAft>
+              <a:buNone/>
+            </a:pPr>
+            <a:r>
+              <a:rPr lang="en" sz="1900"/>
+              <a:t>roc_auc_score = </a:t>
+            </a:r>
             <a:r>
               <a:rPr lang="en" sz="1900">
                 <a:solidFill>
-                  <a:srgbClr val="FFFFFF"/>
+                  <a:schemeClr val="dk1"/>
                 </a:solidFill>
               </a:rPr>
-              <a:t>As mentioned previously, we would have a huge problem with these 130 US Hospitals (c. 1999-2008) if we could </a:t>
-            </a:r>
-            <a:r>
-              <a:rPr lang="en" sz="1900">
-                <a:solidFill>
-                  <a:srgbClr val="FFFFFF"/>
-                </a:solidFill>
-              </a:rPr>
-              <a:t>clearly</a:t>
-            </a:r>
-            <a:r>
-              <a:rPr lang="en" sz="1900">
-                <a:solidFill>
-                  <a:srgbClr val="FFFFFF"/>
-                </a:solidFill>
-              </a:rPr>
-              <a:t> see features that are making major contributions to a patient’s risk of readmission.</a:t>
+              <a:t>~0.8822</a:t>
             </a:r>
             <a:endParaRPr sz="1900">
               <a:solidFill>
-                <a:srgbClr val="FFFFFF"/>
+                <a:schemeClr val="dk1"/>
               </a:solidFill>
             </a:endParaRPr>
           </a:p>
-        </p:txBody>
-      </p:sp>
-      <p:sp>
-        <p:nvSpPr>
-          <p:cNvPr id="293" name="Google Shape;293;p40"/>
-          <p:cNvSpPr txBox="1"/>
-          <p:nvPr>
-            <p:ph type="title"/>
-          </p:nvPr>
-        </p:nvSpPr>
-        <p:spPr>
-          <a:xfrm>
-            <a:off x="311700" y="445025"/>
-            <a:ext cx="8520600" cy="572700"/>
-          </a:xfrm>
-          <a:prstGeom prst="rect">
-            <a:avLst/>
-          </a:prstGeom>
-        </p:spPr>
-        <p:txBody>
-          <a:bodyPr anchorCtr="0" anchor="t" bIns="91425" lIns="91425" spcFirstLastPara="1" rIns="91425" wrap="square" tIns="91425">
-            <a:normAutofit fontScale="90000"/>
-          </a:bodyPr>
-          <a:lstStyle/>
           <a:p>
             <a:pPr indent="0" lvl="0" marL="0" rtl="0" algn="l">
               <a:spcBef>
-                <a:spcPts val="0"/>
-              </a:spcBef>
-              <a:spcAft>
-                <a:spcPts val="0"/>
-              </a:spcAft>
-              <a:buNone/>
-            </a:pPr>
-            <a:r>
-              <a:rPr lang="en"/>
-              <a:t>XGBoost Classifier – Feature Importances</a:t>
-            </a:r>
-            <a:endParaRPr/>
+                <a:spcPts val="1200"/>
+              </a:spcBef>
+              <a:spcAft>
+                <a:spcPts val="0"/>
+              </a:spcAft>
+              <a:buNone/>
+            </a:pPr>
+            <a:r>
+              <a:t/>
+            </a:r>
+            <a:endParaRPr sz="1900"/>
+          </a:p>
+          <a:p>
+            <a:pPr indent="0" lvl="0" marL="457200" rtl="0" algn="l">
+              <a:spcBef>
+                <a:spcPts val="1200"/>
+              </a:spcBef>
+              <a:spcAft>
+                <a:spcPts val="0"/>
+              </a:spcAft>
+              <a:buNone/>
+            </a:pPr>
+            <a:r>
+              <a:rPr lang="en" sz="1900"/>
+              <a:t>Chosen for the only non-zero f1-score</a:t>
+            </a:r>
+            <a:endParaRPr sz="1900"/>
+          </a:p>
+          <a:p>
+            <a:pPr indent="0" lvl="0" marL="914400" rtl="0" algn="l">
+              <a:spcBef>
+                <a:spcPts val="1200"/>
+              </a:spcBef>
+              <a:spcAft>
+                <a:spcPts val="0"/>
+              </a:spcAft>
+              <a:buNone/>
+            </a:pPr>
+            <a:r>
+              <a:rPr lang="en" sz="1900"/>
+              <a:t>0.01 → not the best</a:t>
+            </a:r>
+            <a:endParaRPr sz="1900"/>
+          </a:p>
+          <a:p>
+            <a:pPr indent="0" lvl="0" marL="914400" rtl="0" algn="l">
+              <a:spcBef>
+                <a:spcPts val="1200"/>
+              </a:spcBef>
+              <a:spcAft>
+                <a:spcPts val="1200"/>
+              </a:spcAft>
+              <a:buNone/>
+            </a:pPr>
+            <a:r>
+              <a:rPr lang="en" sz="1900"/>
+              <a:t>How can we improve?</a:t>
+            </a:r>
+            <a:endParaRPr sz="1900"/>
           </a:p>
         </p:txBody>
       </p:sp>
       <p:pic>
         <p:nvPicPr>
-          <p:cNvPr id="294" name="Google Shape;294;p40"/>
+          <p:cNvPr id="294" name="Google Shape;294;p39"/>
           <p:cNvPicPr preferRelativeResize="0"/>
           <p:nvPr/>
         </p:nvPicPr>
@@ -19818,36 +19627,8 @@
         </p:blipFill>
         <p:spPr>
           <a:xfrm>
-            <a:off x="4572000" y="1085100"/>
-            <a:ext cx="4267199" cy="2283384"/>
-          </a:xfrm>
-          <a:prstGeom prst="rect">
-            <a:avLst/>
-          </a:prstGeom>
-          <a:noFill/>
-          <a:ln>
-            <a:noFill/>
-          </a:ln>
-        </p:spPr>
-      </p:pic>
-      <p:pic>
-        <p:nvPicPr>
-          <p:cNvPr id="295" name="Google Shape;295;p40"/>
-          <p:cNvPicPr preferRelativeResize="0"/>
-          <p:nvPr/>
-        </p:nvPicPr>
-        <p:blipFill>
-          <a:blip r:embed="rId4">
-            <a:alphaModFix/>
-          </a:blip>
-          <a:stretch>
-            <a:fillRect/>
-          </a:stretch>
-        </p:blipFill>
-        <p:spPr>
-          <a:xfrm>
-            <a:off x="4572000" y="3435850"/>
-            <a:ext cx="4171950" cy="1714500"/>
+            <a:off x="4899750" y="938850"/>
+            <a:ext cx="3714750" cy="1257300"/>
           </a:xfrm>
           <a:prstGeom prst="rect">
             <a:avLst/>
@@ -19864,6 +19645,34 @@
           </a:ln>
         </p:spPr>
       </p:pic>
+      <p:pic>
+        <p:nvPicPr>
+          <p:cNvPr id="295" name="Google Shape;295;p39"/>
+          <p:cNvPicPr preferRelativeResize="0"/>
+          <p:nvPr/>
+        </p:nvPicPr>
+        <p:blipFill>
+          <a:blip r:embed="rId4">
+            <a:alphaModFix/>
+          </a:blip>
+          <a:stretch>
+            <a:fillRect/>
+          </a:stretch>
+        </p:blipFill>
+        <p:spPr>
+          <a:xfrm>
+            <a:off x="4728300" y="2275013"/>
+            <a:ext cx="4057650" cy="2733675"/>
+          </a:xfrm>
+          <a:prstGeom prst="rect">
+            <a:avLst/>
+          </a:prstGeom>
+          <a:noFill/>
+          <a:ln>
+            <a:noFill/>
+          </a:ln>
+        </p:spPr>
+      </p:pic>
     </p:spTree>
   </p:cSld>
   <p:clrMapOvr>
@@ -19872,7 +19681,7 @@
 </p:sld>
 </file>
 
-<file path=ppt/slides/slide29.xml><?xml version="1.0" encoding="utf-8"?>
+<file path=ppt/slides/slide28.xml><?xml version="1.0" encoding="utf-8"?>
 <p:sld xmlns:a="http://schemas.openxmlformats.org/drawingml/2006/main" xmlns:r="http://schemas.openxmlformats.org/officeDocument/2006/relationships" xmlns:mc="http://schemas.openxmlformats.org/markup-compatibility/2006" xmlns:mv="urn:schemas-microsoft-com:mac:vml" xmlns:p="http://schemas.openxmlformats.org/presentationml/2006/main" xmlns:c="http://schemas.openxmlformats.org/drawingml/2006/chart" xmlns:dgm="http://schemas.openxmlformats.org/drawingml/2006/diagram" xmlns:o="urn:schemas-microsoft-com:office:office" xmlns:v="urn:schemas-microsoft-com:vml" xmlns:pvml="urn:schemas-microsoft-com:office:powerpoint" xmlns:com="http://schemas.openxmlformats.org/drawingml/2006/compatibility" xmlns:p14="http://schemas.microsoft.com/office/powerpoint/2010/main" xmlns:p15="http://schemas.microsoft.com/office/powerpoint/2012/main" xmlns:ahyp="http://schemas.microsoft.com/office/drawing/2018/hyperlinkcolor">
   <p:cSld>
     <p:spTree>
@@ -19891,7 +19700,7 @@
       </p:grpSpPr>
       <p:sp>
         <p:nvSpPr>
-          <p:cNvPr id="300" name="Google Shape;300;p41"/>
+          <p:cNvPr id="300" name="Google Shape;300;p40"/>
           <p:cNvSpPr txBox="1"/>
           <p:nvPr>
             <p:ph idx="1" type="body"/>
@@ -19899,8 +19708,8 @@
         </p:nvSpPr>
         <p:spPr>
           <a:xfrm>
-            <a:off x="311700" y="1152475"/>
-            <a:ext cx="4260300" cy="2283300"/>
+            <a:off x="311700" y="1168250"/>
+            <a:ext cx="4260300" cy="3416400"/>
           </a:xfrm>
           <a:prstGeom prst="rect">
             <a:avLst/>
@@ -19908,7 +19717,7 @@
         </p:spPr>
         <p:txBody>
           <a:bodyPr anchorCtr="0" anchor="t" bIns="91425" lIns="91425" spcFirstLastPara="1" rIns="91425" wrap="square" tIns="91425">
-            <a:normAutofit fontScale="85000" lnSpcReduction="20000"/>
+            <a:normAutofit/>
           </a:bodyPr>
           <a:lstStyle/>
           <a:p>
@@ -19917,7 +19726,7 @@
                 <a:spcPts val="0"/>
               </a:spcBef>
               <a:spcAft>
-                <a:spcPts val="0"/>
+                <a:spcPts val="1200"/>
               </a:spcAft>
               <a:buNone/>
             </a:pPr>
@@ -19927,7 +19736,23 @@
                   <a:srgbClr val="FFFFFF"/>
                 </a:solidFill>
               </a:rPr>
-              <a:t>In regard to feature importances, there are upwards of 2,000 features and so the visualizations don’t tell us too much.</a:t>
+              <a:t>As mentioned previously, we would have a huge problem with these 130 US Hospitals (c. 1999-2008) if we could </a:t>
+            </a:r>
+            <a:r>
+              <a:rPr lang="en" sz="1900">
+                <a:solidFill>
+                  <a:srgbClr val="FFFFFF"/>
+                </a:solidFill>
+              </a:rPr>
+              <a:t>clearly</a:t>
+            </a:r>
+            <a:r>
+              <a:rPr lang="en" sz="1900">
+                <a:solidFill>
+                  <a:srgbClr val="FFFFFF"/>
+                </a:solidFill>
+              </a:rPr>
+              <a:t> see features that are making major contributions to a patient’s risk of readmission.</a:t>
             </a:r>
             <a:endParaRPr sz="1900">
               <a:solidFill>
@@ -19935,35 +19760,11 @@
               </a:solidFill>
             </a:endParaRPr>
           </a:p>
-          <a:p>
-            <a:pPr indent="0" lvl="0" marL="0" rtl="0" algn="l">
-              <a:spcBef>
-                <a:spcPts val="1200"/>
-              </a:spcBef>
-              <a:spcAft>
-                <a:spcPts val="1200"/>
-              </a:spcAft>
-              <a:buNone/>
-            </a:pPr>
-            <a:r>
-              <a:rPr lang="en" sz="1900">
-                <a:solidFill>
-                  <a:srgbClr val="FFFFFF"/>
-                </a:solidFill>
-              </a:rPr>
-              <a:t>However, it makes sense to see the diagnosis codes playing a larger role, as well as ‘surgery’ and ‘discharge_disposition_id’ as they indicate the intensity of the visit and the patients’ nature of departure, respectively.</a:t>
-            </a:r>
-            <a:endParaRPr sz="1900">
-              <a:solidFill>
-                <a:srgbClr val="FFFFFF"/>
-              </a:solidFill>
-            </a:endParaRPr>
-          </a:p>
         </p:txBody>
       </p:sp>
       <p:sp>
         <p:nvSpPr>
-          <p:cNvPr id="301" name="Google Shape;301;p41"/>
+          <p:cNvPr id="301" name="Google Shape;301;p40"/>
           <p:cNvSpPr txBox="1"/>
           <p:nvPr>
             <p:ph type="title"/>
@@ -20003,7 +19804,7 @@
       </p:sp>
       <p:pic>
         <p:nvPicPr>
-          <p:cNvPr id="302" name="Google Shape;302;p41"/>
+          <p:cNvPr id="302" name="Google Shape;302;p40"/>
           <p:cNvPicPr preferRelativeResize="0"/>
           <p:nvPr/>
         </p:nvPicPr>
@@ -20031,7 +19832,7 @@
       </p:pic>
       <p:pic>
         <p:nvPicPr>
-          <p:cNvPr id="303" name="Google Shape;303;p41"/>
+          <p:cNvPr id="303" name="Google Shape;303;p40"/>
           <p:cNvPicPr preferRelativeResize="0"/>
           <p:nvPr/>
         </p:nvPicPr>
@@ -20063,9 +19864,34 @@
           </a:ln>
         </p:spPr>
       </p:pic>
+    </p:spTree>
+  </p:cSld>
+  <p:clrMapOvr>
+    <a:masterClrMapping/>
+  </p:clrMapOvr>
+</p:sld>
+</file>
+
+<file path=ppt/slides/slide29.xml><?xml version="1.0" encoding="utf-8"?>
+<p:sld xmlns:a="http://schemas.openxmlformats.org/drawingml/2006/main" xmlns:r="http://schemas.openxmlformats.org/officeDocument/2006/relationships" xmlns:mc="http://schemas.openxmlformats.org/markup-compatibility/2006" xmlns:mv="urn:schemas-microsoft-com:mac:vml" xmlns:p="http://schemas.openxmlformats.org/presentationml/2006/main" xmlns:c="http://schemas.openxmlformats.org/drawingml/2006/chart" xmlns:dgm="http://schemas.openxmlformats.org/drawingml/2006/diagram" xmlns:o="urn:schemas-microsoft-com:office:office" xmlns:v="urn:schemas-microsoft-com:vml" xmlns:pvml="urn:schemas-microsoft-com:office:powerpoint" xmlns:com="http://schemas.openxmlformats.org/drawingml/2006/compatibility" xmlns:p14="http://schemas.microsoft.com/office/powerpoint/2010/main" xmlns:p15="http://schemas.microsoft.com/office/powerpoint/2012/main" xmlns:ahyp="http://schemas.microsoft.com/office/drawing/2018/hyperlinkcolor">
+  <p:cSld>
+    <p:spTree>
+      <p:nvGrpSpPr>
+        <p:cNvPr id="307" name="Shape 307"/>
+        <p:cNvGrpSpPr/>
+        <p:nvPr/>
+      </p:nvGrpSpPr>
+      <p:grpSpPr>
+        <a:xfrm>
+          <a:off x="0" y="0"/>
+          <a:ext cx="0" cy="0"/>
+          <a:chOff x="0" y="0"/>
+          <a:chExt cx="0" cy="0"/>
+        </a:xfrm>
+      </p:grpSpPr>
       <p:sp>
         <p:nvSpPr>
-          <p:cNvPr id="304" name="Google Shape;304;p41"/>
+          <p:cNvPr id="308" name="Google Shape;308;p41"/>
           <p:cNvSpPr txBox="1"/>
           <p:nvPr>
             <p:ph idx="1" type="body"/>
@@ -20073,8 +19899,8 @@
         </p:nvSpPr>
         <p:spPr>
           <a:xfrm>
-            <a:off x="1066800" y="4054850"/>
-            <a:ext cx="3600600" cy="1095600"/>
+            <a:off x="311700" y="1152475"/>
+            <a:ext cx="4260300" cy="2283300"/>
           </a:xfrm>
           <a:prstGeom prst="rect">
             <a:avLst/>
@@ -20096,6 +19922,180 @@
               <a:buNone/>
             </a:pPr>
             <a:r>
+              <a:rPr lang="en" sz="1900">
+                <a:solidFill>
+                  <a:srgbClr val="FFFFFF"/>
+                </a:solidFill>
+              </a:rPr>
+              <a:t>In regard to feature importances, there are upwards of 2,000 features and so the visualizations don’t tell us too much.</a:t>
+            </a:r>
+            <a:endParaRPr sz="1900">
+              <a:solidFill>
+                <a:srgbClr val="FFFFFF"/>
+              </a:solidFill>
+            </a:endParaRPr>
+          </a:p>
+          <a:p>
+            <a:pPr indent="0" lvl="0" marL="0" rtl="0" algn="l">
+              <a:spcBef>
+                <a:spcPts val="1200"/>
+              </a:spcBef>
+              <a:spcAft>
+                <a:spcPts val="1200"/>
+              </a:spcAft>
+              <a:buNone/>
+            </a:pPr>
+            <a:r>
+              <a:rPr lang="en" sz="1900">
+                <a:solidFill>
+                  <a:srgbClr val="FFFFFF"/>
+                </a:solidFill>
+              </a:rPr>
+              <a:t>However, it makes sense to see the diagnosis codes playing a larger role, as well as ‘surgery’ and ‘discharge_disposition_id’ as they indicate the intensity of the visit and the patients’ nature of departure, respectively.</a:t>
+            </a:r>
+            <a:endParaRPr sz="1900">
+              <a:solidFill>
+                <a:srgbClr val="FFFFFF"/>
+              </a:solidFill>
+            </a:endParaRPr>
+          </a:p>
+        </p:txBody>
+      </p:sp>
+      <p:sp>
+        <p:nvSpPr>
+          <p:cNvPr id="309" name="Google Shape;309;p41"/>
+          <p:cNvSpPr txBox="1"/>
+          <p:nvPr>
+            <p:ph type="title"/>
+          </p:nvPr>
+        </p:nvSpPr>
+        <p:spPr>
+          <a:xfrm>
+            <a:off x="311700" y="445025"/>
+            <a:ext cx="8520600" cy="572700"/>
+          </a:xfrm>
+          <a:prstGeom prst="rect">
+            <a:avLst/>
+          </a:prstGeom>
+        </p:spPr>
+        <p:txBody>
+          <a:bodyPr anchorCtr="0" anchor="t" bIns="91425" lIns="91425" spcFirstLastPara="1" rIns="91425" wrap="square" tIns="91425">
+            <a:normAutofit fontScale="90000"/>
+          </a:bodyPr>
+          <a:lstStyle/>
+          <a:p>
+            <a:pPr indent="0" lvl="0" marL="0" rtl="0" algn="l">
+              <a:spcBef>
+                <a:spcPts val="0"/>
+              </a:spcBef>
+              <a:spcAft>
+                <a:spcPts val="0"/>
+              </a:spcAft>
+              <a:buNone/>
+            </a:pPr>
+            <a:r>
+              <a:rPr lang="en"/>
+              <a:t>XGBoost Classifier – Feature Importances</a:t>
+            </a:r>
+            <a:endParaRPr/>
+          </a:p>
+        </p:txBody>
+      </p:sp>
+      <p:pic>
+        <p:nvPicPr>
+          <p:cNvPr id="310" name="Google Shape;310;p41"/>
+          <p:cNvPicPr preferRelativeResize="0"/>
+          <p:nvPr/>
+        </p:nvPicPr>
+        <p:blipFill>
+          <a:blip r:embed="rId3">
+            <a:alphaModFix/>
+          </a:blip>
+          <a:stretch>
+            <a:fillRect/>
+          </a:stretch>
+        </p:blipFill>
+        <p:spPr>
+          <a:xfrm>
+            <a:off x="4572000" y="1085100"/>
+            <a:ext cx="4267199" cy="2283384"/>
+          </a:xfrm>
+          <a:prstGeom prst="rect">
+            <a:avLst/>
+          </a:prstGeom>
+          <a:noFill/>
+          <a:ln>
+            <a:noFill/>
+          </a:ln>
+        </p:spPr>
+      </p:pic>
+      <p:pic>
+        <p:nvPicPr>
+          <p:cNvPr id="311" name="Google Shape;311;p41"/>
+          <p:cNvPicPr preferRelativeResize="0"/>
+          <p:nvPr/>
+        </p:nvPicPr>
+        <p:blipFill>
+          <a:blip r:embed="rId4">
+            <a:alphaModFix/>
+          </a:blip>
+          <a:stretch>
+            <a:fillRect/>
+          </a:stretch>
+        </p:blipFill>
+        <p:spPr>
+          <a:xfrm>
+            <a:off x="4572000" y="3435850"/>
+            <a:ext cx="4171950" cy="1714500"/>
+          </a:xfrm>
+          <a:prstGeom prst="rect">
+            <a:avLst/>
+          </a:prstGeom>
+          <a:noFill/>
+          <a:ln cap="flat" cmpd="sng" w="12700">
+            <a:solidFill>
+              <a:srgbClr val="000000"/>
+            </a:solidFill>
+            <a:prstDash val="solid"/>
+            <a:miter lim="8000"/>
+            <a:headEnd len="sm" w="sm" type="none"/>
+            <a:tailEnd len="sm" w="sm" type="none"/>
+          </a:ln>
+        </p:spPr>
+      </p:pic>
+      <p:sp>
+        <p:nvSpPr>
+          <p:cNvPr id="312" name="Google Shape;312;p41"/>
+          <p:cNvSpPr txBox="1"/>
+          <p:nvPr>
+            <p:ph idx="1" type="body"/>
+          </p:nvPr>
+        </p:nvSpPr>
+        <p:spPr>
+          <a:xfrm>
+            <a:off x="1066800" y="4054850"/>
+            <a:ext cx="3600600" cy="1095600"/>
+          </a:xfrm>
+          <a:prstGeom prst="rect">
+            <a:avLst/>
+          </a:prstGeom>
+        </p:spPr>
+        <p:txBody>
+          <a:bodyPr anchorCtr="0" anchor="t" bIns="91425" lIns="91425" spcFirstLastPara="1" rIns="91425" wrap="square" tIns="91425">
+            <a:normAutofit fontScale="85000" lnSpcReduction="20000"/>
+          </a:bodyPr>
+          <a:lstStyle/>
+          <a:p>
+            <a:pPr indent="0" lvl="0" marL="0" rtl="0" algn="l">
+              <a:spcBef>
+                <a:spcPts val="0"/>
+              </a:spcBef>
+              <a:spcAft>
+                <a:spcPts val="0"/>
+              </a:spcAft>
+              <a:buNone/>
+            </a:pPr>
+            <a:r>
               <a:rPr lang="en" sz="1200">
                 <a:solidFill>
                   <a:schemeClr val="dk1"/>
@@ -20185,7 +20185,7 @@
       </p:sp>
       <p:pic>
         <p:nvPicPr>
-          <p:cNvPr id="305" name="Google Shape;305;p41"/>
+          <p:cNvPr id="313" name="Google Shape;313;p41"/>
           <p:cNvPicPr preferRelativeResize="0"/>
           <p:nvPr/>
         </p:nvPicPr>
@@ -20213,7 +20213,7 @@
       </p:pic>
       <p:sp>
         <p:nvSpPr>
-          <p:cNvPr id="306" name="Google Shape;306;p41"/>
+          <p:cNvPr id="314" name="Google Shape;314;p41"/>
           <p:cNvSpPr txBox="1"/>
           <p:nvPr/>
         </p:nvSpPr>
@@ -20554,7 +20554,7 @@
   <p:cSld>
     <p:spTree>
       <p:nvGrpSpPr>
-        <p:cNvPr id="310" name="Shape 310"/>
+        <p:cNvPr id="318" name="Shape 318"/>
         <p:cNvGrpSpPr/>
         <p:nvPr/>
       </p:nvGrpSpPr>
@@ -20568,7 +20568,7 @@
       </p:grpSpPr>
       <p:sp>
         <p:nvSpPr>
-          <p:cNvPr id="311" name="Google Shape;311;p42"/>
+          <p:cNvPr id="319" name="Google Shape;319;p42"/>
           <p:cNvSpPr txBox="1"/>
           <p:nvPr>
             <p:ph idx="1" type="body"/>
@@ -20654,7 +20654,7 @@
       </p:sp>
       <p:sp>
         <p:nvSpPr>
-          <p:cNvPr id="312" name="Google Shape;312;p42"/>
+          <p:cNvPr id="320" name="Google Shape;320;p42"/>
           <p:cNvSpPr txBox="1"/>
           <p:nvPr>
             <p:ph type="title"/>
@@ -20698,7 +20698,7 @@
       </p:sp>
       <p:pic>
         <p:nvPicPr>
-          <p:cNvPr id="313" name="Google Shape;313;p42"/>
+          <p:cNvPr id="321" name="Google Shape;321;p42"/>
           <p:cNvPicPr preferRelativeResize="0"/>
           <p:nvPr/>
         </p:nvPicPr>
@@ -20725,7 +20725,7 @@
       </p:pic>
       <p:pic>
         <p:nvPicPr>
-          <p:cNvPr id="314" name="Google Shape;314;p42"/>
+          <p:cNvPr id="322" name="Google Shape;322;p42"/>
           <p:cNvPicPr preferRelativeResize="0"/>
           <p:nvPr/>
         </p:nvPicPr>
@@ -20759,7 +20759,7 @@
       </p:pic>
       <p:sp>
         <p:nvSpPr>
-          <p:cNvPr id="315" name="Google Shape;315;p42"/>
+          <p:cNvPr id="323" name="Google Shape;323;p42"/>
           <p:cNvSpPr txBox="1"/>
           <p:nvPr>
             <p:ph idx="1" type="body"/>
@@ -20809,7 +20809,7 @@
       </p:sp>
       <p:sp>
         <p:nvSpPr>
-          <p:cNvPr id="316" name="Google Shape;316;p42"/>
+          <p:cNvPr id="324" name="Google Shape;324;p42"/>
           <p:cNvSpPr/>
           <p:nvPr/>
         </p:nvSpPr>
@@ -20872,7 +20872,7 @@
   <p:cSld>
     <p:spTree>
       <p:nvGrpSpPr>
-        <p:cNvPr id="320" name="Shape 320"/>
+        <p:cNvPr id="328" name="Shape 328"/>
         <p:cNvGrpSpPr/>
         <p:nvPr/>
       </p:nvGrpSpPr>
@@ -20886,7 +20886,7 @@
       </p:grpSpPr>
       <p:sp>
         <p:nvSpPr>
-          <p:cNvPr id="321" name="Google Shape;321;p43"/>
+          <p:cNvPr id="329" name="Google Shape;329;p43"/>
           <p:cNvSpPr txBox="1"/>
           <p:nvPr>
             <p:ph idx="1" type="body"/>
@@ -20934,7 +20934,7 @@
       </p:sp>
       <p:sp>
         <p:nvSpPr>
-          <p:cNvPr id="322" name="Google Shape;322;p43"/>
+          <p:cNvPr id="330" name="Google Shape;330;p43"/>
           <p:cNvSpPr txBox="1"/>
           <p:nvPr>
             <p:ph type="title"/>
@@ -20978,7 +20978,7 @@
       </p:sp>
       <p:pic>
         <p:nvPicPr>
-          <p:cNvPr id="323" name="Google Shape;323;p43"/>
+          <p:cNvPr id="331" name="Google Shape;331;p43"/>
           <p:cNvPicPr preferRelativeResize="0"/>
           <p:nvPr/>
         </p:nvPicPr>
@@ -21005,7 +21005,7 @@
       </p:pic>
       <p:pic>
         <p:nvPicPr>
-          <p:cNvPr id="324" name="Google Shape;324;p43"/>
+          <p:cNvPr id="332" name="Google Shape;332;p43"/>
           <p:cNvPicPr preferRelativeResize="0"/>
           <p:nvPr/>
         </p:nvPicPr>
@@ -21039,7 +21039,7 @@
       </p:pic>
       <p:sp>
         <p:nvSpPr>
-          <p:cNvPr id="325" name="Google Shape;325;p43"/>
+          <p:cNvPr id="333" name="Google Shape;333;p43"/>
           <p:cNvSpPr/>
           <p:nvPr/>
         </p:nvSpPr>
@@ -21088,7 +21088,7 @@
       </p:sp>
       <p:pic>
         <p:nvPicPr>
-          <p:cNvPr id="326" name="Google Shape;326;p43"/>
+          <p:cNvPr id="334" name="Google Shape;334;p43"/>
           <p:cNvPicPr preferRelativeResize="0"/>
           <p:nvPr/>
         </p:nvPicPr>
@@ -21116,7 +21116,7 @@
       </p:pic>
       <p:sp>
         <p:nvSpPr>
-          <p:cNvPr id="327" name="Google Shape;327;p43"/>
+          <p:cNvPr id="335" name="Google Shape;335;p43"/>
           <p:cNvSpPr/>
           <p:nvPr/>
         </p:nvSpPr>
@@ -21165,7 +21165,7 @@
       </p:sp>
       <p:sp>
         <p:nvSpPr>
-          <p:cNvPr id="328" name="Google Shape;328;p43"/>
+          <p:cNvPr id="336" name="Google Shape;336;p43"/>
           <p:cNvSpPr txBox="1"/>
           <p:nvPr>
             <p:ph idx="1" type="body"/>
@@ -21221,7 +21221,7 @@
       </p:sp>
       <p:sp>
         <p:nvSpPr>
-          <p:cNvPr id="329" name="Google Shape;329;p43"/>
+          <p:cNvPr id="337" name="Google Shape;337;p43"/>
           <p:cNvSpPr txBox="1"/>
           <p:nvPr>
             <p:ph idx="1" type="body"/>
@@ -21300,7 +21300,7 @@
   <p:cSld>
     <p:spTree>
       <p:nvGrpSpPr>
-        <p:cNvPr id="333" name="Shape 333"/>
+        <p:cNvPr id="341" name="Shape 341"/>
         <p:cNvGrpSpPr/>
         <p:nvPr/>
       </p:nvGrpSpPr>
@@ -21314,7 +21314,7 @@
       </p:grpSpPr>
       <p:sp>
         <p:nvSpPr>
-          <p:cNvPr id="334" name="Google Shape;334;p44"/>
+          <p:cNvPr id="342" name="Google Shape;342;p44"/>
           <p:cNvSpPr txBox="1"/>
           <p:nvPr>
             <p:ph type="title"/>
@@ -21354,7 +21354,7 @@
       </p:sp>
       <p:sp>
         <p:nvSpPr>
-          <p:cNvPr id="335" name="Google Shape;335;p44"/>
+          <p:cNvPr id="343" name="Google Shape;343;p44"/>
           <p:cNvSpPr txBox="1"/>
           <p:nvPr>
             <p:ph idx="1" type="body"/>
@@ -21622,7 +21622,7 @@
       </p:sp>
       <p:pic>
         <p:nvPicPr>
-          <p:cNvPr id="336" name="Google Shape;336;p44"/>
+          <p:cNvPr id="344" name="Google Shape;344;p44"/>
           <p:cNvPicPr preferRelativeResize="0"/>
           <p:nvPr/>
         </p:nvPicPr>
@@ -21656,7 +21656,7 @@
       </p:pic>
       <p:sp>
         <p:nvSpPr>
-          <p:cNvPr id="337" name="Google Shape;337;p44"/>
+          <p:cNvPr id="345" name="Google Shape;345;p44"/>
           <p:cNvSpPr/>
           <p:nvPr/>
         </p:nvSpPr>
@@ -21705,7 +21705,7 @@
       </p:sp>
       <p:pic>
         <p:nvPicPr>
-          <p:cNvPr id="338" name="Google Shape;338;p44"/>
+          <p:cNvPr id="346" name="Google Shape;346;p44"/>
           <p:cNvPicPr preferRelativeResize="0"/>
           <p:nvPr/>
         </p:nvPicPr>
@@ -21750,7 +21750,7 @@
   <p:cSld>
     <p:spTree>
       <p:nvGrpSpPr>
-        <p:cNvPr id="342" name="Shape 342"/>
+        <p:cNvPr id="350" name="Shape 350"/>
         <p:cNvGrpSpPr/>
         <p:nvPr/>
       </p:nvGrpSpPr>
@@ -21764,7 +21764,7 @@
       </p:grpSpPr>
       <p:sp>
         <p:nvSpPr>
-          <p:cNvPr id="343" name="Google Shape;343;p45"/>
+          <p:cNvPr id="351" name="Google Shape;351;p45"/>
           <p:cNvSpPr txBox="1"/>
           <p:nvPr>
             <p:ph type="title"/>
@@ -21804,7 +21804,7 @@
       </p:sp>
       <p:sp>
         <p:nvSpPr>
-          <p:cNvPr id="344" name="Google Shape;344;p45"/>
+          <p:cNvPr id="352" name="Google Shape;352;p45"/>
           <p:cNvSpPr txBox="1"/>
           <p:nvPr>
             <p:ph idx="1" type="body"/>
@@ -21837,7 +21837,7 @@
             <a:r>
               <a:rPr lang="en">
                 <a:solidFill>
-                  <a:schemeClr val="lt2"/>
+                  <a:schemeClr val="dk1"/>
                 </a:solidFill>
               </a:rPr>
               <a:t>The </a:t>
@@ -21845,10 +21845,34 @@
             <a:r>
               <a:rPr lang="en">
                 <a:solidFill>
-                  <a:schemeClr val="lt2"/>
+                  <a:schemeClr val="dk1"/>
                 </a:solidFill>
               </a:rPr>
               <a:t>Use Case:</a:t>
+            </a:r>
+            <a:endParaRPr>
+              <a:solidFill>
+                <a:schemeClr val="dk1"/>
+              </a:solidFill>
+            </a:endParaRPr>
+          </a:p>
+          <a:p>
+            <a:pPr indent="0" lvl="0" marL="457200" rtl="0" algn="l">
+              <a:spcBef>
+                <a:spcPts val="1200"/>
+              </a:spcBef>
+              <a:spcAft>
+                <a:spcPts val="1200"/>
+              </a:spcAft>
+              <a:buNone/>
+            </a:pPr>
+            <a:r>
+              <a:rPr lang="en">
+                <a:solidFill>
+                  <a:schemeClr val="lt2"/>
+                </a:solidFill>
+              </a:rPr>
+              <a:t>This model would be best-used as a tool that flags individuals who are at a high-risk for readmission and can show the features that correspond to this increased risk. The information provided would be supplemental to the treatment plan of the individual and may provide insight into what causes their readmission risk to increase, as well as how many beds the hospital can expect to be filled in the following month due to readmissions. Such a tool would need to be regularly fed new data, to keep up with the dynamically changing landscape of healthcare practices as time ticks on.</a:t>
             </a:r>
             <a:endParaRPr>
               <a:solidFill>
@@ -21856,35 +21880,11 @@
               </a:solidFill>
             </a:endParaRPr>
           </a:p>
-          <a:p>
-            <a:pPr indent="0" lvl="0" marL="457200" rtl="0" algn="l">
-              <a:spcBef>
-                <a:spcPts val="1200"/>
-              </a:spcBef>
-              <a:spcAft>
-                <a:spcPts val="1200"/>
-              </a:spcAft>
-              <a:buNone/>
-            </a:pPr>
-            <a:r>
-              <a:rPr lang="en">
-                <a:solidFill>
-                  <a:schemeClr val="lt2"/>
-                </a:solidFill>
-              </a:rPr>
-              <a:t>This model would be best-used as a tool that flags individuals who are at a high-risk for readmission and can show the features that correspond to this increased risk. The information provided would be supplemental to the treatment plan of the individual and may provide insight into what causes their readmission risk to increase, as well as how many beds the hospital can expect to be filled in the following month due to readmissions. Such a tool would need to be regularly fed new data, to keep up with the dynamically changing landscape of healthcare practices as time ticks on.</a:t>
-            </a:r>
-            <a:endParaRPr>
-              <a:solidFill>
-                <a:schemeClr val="lt2"/>
-              </a:solidFill>
-            </a:endParaRPr>
-          </a:p>
         </p:txBody>
       </p:sp>
       <p:pic>
         <p:nvPicPr>
-          <p:cNvPr id="345" name="Google Shape;345;p45"/>
+          <p:cNvPr id="353" name="Google Shape;353;p45"/>
           <p:cNvPicPr preferRelativeResize="0"/>
           <p:nvPr/>
         </p:nvPicPr>
@@ -21918,7 +21918,7 @@
       </p:pic>
       <p:sp>
         <p:nvSpPr>
-          <p:cNvPr id="346" name="Google Shape;346;p45"/>
+          <p:cNvPr id="354" name="Google Shape;354;p45"/>
           <p:cNvSpPr/>
           <p:nvPr/>
         </p:nvSpPr>
@@ -21967,7 +21967,7 @@
       </p:sp>
       <p:pic>
         <p:nvPicPr>
-          <p:cNvPr id="347" name="Google Shape;347;p45"/>
+          <p:cNvPr id="355" name="Google Shape;355;p45"/>
           <p:cNvPicPr preferRelativeResize="0"/>
           <p:nvPr/>
         </p:nvPicPr>
@@ -22012,7 +22012,7 @@
   <p:cSld>
     <p:spTree>
       <p:nvGrpSpPr>
-        <p:cNvPr id="351" name="Shape 351"/>
+        <p:cNvPr id="359" name="Shape 359"/>
         <p:cNvGrpSpPr/>
         <p:nvPr/>
       </p:nvGrpSpPr>
@@ -22026,7 +22026,7 @@
       </p:grpSpPr>
       <p:pic>
         <p:nvPicPr>
-          <p:cNvPr id="352" name="Google Shape;352;p46"/>
+          <p:cNvPr id="360" name="Google Shape;360;p46"/>
           <p:cNvPicPr preferRelativeResize="0"/>
           <p:nvPr/>
         </p:nvPicPr>
@@ -22054,7 +22054,7 @@
       </p:pic>
       <p:sp>
         <p:nvSpPr>
-          <p:cNvPr id="353" name="Google Shape;353;p46"/>
+          <p:cNvPr id="361" name="Google Shape;361;p46"/>
           <p:cNvSpPr txBox="1"/>
           <p:nvPr/>
         </p:nvSpPr>
@@ -22106,7 +22106,7 @@
       </p:sp>
       <p:sp>
         <p:nvSpPr>
-          <p:cNvPr id="354" name="Google Shape;354;p46"/>
+          <p:cNvPr id="362" name="Google Shape;362;p46"/>
           <p:cNvSpPr txBox="1"/>
           <p:nvPr/>
         </p:nvSpPr>
@@ -22159,7 +22159,7 @@
       </p:sp>
       <p:sp>
         <p:nvSpPr>
-          <p:cNvPr id="355" name="Google Shape;355;p46"/>
+          <p:cNvPr id="363" name="Google Shape;363;p46"/>
           <p:cNvSpPr txBox="1"/>
           <p:nvPr>
             <p:ph idx="1" type="body"/>
@@ -22367,7 +22367,7 @@
       </p:sp>
       <p:sp>
         <p:nvSpPr>
-          <p:cNvPr id="356" name="Google Shape;356;p46"/>
+          <p:cNvPr id="364" name="Google Shape;364;p46"/>
           <p:cNvSpPr txBox="1"/>
           <p:nvPr/>
         </p:nvSpPr>
@@ -22424,7 +22424,7 @@
       </p:sp>
       <p:sp>
         <p:nvSpPr>
-          <p:cNvPr id="357" name="Google Shape;357;p46"/>
+          <p:cNvPr id="365" name="Google Shape;365;p46"/>
           <p:cNvSpPr txBox="1"/>
           <p:nvPr>
             <p:ph type="title"/>
@@ -22479,7 +22479,7 @@
   <p:cSld>
     <p:spTree>
       <p:nvGrpSpPr>
-        <p:cNvPr id="361" name="Shape 361"/>
+        <p:cNvPr id="369" name="Shape 369"/>
         <p:cNvGrpSpPr/>
         <p:nvPr/>
       </p:nvGrpSpPr>
@@ -22493,7 +22493,7 @@
       </p:grpSpPr>
       <p:pic>
         <p:nvPicPr>
-          <p:cNvPr id="362" name="Google Shape;362;p47"/>
+          <p:cNvPr id="370" name="Google Shape;370;p47"/>
           <p:cNvPicPr preferRelativeResize="0"/>
           <p:nvPr/>
         </p:nvPicPr>
@@ -22521,7 +22521,7 @@
       </p:pic>
       <p:sp>
         <p:nvSpPr>
-          <p:cNvPr id="363" name="Google Shape;363;p47"/>
+          <p:cNvPr id="371" name="Google Shape;371;p47"/>
           <p:cNvSpPr txBox="1"/>
           <p:nvPr/>
         </p:nvSpPr>
@@ -22573,7 +22573,7 @@
       </p:sp>
       <p:sp>
         <p:nvSpPr>
-          <p:cNvPr id="364" name="Google Shape;364;p47"/>
+          <p:cNvPr id="372" name="Google Shape;372;p47"/>
           <p:cNvSpPr txBox="1"/>
           <p:nvPr/>
         </p:nvSpPr>
@@ -22626,7 +22626,7 @@
       </p:sp>
       <p:sp>
         <p:nvSpPr>
-          <p:cNvPr id="365" name="Google Shape;365;p47"/>
+          <p:cNvPr id="373" name="Google Shape;373;p47"/>
           <p:cNvSpPr txBox="1"/>
           <p:nvPr>
             <p:ph idx="1" type="body"/>
@@ -22842,7 +22842,7 @@
       </p:sp>
       <p:sp>
         <p:nvSpPr>
-          <p:cNvPr id="366" name="Google Shape;366;p47"/>
+          <p:cNvPr id="374" name="Google Shape;374;p47"/>
           <p:cNvSpPr txBox="1"/>
           <p:nvPr/>
         </p:nvSpPr>
@@ -22899,7 +22899,7 @@
       </p:sp>
       <p:sp>
         <p:nvSpPr>
-          <p:cNvPr id="367" name="Google Shape;367;p47"/>
+          <p:cNvPr id="375" name="Google Shape;375;p47"/>
           <p:cNvSpPr txBox="1"/>
           <p:nvPr>
             <p:ph type="title"/>
@@ -22943,7 +22943,7 @@
       </p:sp>
       <p:sp>
         <p:nvSpPr>
-          <p:cNvPr id="368" name="Google Shape;368;p47"/>
+          <p:cNvPr id="376" name="Google Shape;376;p47"/>
           <p:cNvSpPr/>
           <p:nvPr/>
         </p:nvSpPr>
@@ -22990,7 +22990,7 @@
       </p:sp>
       <p:sp>
         <p:nvSpPr>
-          <p:cNvPr id="369" name="Google Shape;369;p47"/>
+          <p:cNvPr id="377" name="Google Shape;377;p47"/>
           <p:cNvSpPr/>
           <p:nvPr/>
         </p:nvSpPr>
@@ -23033,7 +23033,7 @@
       </p:sp>
       <p:sp>
         <p:nvSpPr>
-          <p:cNvPr id="370" name="Google Shape;370;p47"/>
+          <p:cNvPr id="378" name="Google Shape;378;p47"/>
           <p:cNvSpPr/>
           <p:nvPr/>
         </p:nvSpPr>
@@ -23099,7 +23099,7 @@
   <p:cSld>
     <p:spTree>
       <p:nvGrpSpPr>
-        <p:cNvPr id="374" name="Shape 374"/>
+        <p:cNvPr id="382" name="Shape 382"/>
         <p:cNvGrpSpPr/>
         <p:nvPr/>
       </p:nvGrpSpPr>
@@ -23113,7 +23113,7 @@
       </p:grpSpPr>
       <p:sp>
         <p:nvSpPr>
-          <p:cNvPr id="375" name="Google Shape;375;p48"/>
+          <p:cNvPr id="383" name="Google Shape;383;p48"/>
           <p:cNvSpPr txBox="1"/>
           <p:nvPr>
             <p:ph type="title"/>
@@ -23153,7 +23153,7 @@
       </p:sp>
       <p:sp>
         <p:nvSpPr>
-          <p:cNvPr id="376" name="Google Shape;376;p48"/>
+          <p:cNvPr id="384" name="Google Shape;384;p48"/>
           <p:cNvSpPr txBox="1"/>
           <p:nvPr>
             <p:ph idx="1" type="body"/>
@@ -23269,7 +23269,7 @@
       </p:sp>
       <p:sp>
         <p:nvSpPr>
-          <p:cNvPr id="377" name="Google Shape;377;p48"/>
+          <p:cNvPr id="385" name="Google Shape;385;p48"/>
           <p:cNvSpPr txBox="1"/>
           <p:nvPr>
             <p:ph idx="2" type="body"/>
@@ -23309,7 +23309,7 @@
       </p:sp>
       <p:pic>
         <p:nvPicPr>
-          <p:cNvPr id="378" name="Google Shape;378;p48"/>
+          <p:cNvPr id="386" name="Google Shape;386;p48"/>
           <p:cNvPicPr preferRelativeResize="0"/>
           <p:nvPr/>
         </p:nvPicPr>
@@ -23343,7 +23343,7 @@
       </p:pic>
       <p:pic>
         <p:nvPicPr>
-          <p:cNvPr id="379" name="Google Shape;379;p48"/>
+          <p:cNvPr id="387" name="Google Shape;387;p48"/>
           <p:cNvPicPr preferRelativeResize="0"/>
           <p:nvPr/>
         </p:nvPicPr>
@@ -23377,7 +23377,7 @@
       </p:pic>
       <p:sp>
         <p:nvSpPr>
-          <p:cNvPr id="380" name="Google Shape;380;p48"/>
+          <p:cNvPr id="388" name="Google Shape;388;p48"/>
           <p:cNvSpPr txBox="1"/>
           <p:nvPr>
             <p:ph idx="2" type="body"/>
@@ -23417,7 +23417,7 @@
       </p:sp>
       <p:sp>
         <p:nvSpPr>
-          <p:cNvPr id="381" name="Google Shape;381;p48"/>
+          <p:cNvPr id="389" name="Google Shape;389;p48"/>
           <p:cNvSpPr/>
           <p:nvPr/>
         </p:nvSpPr>
@@ -23466,7 +23466,7 @@
       </p:sp>
       <p:sp>
         <p:nvSpPr>
-          <p:cNvPr id="382" name="Google Shape;382;p48"/>
+          <p:cNvPr id="390" name="Google Shape;390;p48"/>
           <p:cNvSpPr/>
           <p:nvPr/>
         </p:nvSpPr>
@@ -23515,7 +23515,7 @@
       </p:sp>
       <p:sp>
         <p:nvSpPr>
-          <p:cNvPr id="383" name="Google Shape;383;p48"/>
+          <p:cNvPr id="391" name="Google Shape;391;p48"/>
           <p:cNvSpPr txBox="1"/>
           <p:nvPr>
             <p:ph idx="2" type="body"/>
@@ -23578,7 +23578,7 @@
   <p:cSld>
     <p:spTree>
       <p:nvGrpSpPr>
-        <p:cNvPr id="387" name="Shape 387"/>
+        <p:cNvPr id="395" name="Shape 395"/>
         <p:cNvGrpSpPr/>
         <p:nvPr/>
       </p:nvGrpSpPr>
@@ -23592,7 +23592,7 @@
       </p:grpSpPr>
       <p:sp>
         <p:nvSpPr>
-          <p:cNvPr id="388" name="Google Shape;388;p49"/>
+          <p:cNvPr id="396" name="Google Shape;396;p49"/>
           <p:cNvSpPr txBox="1"/>
           <p:nvPr>
             <p:ph idx="1" type="body"/>
@@ -23665,7 +23665,7 @@
       </p:sp>
       <p:sp>
         <p:nvSpPr>
-          <p:cNvPr id="389" name="Google Shape;389;p49"/>
+          <p:cNvPr id="397" name="Google Shape;397;p49"/>
           <p:cNvSpPr txBox="1"/>
           <p:nvPr>
             <p:ph type="title"/>
@@ -23931,7 +23931,7 @@
             </a:pPr>
             <a:r>
               <a:rPr lang="en" sz="1900"/>
-              <a:t>Readmissions can also have a cascading effect in which one readmission reduces the effectiveness of healthcare provided to </a:t>
+              <a:t>Readmissions can also have a slight cascading effect in which one readmission reduces the effectiveness of healthcare provided to </a:t>
             </a:r>
             <a:r>
               <a:rPr i="1" lang="en" sz="1900"/>
@@ -24650,8 +24650,8 @@
         </p:blipFill>
         <p:spPr>
           <a:xfrm>
-            <a:off x="311700" y="3254450"/>
-            <a:ext cx="2860207" cy="1872975"/>
+            <a:off x="3814375" y="3458387"/>
+            <a:ext cx="1279824" cy="1257824"/>
           </a:xfrm>
           <a:prstGeom prst="rect">
             <a:avLst/>
@@ -24662,65 +24662,9 @@
           </a:ln>
         </p:spPr>
       </p:pic>
-      <p:pic>
-        <p:nvPicPr>
-          <p:cNvPr id="106" name="Google Shape;106;p19"/>
-          <p:cNvPicPr preferRelativeResize="0"/>
-          <p:nvPr/>
-        </p:nvPicPr>
-        <p:blipFill>
-          <a:blip r:embed="rId4">
-            <a:alphaModFix/>
-          </a:blip>
-          <a:stretch>
-            <a:fillRect/>
-          </a:stretch>
-        </p:blipFill>
-        <p:spPr>
-          <a:xfrm>
-            <a:off x="5736675" y="3243188"/>
-            <a:ext cx="3095625" cy="1895475"/>
-          </a:xfrm>
-          <a:prstGeom prst="rect">
-            <a:avLst/>
-          </a:prstGeom>
-          <a:noFill/>
-          <a:ln>
-            <a:noFill/>
-          </a:ln>
-        </p:spPr>
-      </p:pic>
-      <p:pic>
-        <p:nvPicPr>
-          <p:cNvPr id="107" name="Google Shape;107;p19"/>
-          <p:cNvPicPr preferRelativeResize="0"/>
-          <p:nvPr/>
-        </p:nvPicPr>
-        <p:blipFill>
-          <a:blip r:embed="rId5">
-            <a:alphaModFix/>
-          </a:blip>
-          <a:stretch>
-            <a:fillRect/>
-          </a:stretch>
-        </p:blipFill>
-        <p:spPr>
-          <a:xfrm>
-            <a:off x="3814375" y="3458387"/>
-            <a:ext cx="1279824" cy="1257824"/>
-          </a:xfrm>
-          <a:prstGeom prst="rect">
-            <a:avLst/>
-          </a:prstGeom>
-          <a:noFill/>
-          <a:ln>
-            <a:noFill/>
-          </a:ln>
-        </p:spPr>
-      </p:pic>
       <p:sp>
         <p:nvSpPr>
-          <p:cNvPr id="108" name="Google Shape;108;p19"/>
+          <p:cNvPr id="106" name="Google Shape;106;p19"/>
           <p:cNvSpPr/>
           <p:nvPr/>
         </p:nvSpPr>
@@ -24770,6 +24714,324 @@
           </a:p>
         </p:txBody>
       </p:sp>
+      <p:grpSp>
+        <p:nvGrpSpPr>
+          <p:cNvPr id="107" name="Google Shape;107;p19"/>
+          <p:cNvGrpSpPr/>
+          <p:nvPr/>
+        </p:nvGrpSpPr>
+        <p:grpSpPr>
+          <a:xfrm>
+            <a:off x="201825" y="3254450"/>
+            <a:ext cx="2970082" cy="1872975"/>
+            <a:chOff x="201825" y="3254450"/>
+            <a:chExt cx="2970082" cy="1872975"/>
+          </a:xfrm>
+        </p:grpSpPr>
+        <p:grpSp>
+          <p:nvGrpSpPr>
+            <p:cNvPr id="108" name="Google Shape;108;p19"/>
+            <p:cNvGrpSpPr/>
+            <p:nvPr/>
+          </p:nvGrpSpPr>
+          <p:grpSpPr>
+            <a:xfrm>
+              <a:off x="311700" y="3254450"/>
+              <a:ext cx="2860207" cy="1872975"/>
+              <a:chOff x="311700" y="3254450"/>
+              <a:chExt cx="2860207" cy="1872975"/>
+            </a:xfrm>
+          </p:grpSpPr>
+          <p:pic>
+            <p:nvPicPr>
+              <p:cNvPr id="109" name="Google Shape;109;p19"/>
+              <p:cNvPicPr preferRelativeResize="0"/>
+              <p:nvPr/>
+            </p:nvPicPr>
+            <p:blipFill>
+              <a:blip r:embed="rId4">
+                <a:alphaModFix/>
+              </a:blip>
+              <a:stretch>
+                <a:fillRect/>
+              </a:stretch>
+            </p:blipFill>
+            <p:spPr>
+              <a:xfrm>
+                <a:off x="311700" y="3254450"/>
+                <a:ext cx="2860207" cy="1872975"/>
+              </a:xfrm>
+              <a:prstGeom prst="rect">
+                <a:avLst/>
+              </a:prstGeom>
+              <a:noFill/>
+              <a:ln>
+                <a:noFill/>
+              </a:ln>
+            </p:spPr>
+          </p:pic>
+          <p:sp>
+            <p:nvSpPr>
+              <p:cNvPr id="110" name="Google Shape;110;p19"/>
+              <p:cNvSpPr/>
+              <p:nvPr/>
+            </p:nvSpPr>
+            <p:spPr>
+              <a:xfrm>
+                <a:off x="318075" y="4002400"/>
+                <a:ext cx="78000" cy="318600"/>
+              </a:xfrm>
+              <a:prstGeom prst="rect">
+                <a:avLst/>
+              </a:prstGeom>
+              <a:solidFill>
+                <a:schemeClr val="dk1"/>
+              </a:solidFill>
+              <a:ln cap="flat" cmpd="sng" w="9525">
+                <a:solidFill>
+                  <a:schemeClr val="dk1"/>
+                </a:solidFill>
+                <a:prstDash val="solid"/>
+                <a:round/>
+                <a:headEnd len="sm" w="sm" type="none"/>
+                <a:tailEnd len="sm" w="sm" type="none"/>
+              </a:ln>
+            </p:spPr>
+            <p:txBody>
+              <a:bodyPr anchorCtr="0" anchor="ctr" bIns="91425" lIns="91425" spcFirstLastPara="1" rIns="91425" wrap="square" tIns="91425">
+                <a:noAutofit/>
+              </a:bodyPr>
+              <a:lstStyle/>
+              <a:p>
+                <a:pPr indent="0" lvl="0" marL="0" rtl="0" algn="l">
+                  <a:spcBef>
+                    <a:spcPts val="0"/>
+                  </a:spcBef>
+                  <a:spcAft>
+                    <a:spcPts val="0"/>
+                  </a:spcAft>
+                  <a:buNone/>
+                </a:pPr>
+                <a:r>
+                  <a:t/>
+                </a:r>
+                <a:endParaRPr/>
+              </a:p>
+            </p:txBody>
+          </p:sp>
+        </p:grpSp>
+        <p:sp>
+          <p:nvSpPr>
+            <p:cNvPr id="111" name="Google Shape;111;p19"/>
+            <p:cNvSpPr txBox="1"/>
+            <p:nvPr/>
+          </p:nvSpPr>
+          <p:spPr>
+            <a:xfrm rot="-5400000">
+              <a:off x="122475" y="3933388"/>
+              <a:ext cx="466500" cy="307800"/>
+            </a:xfrm>
+            <a:prstGeom prst="rect">
+              <a:avLst/>
+            </a:prstGeom>
+            <a:noFill/>
+            <a:ln>
+              <a:noFill/>
+            </a:ln>
+          </p:spPr>
+          <p:txBody>
+            <a:bodyPr anchorCtr="0" anchor="t" bIns="91425" lIns="91425" spcFirstLastPara="1" rIns="91425" wrap="square" tIns="91425">
+              <a:spAutoFit/>
+            </a:bodyPr>
+            <a:lstStyle/>
+            <a:p>
+              <a:pPr indent="0" lvl="0" marL="0" rtl="0" algn="l">
+                <a:spcBef>
+                  <a:spcPts val="0"/>
+                </a:spcBef>
+                <a:spcAft>
+                  <a:spcPts val="0"/>
+                </a:spcAft>
+                <a:buNone/>
+              </a:pPr>
+              <a:r>
+                <a:rPr lang="en" sz="800">
+                  <a:latin typeface="Average"/>
+                  <a:ea typeface="Average"/>
+                  <a:cs typeface="Average"/>
+                  <a:sym typeface="Average"/>
+                </a:rPr>
+                <a:t>%/10</a:t>
+              </a:r>
+              <a:endParaRPr sz="800">
+                <a:latin typeface="Average"/>
+                <a:ea typeface="Average"/>
+                <a:cs typeface="Average"/>
+                <a:sym typeface="Average"/>
+              </a:endParaRPr>
+            </a:p>
+          </p:txBody>
+        </p:sp>
+      </p:grpSp>
+      <p:grpSp>
+        <p:nvGrpSpPr>
+          <p:cNvPr id="112" name="Google Shape;112;p19"/>
+          <p:cNvGrpSpPr/>
+          <p:nvPr/>
+        </p:nvGrpSpPr>
+        <p:grpSpPr>
+          <a:xfrm>
+            <a:off x="5688225" y="3243188"/>
+            <a:ext cx="3144075" cy="1895475"/>
+            <a:chOff x="5688225" y="3243188"/>
+            <a:chExt cx="3144075" cy="1895475"/>
+          </a:xfrm>
+        </p:grpSpPr>
+        <p:grpSp>
+          <p:nvGrpSpPr>
+            <p:cNvPr id="113" name="Google Shape;113;p19"/>
+            <p:cNvGrpSpPr/>
+            <p:nvPr/>
+          </p:nvGrpSpPr>
+          <p:grpSpPr>
+            <a:xfrm>
+              <a:off x="5736675" y="3243188"/>
+              <a:ext cx="3095625" cy="1895475"/>
+              <a:chOff x="5736675" y="3243188"/>
+              <a:chExt cx="3095625" cy="1895475"/>
+            </a:xfrm>
+          </p:grpSpPr>
+          <p:pic>
+            <p:nvPicPr>
+              <p:cNvPr id="114" name="Google Shape;114;p19"/>
+              <p:cNvPicPr preferRelativeResize="0"/>
+              <p:nvPr/>
+            </p:nvPicPr>
+            <p:blipFill>
+              <a:blip r:embed="rId5">
+                <a:alphaModFix/>
+              </a:blip>
+              <a:stretch>
+                <a:fillRect/>
+              </a:stretch>
+            </p:blipFill>
+            <p:spPr>
+              <a:xfrm>
+                <a:off x="5736675" y="3243188"/>
+                <a:ext cx="3095625" cy="1895475"/>
+              </a:xfrm>
+              <a:prstGeom prst="rect">
+                <a:avLst/>
+              </a:prstGeom>
+              <a:noFill/>
+              <a:ln>
+                <a:noFill/>
+              </a:ln>
+            </p:spPr>
+          </p:pic>
+          <p:sp>
+            <p:nvSpPr>
+              <p:cNvPr id="115" name="Google Shape;115;p19"/>
+              <p:cNvSpPr/>
+              <p:nvPr/>
+            </p:nvSpPr>
+            <p:spPr>
+              <a:xfrm>
+                <a:off x="5892075" y="4031638"/>
+                <a:ext cx="78000" cy="318600"/>
+              </a:xfrm>
+              <a:prstGeom prst="rect">
+                <a:avLst/>
+              </a:prstGeom>
+              <a:solidFill>
+                <a:schemeClr val="dk1"/>
+              </a:solidFill>
+              <a:ln cap="flat" cmpd="sng" w="9525">
+                <a:solidFill>
+                  <a:schemeClr val="dk1"/>
+                </a:solidFill>
+                <a:prstDash val="solid"/>
+                <a:round/>
+                <a:headEnd len="sm" w="sm" type="none"/>
+                <a:tailEnd len="sm" w="sm" type="none"/>
+              </a:ln>
+            </p:spPr>
+            <p:txBody>
+              <a:bodyPr anchorCtr="0" anchor="ctr" bIns="91425" lIns="91425" spcFirstLastPara="1" rIns="91425" wrap="square" tIns="91425">
+                <a:noAutofit/>
+              </a:bodyPr>
+              <a:lstStyle/>
+              <a:p>
+                <a:pPr indent="0" lvl="0" marL="0" rtl="0" algn="l">
+                  <a:spcBef>
+                    <a:spcPts val="0"/>
+                  </a:spcBef>
+                  <a:spcAft>
+                    <a:spcPts val="0"/>
+                  </a:spcAft>
+                  <a:buNone/>
+                </a:pPr>
+                <a:r>
+                  <a:t/>
+                </a:r>
+                <a:endParaRPr/>
+              </a:p>
+            </p:txBody>
+          </p:sp>
+        </p:grpSp>
+        <p:sp>
+          <p:nvSpPr>
+            <p:cNvPr id="116" name="Google Shape;116;p19"/>
+            <p:cNvSpPr txBox="1"/>
+            <p:nvPr/>
+          </p:nvSpPr>
+          <p:spPr>
+            <a:xfrm rot="-5400000">
+              <a:off x="5608875" y="4009588"/>
+              <a:ext cx="466500" cy="307800"/>
+            </a:xfrm>
+            <a:prstGeom prst="rect">
+              <a:avLst/>
+            </a:prstGeom>
+            <a:noFill/>
+            <a:ln>
+              <a:noFill/>
+            </a:ln>
+          </p:spPr>
+          <p:txBody>
+            <a:bodyPr anchorCtr="0" anchor="t" bIns="91425" lIns="91425" spcFirstLastPara="1" rIns="91425" wrap="square" tIns="91425">
+              <a:spAutoFit/>
+            </a:bodyPr>
+            <a:lstStyle/>
+            <a:p>
+              <a:pPr indent="0" lvl="0" marL="0" rtl="0" algn="l">
+                <a:spcBef>
+                  <a:spcPts val="0"/>
+                </a:spcBef>
+                <a:spcAft>
+                  <a:spcPts val="0"/>
+                </a:spcAft>
+                <a:buNone/>
+              </a:pPr>
+              <a:r>
+                <a:rPr lang="en" sz="800">
+                  <a:latin typeface="Average"/>
+                  <a:ea typeface="Average"/>
+                  <a:cs typeface="Average"/>
+                  <a:sym typeface="Average"/>
+                </a:rPr>
+                <a:t>%/10</a:t>
+              </a:r>
+              <a:endParaRPr sz="800">
+                <a:latin typeface="Average"/>
+                <a:ea typeface="Average"/>
+                <a:cs typeface="Average"/>
+                <a:sym typeface="Average"/>
+              </a:endParaRPr>
+            </a:p>
+          </p:txBody>
+        </p:sp>
+      </p:grpSp>
     </p:spTree>
   </p:cSld>
   <p:clrMapOvr>
@@ -24783,7 +25045,7 @@
   <p:cSld>
     <p:spTree>
       <p:nvGrpSpPr>
-        <p:cNvPr id="112" name="Shape 112"/>
+        <p:cNvPr id="120" name="Shape 120"/>
         <p:cNvGrpSpPr/>
         <p:nvPr/>
       </p:nvGrpSpPr>
@@ -24797,7 +25059,7 @@
       </p:grpSpPr>
       <p:sp>
         <p:nvSpPr>
-          <p:cNvPr id="113" name="Google Shape;113;p20"/>
+          <p:cNvPr id="121" name="Google Shape;121;p20"/>
           <p:cNvSpPr txBox="1"/>
           <p:nvPr>
             <p:ph type="title"/>
@@ -24841,7 +25103,7 @@
       </p:sp>
       <p:pic>
         <p:nvPicPr>
-          <p:cNvPr id="114" name="Google Shape;114;p20"/>
+          <p:cNvPr id="122" name="Google Shape;122;p20"/>
           <p:cNvPicPr preferRelativeResize="0"/>
           <p:nvPr/>
         </p:nvPicPr>
@@ -24869,7 +25131,7 @@
       </p:pic>
       <p:sp>
         <p:nvSpPr>
-          <p:cNvPr id="115" name="Google Shape;115;p20"/>
+          <p:cNvPr id="123" name="Google Shape;123;p20"/>
           <p:cNvSpPr txBox="1"/>
           <p:nvPr/>
         </p:nvSpPr>
@@ -24938,7 +25200,7 @@
   <p:cSld>
     <p:spTree>
       <p:nvGrpSpPr>
-        <p:cNvPr id="119" name="Shape 119"/>
+        <p:cNvPr id="127" name="Shape 127"/>
         <p:cNvGrpSpPr/>
         <p:nvPr/>
       </p:nvGrpSpPr>
@@ -24952,7 +25214,7 @@
       </p:grpSpPr>
       <p:pic>
         <p:nvPicPr>
-          <p:cNvPr id="120" name="Google Shape;120;p21"/>
+          <p:cNvPr id="128" name="Google Shape;128;p21"/>
           <p:cNvPicPr preferRelativeResize="0"/>
           <p:nvPr/>
         </p:nvPicPr>
@@ -24980,7 +25242,7 @@
       </p:pic>
       <p:sp>
         <p:nvSpPr>
-          <p:cNvPr id="121" name="Google Shape;121;p21"/>
+          <p:cNvPr id="129" name="Google Shape;129;p21"/>
           <p:cNvSpPr txBox="1"/>
           <p:nvPr/>
         </p:nvSpPr>
@@ -25038,7 +25300,7 @@
       </p:sp>
       <p:sp>
         <p:nvSpPr>
-          <p:cNvPr id="122" name="Google Shape;122;p21"/>
+          <p:cNvPr id="130" name="Google Shape;130;p21"/>
           <p:cNvSpPr txBox="1"/>
           <p:nvPr>
             <p:ph type="title"/>

--- a/Predicting_Diabetic_Patient_Readmission/Capstone2_Final_Report_slides.pptx
+++ b/Predicting_Diabetic_Patient_Readmission/Capstone2_Final_Report_slides.pptx
@@ -1187,7 +1187,7 @@
   <p:cSld>
     <p:spTree>
       <p:nvGrpSpPr>
-        <p:cNvPr id="149" name="Shape 149"/>
+        <p:cNvPr id="148" name="Shape 148"/>
         <p:cNvGrpSpPr/>
         <p:nvPr/>
       </p:nvGrpSpPr>
@@ -1201,7 +1201,7 @@
       </p:grpSpPr>
       <p:sp>
         <p:nvSpPr>
-          <p:cNvPr id="150" name="Google Shape;150;g11d2595d5c5_0_493:notes"/>
+          <p:cNvPr id="149" name="Google Shape;149;g11d2595d5c5_0_493:notes"/>
           <p:cNvSpPr/>
           <p:nvPr>
             <p:ph idx="2" type="sldImg"/>
@@ -1236,7 +1236,7 @@
       </p:sp>
       <p:sp>
         <p:nvSpPr>
-          <p:cNvPr id="151" name="Google Shape;151;g11d2595d5c5_0_493:notes"/>
+          <p:cNvPr id="150" name="Google Shape;150;g11d2595d5c5_0_493:notes"/>
           <p:cNvSpPr txBox="1"/>
           <p:nvPr>
             <p:ph idx="1" type="body"/>
@@ -1343,7 +1343,7 @@
   <p:cSld>
     <p:spTree>
       <p:nvGrpSpPr>
-        <p:cNvPr id="157" name="Shape 157"/>
+        <p:cNvPr id="156" name="Shape 156"/>
         <p:cNvGrpSpPr/>
         <p:nvPr/>
       </p:nvGrpSpPr>
@@ -1357,7 +1357,7 @@
       </p:grpSpPr>
       <p:sp>
         <p:nvSpPr>
-          <p:cNvPr id="158" name="Google Shape;158;g11d2595d5c5_0_503:notes"/>
+          <p:cNvPr id="157" name="Google Shape;157;g11d2595d5c5_0_503:notes"/>
           <p:cNvSpPr/>
           <p:nvPr>
             <p:ph idx="2" type="sldImg"/>
@@ -1392,7 +1392,7 @@
       </p:sp>
       <p:sp>
         <p:nvSpPr>
-          <p:cNvPr id="159" name="Google Shape;159;g11d2595d5c5_0_503:notes"/>
+          <p:cNvPr id="158" name="Google Shape;158;g11d2595d5c5_0_503:notes"/>
           <p:cNvSpPr txBox="1"/>
           <p:nvPr>
             <p:ph idx="1" type="body"/>
@@ -1499,7 +1499,7 @@
   <p:cSld>
     <p:spTree>
       <p:nvGrpSpPr>
-        <p:cNvPr id="166" name="Shape 166"/>
+        <p:cNvPr id="165" name="Shape 165"/>
         <p:cNvGrpSpPr/>
         <p:nvPr/>
       </p:nvGrpSpPr>
@@ -1513,7 +1513,7 @@
       </p:grpSpPr>
       <p:sp>
         <p:nvSpPr>
-          <p:cNvPr id="167" name="Google Shape;167;g13330878855_0_93:notes"/>
+          <p:cNvPr id="166" name="Google Shape;166;g13330878855_0_93:notes"/>
           <p:cNvSpPr/>
           <p:nvPr>
             <p:ph idx="2" type="sldImg"/>
@@ -1548,7 +1548,7 @@
       </p:sp>
       <p:sp>
         <p:nvSpPr>
-          <p:cNvPr id="168" name="Google Shape;168;g13330878855_0_93:notes"/>
+          <p:cNvPr id="167" name="Google Shape;167;g13330878855_0_93:notes"/>
           <p:cNvSpPr txBox="1"/>
           <p:nvPr>
             <p:ph idx="1" type="body"/>
@@ -1650,7 +1650,7 @@
   <p:cSld>
     <p:spTree>
       <p:nvGrpSpPr>
-        <p:cNvPr id="175" name="Shape 175"/>
+        <p:cNvPr id="174" name="Shape 174"/>
         <p:cNvGrpSpPr/>
         <p:nvPr/>
       </p:nvGrpSpPr>
@@ -1664,7 +1664,7 @@
       </p:grpSpPr>
       <p:sp>
         <p:nvSpPr>
-          <p:cNvPr id="176" name="Google Shape;176;g11d2595d5c5_0_569:notes"/>
+          <p:cNvPr id="175" name="Google Shape;175;g11d2595d5c5_0_569:notes"/>
           <p:cNvSpPr/>
           <p:nvPr>
             <p:ph idx="2" type="sldImg"/>
@@ -1699,7 +1699,7 @@
       </p:sp>
       <p:sp>
         <p:nvSpPr>
-          <p:cNvPr id="177" name="Google Shape;177;g11d2595d5c5_0_569:notes"/>
+          <p:cNvPr id="176" name="Google Shape;176;g11d2595d5c5_0_569:notes"/>
           <p:cNvSpPr txBox="1"/>
           <p:nvPr>
             <p:ph idx="1" type="body"/>
@@ -1837,7 +1837,7 @@
   <p:cSld>
     <p:spTree>
       <p:nvGrpSpPr>
-        <p:cNvPr id="182" name="Shape 182"/>
+        <p:cNvPr id="181" name="Shape 181"/>
         <p:cNvGrpSpPr/>
         <p:nvPr/>
       </p:nvGrpSpPr>
@@ -1851,7 +1851,7 @@
       </p:grpSpPr>
       <p:sp>
         <p:nvSpPr>
-          <p:cNvPr id="183" name="Google Shape;183;g11d2595d5c5_0_577:notes"/>
+          <p:cNvPr id="182" name="Google Shape;182;g11d2595d5c5_0_577:notes"/>
           <p:cNvSpPr/>
           <p:nvPr>
             <p:ph idx="2" type="sldImg"/>
@@ -1886,7 +1886,7 @@
       </p:sp>
       <p:sp>
         <p:nvSpPr>
-          <p:cNvPr id="184" name="Google Shape;184;g11d2595d5c5_0_577:notes"/>
+          <p:cNvPr id="183" name="Google Shape;183;g11d2595d5c5_0_577:notes"/>
           <p:cNvSpPr txBox="1"/>
           <p:nvPr>
             <p:ph idx="1" type="body"/>
@@ -2024,7 +2024,7 @@
   <p:cSld>
     <p:spTree>
       <p:nvGrpSpPr>
-        <p:cNvPr id="191" name="Shape 191"/>
+        <p:cNvPr id="190" name="Shape 190"/>
         <p:cNvGrpSpPr/>
         <p:nvPr/>
       </p:nvGrpSpPr>
@@ -2038,7 +2038,7 @@
       </p:grpSpPr>
       <p:sp>
         <p:nvSpPr>
-          <p:cNvPr id="192" name="Google Shape;192;g11d2595d5c5_0_631:notes"/>
+          <p:cNvPr id="191" name="Google Shape;191;g11d2595d5c5_0_631:notes"/>
           <p:cNvSpPr/>
           <p:nvPr>
             <p:ph idx="2" type="sldImg"/>
@@ -2073,7 +2073,7 @@
       </p:sp>
       <p:sp>
         <p:nvSpPr>
-          <p:cNvPr id="193" name="Google Shape;193;g11d2595d5c5_0_631:notes"/>
+          <p:cNvPr id="192" name="Google Shape;192;g11d2595d5c5_0_631:notes"/>
           <p:cNvSpPr txBox="1"/>
           <p:nvPr>
             <p:ph idx="1" type="body"/>
@@ -2211,7 +2211,7 @@
   <p:cSld>
     <p:spTree>
       <p:nvGrpSpPr>
-        <p:cNvPr id="201" name="Shape 201"/>
+        <p:cNvPr id="200" name="Shape 200"/>
         <p:cNvGrpSpPr/>
         <p:nvPr/>
       </p:nvGrpSpPr>
@@ -2225,7 +2225,7 @@
       </p:grpSpPr>
       <p:sp>
         <p:nvSpPr>
-          <p:cNvPr id="202" name="Google Shape;202;g11d2595d5c5_0_512:notes"/>
+          <p:cNvPr id="201" name="Google Shape;201;g11d2595d5c5_0_512:notes"/>
           <p:cNvSpPr/>
           <p:nvPr>
             <p:ph idx="2" type="sldImg"/>
@@ -2260,7 +2260,7 @@
       </p:sp>
       <p:sp>
         <p:nvSpPr>
-          <p:cNvPr id="203" name="Google Shape;203;g11d2595d5c5_0_512:notes"/>
+          <p:cNvPr id="202" name="Google Shape;202;g11d2595d5c5_0_512:notes"/>
           <p:cNvSpPr txBox="1"/>
           <p:nvPr>
             <p:ph idx="1" type="body"/>
@@ -2336,7 +2336,7 @@
   <p:cSld>
     <p:spTree>
       <p:nvGrpSpPr>
-        <p:cNvPr id="208" name="Shape 208"/>
+        <p:cNvPr id="207" name="Shape 207"/>
         <p:cNvGrpSpPr/>
         <p:nvPr/>
       </p:nvGrpSpPr>
@@ -2350,7 +2350,7 @@
       </p:grpSpPr>
       <p:sp>
         <p:nvSpPr>
-          <p:cNvPr id="209" name="Google Shape;209;g11d2595d5c5_0_518:notes"/>
+          <p:cNvPr id="208" name="Google Shape;208;g11d2595d5c5_0_518:notes"/>
           <p:cNvSpPr/>
           <p:nvPr>
             <p:ph idx="2" type="sldImg"/>
@@ -2385,7 +2385,7 @@
       </p:sp>
       <p:sp>
         <p:nvSpPr>
-          <p:cNvPr id="210" name="Google Shape;210;g11d2595d5c5_0_518:notes"/>
+          <p:cNvPr id="209" name="Google Shape;209;g11d2595d5c5_0_518:notes"/>
           <p:cNvSpPr txBox="1"/>
           <p:nvPr>
             <p:ph idx="1" type="body"/>
@@ -2624,7 +2624,7 @@
   <p:cSld>
     <p:spTree>
       <p:nvGrpSpPr>
-        <p:cNvPr id="216" name="Shape 216"/>
+        <p:cNvPr id="215" name="Shape 215"/>
         <p:cNvGrpSpPr/>
         <p:nvPr/>
       </p:nvGrpSpPr>
@@ -2638,7 +2638,7 @@
       </p:grpSpPr>
       <p:sp>
         <p:nvSpPr>
-          <p:cNvPr id="217" name="Google Shape;217;g13330878855_0_78:notes"/>
+          <p:cNvPr id="216" name="Google Shape;216;g13330878855_0_78:notes"/>
           <p:cNvSpPr/>
           <p:nvPr>
             <p:ph idx="2" type="sldImg"/>
@@ -2673,7 +2673,7 @@
       </p:sp>
       <p:sp>
         <p:nvSpPr>
-          <p:cNvPr id="218" name="Google Shape;218;g13330878855_0_78:notes"/>
+          <p:cNvPr id="217" name="Google Shape;217;g13330878855_0_78:notes"/>
           <p:cNvSpPr txBox="1"/>
           <p:nvPr>
             <p:ph idx="1" type="body"/>
@@ -2787,7 +2787,7 @@
   <p:cSld>
     <p:spTree>
       <p:nvGrpSpPr>
-        <p:cNvPr id="228" name="Shape 228"/>
+        <p:cNvPr id="227" name="Shape 227"/>
         <p:cNvGrpSpPr/>
         <p:nvPr/>
       </p:nvGrpSpPr>
@@ -2801,7 +2801,7 @@
       </p:grpSpPr>
       <p:sp>
         <p:nvSpPr>
-          <p:cNvPr id="229" name="Google Shape;229;g13330878855_0_30:notes"/>
+          <p:cNvPr id="228" name="Google Shape;228;g13330878855_0_30:notes"/>
           <p:cNvSpPr/>
           <p:nvPr>
             <p:ph idx="2" type="sldImg"/>
@@ -2836,7 +2836,7 @@
       </p:sp>
       <p:sp>
         <p:nvSpPr>
-          <p:cNvPr id="230" name="Google Shape;230;g13330878855_0_30:notes"/>
+          <p:cNvPr id="229" name="Google Shape;229;g13330878855_0_30:notes"/>
           <p:cNvSpPr txBox="1"/>
           <p:nvPr>
             <p:ph idx="1" type="body"/>
@@ -2976,7 +2976,7 @@
   <p:cSld>
     <p:spTree>
       <p:nvGrpSpPr>
-        <p:cNvPr id="235" name="Shape 235"/>
+        <p:cNvPr id="234" name="Shape 234"/>
         <p:cNvGrpSpPr/>
         <p:nvPr/>
       </p:nvGrpSpPr>
@@ -2990,7 +2990,7 @@
       </p:grpSpPr>
       <p:sp>
         <p:nvSpPr>
-          <p:cNvPr id="236" name="Google Shape;236;g13330878855_0_134:notes"/>
+          <p:cNvPr id="235" name="Google Shape;235;g13330878855_0_134:notes"/>
           <p:cNvSpPr/>
           <p:nvPr>
             <p:ph idx="2" type="sldImg"/>
@@ -3025,7 +3025,7 @@
       </p:sp>
       <p:sp>
         <p:nvSpPr>
-          <p:cNvPr id="237" name="Google Shape;237;g13330878855_0_134:notes"/>
+          <p:cNvPr id="236" name="Google Shape;236;g13330878855_0_134:notes"/>
           <p:cNvSpPr txBox="1"/>
           <p:nvPr>
             <p:ph idx="1" type="body"/>
@@ -3127,7 +3127,7 @@
   <p:cSld>
     <p:spTree>
       <p:nvGrpSpPr>
-        <p:cNvPr id="242" name="Shape 242"/>
+        <p:cNvPr id="241" name="Shape 241"/>
         <p:cNvGrpSpPr/>
         <p:nvPr/>
       </p:nvGrpSpPr>
@@ -3141,7 +3141,7 @@
       </p:grpSpPr>
       <p:sp>
         <p:nvSpPr>
-          <p:cNvPr id="243" name="Google Shape;243;g13330878855_0_142:notes"/>
+          <p:cNvPr id="242" name="Google Shape;242;g13330878855_0_142:notes"/>
           <p:cNvSpPr/>
           <p:nvPr>
             <p:ph idx="2" type="sldImg"/>
@@ -3176,7 +3176,7 @@
       </p:sp>
       <p:sp>
         <p:nvSpPr>
-          <p:cNvPr id="244" name="Google Shape;244;g13330878855_0_142:notes"/>
+          <p:cNvPr id="243" name="Google Shape;243;g13330878855_0_142:notes"/>
           <p:cNvSpPr txBox="1"/>
           <p:nvPr>
             <p:ph idx="1" type="body"/>
@@ -3278,7 +3278,7 @@
   <p:cSld>
     <p:spTree>
       <p:nvGrpSpPr>
-        <p:cNvPr id="255" name="Shape 255"/>
+        <p:cNvPr id="254" name="Shape 254"/>
         <p:cNvGrpSpPr/>
         <p:nvPr/>
       </p:nvGrpSpPr>
@@ -3292,7 +3292,7 @@
       </p:grpSpPr>
       <p:sp>
         <p:nvSpPr>
-          <p:cNvPr id="256" name="Google Shape;256;g13330878855_0_155:notes"/>
+          <p:cNvPr id="255" name="Google Shape;255;g13330878855_0_155:notes"/>
           <p:cNvSpPr/>
           <p:nvPr>
             <p:ph idx="2" type="sldImg"/>
@@ -3327,7 +3327,7 @@
       </p:sp>
       <p:sp>
         <p:nvSpPr>
-          <p:cNvPr id="257" name="Google Shape;257;g13330878855_0_155:notes"/>
+          <p:cNvPr id="256" name="Google Shape;256;g13330878855_0_155:notes"/>
           <p:cNvSpPr txBox="1"/>
           <p:nvPr>
             <p:ph idx="1" type="body"/>
@@ -3429,7 +3429,7 @@
   <p:cSld>
     <p:spTree>
       <p:nvGrpSpPr>
-        <p:cNvPr id="269" name="Shape 269"/>
+        <p:cNvPr id="268" name="Shape 268"/>
         <p:cNvGrpSpPr/>
         <p:nvPr/>
       </p:nvGrpSpPr>
@@ -3443,7 +3443,7 @@
       </p:grpSpPr>
       <p:sp>
         <p:nvSpPr>
-          <p:cNvPr id="270" name="Google Shape;270;g13330878855_0_168:notes"/>
+          <p:cNvPr id="269" name="Google Shape;269;g13330878855_0_168:notes"/>
           <p:cNvSpPr/>
           <p:nvPr>
             <p:ph idx="2" type="sldImg"/>
@@ -3478,7 +3478,7 @@
       </p:sp>
       <p:sp>
         <p:nvSpPr>
-          <p:cNvPr id="271" name="Google Shape;271;g13330878855_0_168:notes"/>
+          <p:cNvPr id="270" name="Google Shape;270;g13330878855_0_168:notes"/>
           <p:cNvSpPr txBox="1"/>
           <p:nvPr>
             <p:ph idx="1" type="body"/>
@@ -3580,7 +3580,7 @@
   <p:cSld>
     <p:spTree>
       <p:nvGrpSpPr>
-        <p:cNvPr id="278" name="Shape 278"/>
+        <p:cNvPr id="277" name="Shape 277"/>
         <p:cNvGrpSpPr/>
         <p:nvPr/>
       </p:nvGrpSpPr>
@@ -3594,7 +3594,7 @@
       </p:grpSpPr>
       <p:sp>
         <p:nvSpPr>
-          <p:cNvPr id="279" name="Google Shape;279;g13330878855_0_201:notes"/>
+          <p:cNvPr id="278" name="Google Shape;278;g13330878855_0_201:notes"/>
           <p:cNvSpPr/>
           <p:nvPr>
             <p:ph idx="2" type="sldImg"/>
@@ -3629,7 +3629,7 @@
       </p:sp>
       <p:sp>
         <p:nvSpPr>
-          <p:cNvPr id="280" name="Google Shape;280;g13330878855_0_201:notes"/>
+          <p:cNvPr id="279" name="Google Shape;279;g13330878855_0_201:notes"/>
           <p:cNvSpPr txBox="1"/>
           <p:nvPr>
             <p:ph idx="1" type="body"/>
@@ -3755,7 +3755,7 @@
   <p:cSld>
     <p:spTree>
       <p:nvGrpSpPr>
-        <p:cNvPr id="288" name="Shape 288"/>
+        <p:cNvPr id="287" name="Shape 287"/>
         <p:cNvGrpSpPr/>
         <p:nvPr/>
       </p:nvGrpSpPr>
@@ -3769,7 +3769,7 @@
       </p:grpSpPr>
       <p:sp>
         <p:nvSpPr>
-          <p:cNvPr id="289" name="Google Shape;289;g13330878855_0_181:notes"/>
+          <p:cNvPr id="288" name="Google Shape;288;g13330878855_0_181:notes"/>
           <p:cNvSpPr/>
           <p:nvPr>
             <p:ph idx="2" type="sldImg"/>
@@ -3804,7 +3804,7 @@
       </p:sp>
       <p:sp>
         <p:nvSpPr>
-          <p:cNvPr id="290" name="Google Shape;290;g13330878855_0_181:notes"/>
+          <p:cNvPr id="289" name="Google Shape;289;g13330878855_0_181:notes"/>
           <p:cNvSpPr txBox="1"/>
           <p:nvPr>
             <p:ph idx="1" type="body"/>
@@ -3948,7 +3948,7 @@
   <p:cSld>
     <p:spTree>
       <p:nvGrpSpPr>
-        <p:cNvPr id="296" name="Shape 296"/>
+        <p:cNvPr id="295" name="Shape 295"/>
         <p:cNvGrpSpPr/>
         <p:nvPr/>
       </p:nvGrpSpPr>
@@ -3962,7 +3962,7 @@
       </p:grpSpPr>
       <p:sp>
         <p:nvSpPr>
-          <p:cNvPr id="297" name="Google Shape;297;g13330878855_0_210:notes"/>
+          <p:cNvPr id="296" name="Google Shape;296;g13330878855_0_210:notes"/>
           <p:cNvSpPr/>
           <p:nvPr>
             <p:ph idx="2" type="sldImg"/>
@@ -3997,7 +3997,7 @@
       </p:sp>
       <p:sp>
         <p:nvSpPr>
-          <p:cNvPr id="298" name="Google Shape;298;g13330878855_0_210:notes"/>
+          <p:cNvPr id="297" name="Google Shape;297;g13330878855_0_210:notes"/>
           <p:cNvSpPr txBox="1"/>
           <p:nvPr>
             <p:ph idx="1" type="body"/>
@@ -4141,7 +4141,7 @@
   <p:cSld>
     <p:spTree>
       <p:nvGrpSpPr>
-        <p:cNvPr id="304" name="Shape 304"/>
+        <p:cNvPr id="303" name="Shape 303"/>
         <p:cNvGrpSpPr/>
         <p:nvPr/>
       </p:nvGrpSpPr>
@@ -4155,7 +4155,7 @@
       </p:grpSpPr>
       <p:sp>
         <p:nvSpPr>
-          <p:cNvPr id="305" name="Google Shape;305;g13330878855_0_225:notes"/>
+          <p:cNvPr id="304" name="Google Shape;304;g13330878855_0_225:notes"/>
           <p:cNvSpPr/>
           <p:nvPr>
             <p:ph idx="2" type="sldImg"/>
@@ -4190,7 +4190,7 @@
       </p:sp>
       <p:sp>
         <p:nvSpPr>
-          <p:cNvPr id="306" name="Google Shape;306;g13330878855_0_225:notes"/>
+          <p:cNvPr id="305" name="Google Shape;305;g13330878855_0_225:notes"/>
           <p:cNvSpPr txBox="1"/>
           <p:nvPr>
             <p:ph idx="1" type="body"/>
@@ -4450,7 +4450,7 @@
   <p:cSld>
     <p:spTree>
       <p:nvGrpSpPr>
-        <p:cNvPr id="315" name="Shape 315"/>
+        <p:cNvPr id="314" name="Shape 314"/>
         <p:cNvGrpSpPr/>
         <p:nvPr/>
       </p:nvGrpSpPr>
@@ -4464,7 +4464,7 @@
       </p:grpSpPr>
       <p:sp>
         <p:nvSpPr>
-          <p:cNvPr id="316" name="Google Shape;316;g13330878855_0_241:notes"/>
+          <p:cNvPr id="315" name="Google Shape;315;g13330878855_0_241:notes"/>
           <p:cNvSpPr/>
           <p:nvPr>
             <p:ph idx="2" type="sldImg"/>
@@ -4499,7 +4499,7 @@
       </p:sp>
       <p:sp>
         <p:nvSpPr>
-          <p:cNvPr id="317" name="Google Shape;317;g13330878855_0_241:notes"/>
+          <p:cNvPr id="316" name="Google Shape;316;g13330878855_0_241:notes"/>
           <p:cNvSpPr txBox="1"/>
           <p:nvPr>
             <p:ph idx="1" type="body"/>
@@ -4643,7 +4643,7 @@
   <p:cSld>
     <p:spTree>
       <p:nvGrpSpPr>
-        <p:cNvPr id="325" name="Shape 325"/>
+        <p:cNvPr id="324" name="Shape 324"/>
         <p:cNvGrpSpPr/>
         <p:nvPr/>
       </p:nvGrpSpPr>
@@ -4657,7 +4657,7 @@
       </p:grpSpPr>
       <p:sp>
         <p:nvSpPr>
-          <p:cNvPr id="326" name="Google Shape;326;g13330878855_0_257:notes"/>
+          <p:cNvPr id="325" name="Google Shape;325;g13330878855_0_257:notes"/>
           <p:cNvSpPr/>
           <p:nvPr>
             <p:ph idx="2" type="sldImg"/>
@@ -4692,7 +4692,7 @@
       </p:sp>
       <p:sp>
         <p:nvSpPr>
-          <p:cNvPr id="327" name="Google Shape;327;g13330878855_0_257:notes"/>
+          <p:cNvPr id="326" name="Google Shape;326;g13330878855_0_257:notes"/>
           <p:cNvSpPr txBox="1"/>
           <p:nvPr>
             <p:ph idx="1" type="body"/>
@@ -4800,7 +4800,7 @@
   <p:cSld>
     <p:spTree>
       <p:nvGrpSpPr>
-        <p:cNvPr id="338" name="Shape 338"/>
+        <p:cNvPr id="337" name="Shape 337"/>
         <p:cNvGrpSpPr/>
         <p:nvPr/>
       </p:nvGrpSpPr>
@@ -4814,7 +4814,7 @@
       </p:grpSpPr>
       <p:sp>
         <p:nvSpPr>
-          <p:cNvPr id="339" name="Google Shape;339;g13330878855_0_271:notes"/>
+          <p:cNvPr id="338" name="Google Shape;338;g13330878855_0_271:notes"/>
           <p:cNvSpPr/>
           <p:nvPr>
             <p:ph idx="2" type="sldImg"/>
@@ -4849,7 +4849,7 @@
       </p:sp>
       <p:sp>
         <p:nvSpPr>
-          <p:cNvPr id="340" name="Google Shape;340;g13330878855_0_271:notes"/>
+          <p:cNvPr id="339" name="Google Shape;339;g13330878855_0_271:notes"/>
           <p:cNvSpPr txBox="1"/>
           <p:nvPr>
             <p:ph idx="1" type="body"/>
@@ -4899,7 +4899,7 @@
   <p:cSld>
     <p:spTree>
       <p:nvGrpSpPr>
-        <p:cNvPr id="347" name="Shape 347"/>
+        <p:cNvPr id="346" name="Shape 346"/>
         <p:cNvGrpSpPr/>
         <p:nvPr/>
       </p:nvGrpSpPr>
@@ -4913,7 +4913,7 @@
       </p:grpSpPr>
       <p:sp>
         <p:nvSpPr>
-          <p:cNvPr id="348" name="Google Shape;348;g13330878855_0_280:notes"/>
+          <p:cNvPr id="347" name="Google Shape;347;g13330878855_0_280:notes"/>
           <p:cNvSpPr/>
           <p:nvPr>
             <p:ph idx="2" type="sldImg"/>
@@ -4948,7 +4948,7 @@
       </p:sp>
       <p:sp>
         <p:nvSpPr>
-          <p:cNvPr id="349" name="Google Shape;349;g13330878855_0_280:notes"/>
+          <p:cNvPr id="348" name="Google Shape;348;g13330878855_0_280:notes"/>
           <p:cNvSpPr txBox="1"/>
           <p:nvPr>
             <p:ph idx="1" type="body"/>
@@ -4998,7 +4998,7 @@
   <p:cSld>
     <p:spTree>
       <p:nvGrpSpPr>
-        <p:cNvPr id="356" name="Shape 356"/>
+        <p:cNvPr id="355" name="Shape 355"/>
         <p:cNvGrpSpPr/>
         <p:nvPr/>
       </p:nvGrpSpPr>
@@ -5012,7 +5012,7 @@
       </p:grpSpPr>
       <p:sp>
         <p:nvSpPr>
-          <p:cNvPr id="357" name="Google Shape;357;g13330878855_0_108:notes"/>
+          <p:cNvPr id="356" name="Google Shape;356;g13330878855_0_108:notes"/>
           <p:cNvSpPr/>
           <p:nvPr>
             <p:ph idx="2" type="sldImg"/>
@@ -5047,7 +5047,7 @@
       </p:sp>
       <p:sp>
         <p:nvSpPr>
-          <p:cNvPr id="358" name="Google Shape;358;g13330878855_0_108:notes"/>
+          <p:cNvPr id="357" name="Google Shape;357;g13330878855_0_108:notes"/>
           <p:cNvSpPr txBox="1"/>
           <p:nvPr>
             <p:ph idx="1" type="body"/>
@@ -5097,7 +5097,7 @@
   <p:cSld>
     <p:spTree>
       <p:nvGrpSpPr>
-        <p:cNvPr id="366" name="Shape 366"/>
+        <p:cNvPr id="365" name="Shape 365"/>
         <p:cNvGrpSpPr/>
         <p:nvPr/>
       </p:nvGrpSpPr>
@@ -5111,7 +5111,7 @@
       </p:grpSpPr>
       <p:sp>
         <p:nvSpPr>
-          <p:cNvPr id="367" name="Google Shape;367;g13330878855_0_307:notes"/>
+          <p:cNvPr id="366" name="Google Shape;366;g13330878855_0_307:notes"/>
           <p:cNvSpPr/>
           <p:nvPr>
             <p:ph idx="2" type="sldImg"/>
@@ -5146,7 +5146,7 @@
       </p:sp>
       <p:sp>
         <p:nvSpPr>
-          <p:cNvPr id="368" name="Google Shape;368;g13330878855_0_307:notes"/>
+          <p:cNvPr id="367" name="Google Shape;367;g13330878855_0_307:notes"/>
           <p:cNvSpPr txBox="1"/>
           <p:nvPr>
             <p:ph idx="1" type="body"/>
@@ -5196,7 +5196,7 @@
   <p:cSld>
     <p:spTree>
       <p:nvGrpSpPr>
-        <p:cNvPr id="379" name="Shape 379"/>
+        <p:cNvPr id="378" name="Shape 378"/>
         <p:cNvGrpSpPr/>
         <p:nvPr/>
       </p:nvGrpSpPr>
@@ -5210,7 +5210,7 @@
       </p:grpSpPr>
       <p:sp>
         <p:nvSpPr>
-          <p:cNvPr id="380" name="Google Shape;380;g13330878855_0_298:notes"/>
+          <p:cNvPr id="379" name="Google Shape;379;g13330878855_0_298:notes"/>
           <p:cNvSpPr/>
           <p:nvPr>
             <p:ph idx="2" type="sldImg"/>
@@ -5245,7 +5245,7 @@
       </p:sp>
       <p:sp>
         <p:nvSpPr>
-          <p:cNvPr id="381" name="Google Shape;381;g13330878855_0_298:notes"/>
+          <p:cNvPr id="380" name="Google Shape;380;g13330878855_0_298:notes"/>
           <p:cNvSpPr txBox="1"/>
           <p:nvPr>
             <p:ph idx="1" type="body"/>
@@ -5295,7 +5295,7 @@
   <p:cSld>
     <p:spTree>
       <p:nvGrpSpPr>
-        <p:cNvPr id="392" name="Shape 392"/>
+        <p:cNvPr id="391" name="Shape 391"/>
         <p:cNvGrpSpPr/>
         <p:nvPr/>
       </p:nvGrpSpPr>
@@ -5309,7 +5309,7 @@
       </p:grpSpPr>
       <p:sp>
         <p:nvSpPr>
-          <p:cNvPr id="393" name="Google Shape;393;g13330878855_0_291:notes"/>
+          <p:cNvPr id="392" name="Google Shape;392;g13330878855_0_291:notes"/>
           <p:cNvSpPr/>
           <p:nvPr>
             <p:ph idx="2" type="sldImg"/>
@@ -5344,7 +5344,7 @@
       </p:sp>
       <p:sp>
         <p:nvSpPr>
-          <p:cNvPr id="394" name="Google Shape;394;g13330878855_0_291:notes"/>
+          <p:cNvPr id="393" name="Google Shape;393;g13330878855_0_291:notes"/>
           <p:cNvSpPr txBox="1"/>
           <p:nvPr>
             <p:ph idx="1" type="body"/>
@@ -11902,8 +11902,8 @@
         </p:nvSpPr>
         <p:spPr>
           <a:xfrm>
-            <a:off x="1509325" y="2360950"/>
-            <a:ext cx="4856700" cy="400200"/>
+            <a:off x="1676100" y="1768300"/>
+            <a:ext cx="1179300" cy="3232500"/>
           </a:xfrm>
           <a:prstGeom prst="rect">
             <a:avLst/>
@@ -11929,13 +11929,281 @@
               <a:buNone/>
             </a:pPr>
             <a:r>
-              <a:t/>
-            </a:r>
-            <a:endParaRPr>
-              <a:latin typeface="Average"/>
-              <a:ea typeface="Average"/>
-              <a:cs typeface="Average"/>
-              <a:sym typeface="Average"/>
+              <a:rPr lang="en" sz="2200">
+                <a:solidFill>
+                  <a:srgbClr val="CC0000"/>
+                </a:solidFill>
+                <a:latin typeface="Oswald"/>
+                <a:ea typeface="Oswald"/>
+                <a:cs typeface="Oswald"/>
+                <a:sym typeface="Oswald"/>
+              </a:rPr>
+              <a:t>90-100</a:t>
+            </a:r>
+            <a:endParaRPr sz="2200">
+              <a:solidFill>
+                <a:srgbClr val="CC0000"/>
+              </a:solidFill>
+              <a:latin typeface="Oswald"/>
+              <a:ea typeface="Oswald"/>
+              <a:cs typeface="Oswald"/>
+              <a:sym typeface="Oswald"/>
+            </a:endParaRPr>
+          </a:p>
+          <a:p>
+            <a:pPr indent="0" lvl="0" marL="0" rtl="0" algn="l">
+              <a:spcBef>
+                <a:spcPts val="0"/>
+              </a:spcBef>
+              <a:spcAft>
+                <a:spcPts val="0"/>
+              </a:spcAft>
+              <a:buNone/>
+            </a:pPr>
+            <a:r>
+              <a:rPr lang="en" sz="2200">
+                <a:solidFill>
+                  <a:srgbClr val="CC0000"/>
+                </a:solidFill>
+                <a:latin typeface="Oswald"/>
+                <a:ea typeface="Oswald"/>
+                <a:cs typeface="Oswald"/>
+                <a:sym typeface="Oswald"/>
+              </a:rPr>
+              <a:t>80-90</a:t>
+            </a:r>
+            <a:endParaRPr sz="2200">
+              <a:solidFill>
+                <a:srgbClr val="CC0000"/>
+              </a:solidFill>
+              <a:latin typeface="Oswald"/>
+              <a:ea typeface="Oswald"/>
+              <a:cs typeface="Oswald"/>
+              <a:sym typeface="Oswald"/>
+            </a:endParaRPr>
+          </a:p>
+          <a:p>
+            <a:pPr indent="0" lvl="0" marL="0" rtl="0" algn="l">
+              <a:spcBef>
+                <a:spcPts val="0"/>
+              </a:spcBef>
+              <a:spcAft>
+                <a:spcPts val="0"/>
+              </a:spcAft>
+              <a:buNone/>
+            </a:pPr>
+            <a:r>
+              <a:rPr lang="en" sz="2200">
+                <a:solidFill>
+                  <a:srgbClr val="CC0000"/>
+                </a:solidFill>
+                <a:latin typeface="Oswald"/>
+                <a:ea typeface="Oswald"/>
+                <a:cs typeface="Oswald"/>
+                <a:sym typeface="Oswald"/>
+              </a:rPr>
+              <a:t>70-80</a:t>
+            </a:r>
+            <a:endParaRPr sz="2200">
+              <a:solidFill>
+                <a:srgbClr val="CC0000"/>
+              </a:solidFill>
+              <a:latin typeface="Oswald"/>
+              <a:ea typeface="Oswald"/>
+              <a:cs typeface="Oswald"/>
+              <a:sym typeface="Oswald"/>
+            </a:endParaRPr>
+          </a:p>
+          <a:p>
+            <a:pPr indent="0" lvl="0" marL="0" rtl="0" algn="l">
+              <a:spcBef>
+                <a:spcPts val="0"/>
+              </a:spcBef>
+              <a:spcAft>
+                <a:spcPts val="0"/>
+              </a:spcAft>
+              <a:buNone/>
+            </a:pPr>
+            <a:r>
+              <a:rPr lang="en" sz="2200">
+                <a:solidFill>
+                  <a:srgbClr val="B7B7B7"/>
+                </a:solidFill>
+                <a:latin typeface="Oswald"/>
+                <a:ea typeface="Oswald"/>
+                <a:cs typeface="Oswald"/>
+                <a:sym typeface="Oswald"/>
+              </a:rPr>
+              <a:t>60-70</a:t>
+            </a:r>
+            <a:endParaRPr sz="2200">
+              <a:solidFill>
+                <a:srgbClr val="B7B7B7"/>
+              </a:solidFill>
+              <a:latin typeface="Oswald"/>
+              <a:ea typeface="Oswald"/>
+              <a:cs typeface="Oswald"/>
+              <a:sym typeface="Oswald"/>
+            </a:endParaRPr>
+          </a:p>
+          <a:p>
+            <a:pPr indent="0" lvl="0" marL="0" rtl="0" algn="l">
+              <a:spcBef>
+                <a:spcPts val="0"/>
+              </a:spcBef>
+              <a:spcAft>
+                <a:spcPts val="0"/>
+              </a:spcAft>
+              <a:buNone/>
+            </a:pPr>
+            <a:r>
+              <a:rPr lang="en" sz="2200">
+                <a:solidFill>
+                  <a:srgbClr val="008000"/>
+                </a:solidFill>
+                <a:latin typeface="Oswald"/>
+                <a:ea typeface="Oswald"/>
+                <a:cs typeface="Oswald"/>
+                <a:sym typeface="Oswald"/>
+              </a:rPr>
+              <a:t>50-60</a:t>
+            </a:r>
+            <a:endParaRPr sz="2200">
+              <a:solidFill>
+                <a:srgbClr val="008000"/>
+              </a:solidFill>
+              <a:latin typeface="Oswald"/>
+              <a:ea typeface="Oswald"/>
+              <a:cs typeface="Oswald"/>
+              <a:sym typeface="Oswald"/>
+            </a:endParaRPr>
+          </a:p>
+          <a:p>
+            <a:pPr indent="0" lvl="0" marL="0" rtl="0" algn="l">
+              <a:spcBef>
+                <a:spcPts val="0"/>
+              </a:spcBef>
+              <a:spcAft>
+                <a:spcPts val="0"/>
+              </a:spcAft>
+              <a:buNone/>
+            </a:pPr>
+            <a:r>
+              <a:rPr lang="en" sz="2200">
+                <a:solidFill>
+                  <a:srgbClr val="008000"/>
+                </a:solidFill>
+                <a:latin typeface="Oswald"/>
+                <a:ea typeface="Oswald"/>
+                <a:cs typeface="Oswald"/>
+                <a:sym typeface="Oswald"/>
+              </a:rPr>
+              <a:t>40-50</a:t>
+            </a:r>
+            <a:endParaRPr sz="2200">
+              <a:solidFill>
+                <a:srgbClr val="008000"/>
+              </a:solidFill>
+              <a:latin typeface="Oswald"/>
+              <a:ea typeface="Oswald"/>
+              <a:cs typeface="Oswald"/>
+              <a:sym typeface="Oswald"/>
+            </a:endParaRPr>
+          </a:p>
+          <a:p>
+            <a:pPr indent="0" lvl="0" marL="0" rtl="0" algn="l">
+              <a:spcBef>
+                <a:spcPts val="0"/>
+              </a:spcBef>
+              <a:spcAft>
+                <a:spcPts val="0"/>
+              </a:spcAft>
+              <a:buNone/>
+            </a:pPr>
+            <a:r>
+              <a:rPr lang="en" sz="2200">
+                <a:solidFill>
+                  <a:srgbClr val="008000"/>
+                </a:solidFill>
+                <a:latin typeface="Oswald"/>
+                <a:ea typeface="Oswald"/>
+                <a:cs typeface="Oswald"/>
+                <a:sym typeface="Oswald"/>
+              </a:rPr>
+              <a:t>30-40</a:t>
+            </a:r>
+            <a:endParaRPr sz="2200">
+              <a:solidFill>
+                <a:srgbClr val="008000"/>
+              </a:solidFill>
+              <a:latin typeface="Oswald"/>
+              <a:ea typeface="Oswald"/>
+              <a:cs typeface="Oswald"/>
+              <a:sym typeface="Oswald"/>
+            </a:endParaRPr>
+          </a:p>
+          <a:p>
+            <a:pPr indent="0" lvl="0" marL="0" rtl="0" algn="l">
+              <a:spcBef>
+                <a:spcPts val="0"/>
+              </a:spcBef>
+              <a:spcAft>
+                <a:spcPts val="0"/>
+              </a:spcAft>
+              <a:buNone/>
+            </a:pPr>
+            <a:r>
+              <a:rPr lang="en" sz="2200">
+                <a:solidFill>
+                  <a:srgbClr val="008000"/>
+                </a:solidFill>
+                <a:latin typeface="Oswald"/>
+                <a:ea typeface="Oswald"/>
+                <a:cs typeface="Oswald"/>
+                <a:sym typeface="Oswald"/>
+              </a:rPr>
+              <a:t>20-30</a:t>
+            </a:r>
+            <a:endParaRPr sz="2200">
+              <a:solidFill>
+                <a:srgbClr val="008000"/>
+              </a:solidFill>
+              <a:latin typeface="Oswald"/>
+              <a:ea typeface="Oswald"/>
+              <a:cs typeface="Oswald"/>
+              <a:sym typeface="Oswald"/>
+            </a:endParaRPr>
+          </a:p>
+          <a:p>
+            <a:pPr indent="0" lvl="0" marL="0" rtl="0" algn="l">
+              <a:spcBef>
+                <a:spcPts val="0"/>
+              </a:spcBef>
+              <a:spcAft>
+                <a:spcPts val="0"/>
+              </a:spcAft>
+              <a:buNone/>
+            </a:pPr>
+            <a:r>
+              <a:rPr lang="en" sz="2200">
+                <a:solidFill>
+                  <a:srgbClr val="008000"/>
+                </a:solidFill>
+                <a:latin typeface="Oswald"/>
+                <a:ea typeface="Oswald"/>
+                <a:cs typeface="Oswald"/>
+                <a:sym typeface="Oswald"/>
+              </a:rPr>
+              <a:t>10-20</a:t>
+            </a:r>
+            <a:endParaRPr sz="2200">
+              <a:solidFill>
+                <a:srgbClr val="008000"/>
+              </a:solidFill>
+              <a:latin typeface="Oswald"/>
+              <a:ea typeface="Oswald"/>
+              <a:cs typeface="Oswald"/>
+              <a:sym typeface="Oswald"/>
             </a:endParaRPr>
           </a:p>
         </p:txBody>
@@ -11948,289 +12216,7 @@
         </p:nvSpPr>
         <p:spPr>
           <a:xfrm>
-            <a:off x="1676100" y="1768300"/>
-            <a:ext cx="1179300" cy="3140100"/>
-          </a:xfrm>
-          <a:prstGeom prst="rect">
-            <a:avLst/>
-          </a:prstGeom>
-          <a:noFill/>
-          <a:ln>
-            <a:noFill/>
-          </a:ln>
-        </p:spPr>
-        <p:txBody>
-          <a:bodyPr anchorCtr="0" anchor="t" bIns="91425" lIns="91425" spcFirstLastPara="1" rIns="91425" wrap="square" tIns="91425">
-            <a:spAutoFit/>
-          </a:bodyPr>
-          <a:lstStyle/>
-          <a:p>
-            <a:pPr indent="0" lvl="0" marL="0" rtl="0" algn="l">
-              <a:spcBef>
-                <a:spcPts val="0"/>
-              </a:spcBef>
-              <a:spcAft>
-                <a:spcPts val="0"/>
-              </a:spcAft>
-              <a:buNone/>
-            </a:pPr>
-            <a:r>
-              <a:rPr lang="en" sz="2400">
-                <a:solidFill>
-                  <a:srgbClr val="CC0000"/>
-                </a:solidFill>
-                <a:latin typeface="Oswald"/>
-                <a:ea typeface="Oswald"/>
-                <a:cs typeface="Oswald"/>
-                <a:sym typeface="Oswald"/>
-              </a:rPr>
-              <a:t>90-100</a:t>
-            </a:r>
-            <a:endParaRPr sz="2400">
-              <a:solidFill>
-                <a:srgbClr val="CC0000"/>
-              </a:solidFill>
-              <a:latin typeface="Oswald"/>
-              <a:ea typeface="Oswald"/>
-              <a:cs typeface="Oswald"/>
-              <a:sym typeface="Oswald"/>
-            </a:endParaRPr>
-          </a:p>
-          <a:p>
-            <a:pPr indent="0" lvl="0" marL="0" rtl="0" algn="l">
-              <a:spcBef>
-                <a:spcPts val="0"/>
-              </a:spcBef>
-              <a:spcAft>
-                <a:spcPts val="0"/>
-              </a:spcAft>
-              <a:buNone/>
-            </a:pPr>
-            <a:r>
-              <a:rPr lang="en" sz="2400">
-                <a:solidFill>
-                  <a:srgbClr val="CC0000"/>
-                </a:solidFill>
-                <a:latin typeface="Oswald"/>
-                <a:ea typeface="Oswald"/>
-                <a:cs typeface="Oswald"/>
-                <a:sym typeface="Oswald"/>
-              </a:rPr>
-              <a:t>80-90</a:t>
-            </a:r>
-            <a:endParaRPr sz="2400">
-              <a:solidFill>
-                <a:srgbClr val="CC0000"/>
-              </a:solidFill>
-              <a:latin typeface="Oswald"/>
-              <a:ea typeface="Oswald"/>
-              <a:cs typeface="Oswald"/>
-              <a:sym typeface="Oswald"/>
-            </a:endParaRPr>
-          </a:p>
-          <a:p>
-            <a:pPr indent="0" lvl="0" marL="0" rtl="0" algn="l">
-              <a:spcBef>
-                <a:spcPts val="0"/>
-              </a:spcBef>
-              <a:spcAft>
-                <a:spcPts val="0"/>
-              </a:spcAft>
-              <a:buNone/>
-            </a:pPr>
-            <a:r>
-              <a:rPr lang="en" sz="2400">
-                <a:solidFill>
-                  <a:srgbClr val="CC0000"/>
-                </a:solidFill>
-                <a:latin typeface="Oswald"/>
-                <a:ea typeface="Oswald"/>
-                <a:cs typeface="Oswald"/>
-                <a:sym typeface="Oswald"/>
-              </a:rPr>
-              <a:t>70-80</a:t>
-            </a:r>
-            <a:endParaRPr sz="2400">
-              <a:solidFill>
-                <a:srgbClr val="008000"/>
-              </a:solidFill>
-              <a:latin typeface="Oswald"/>
-              <a:ea typeface="Oswald"/>
-              <a:cs typeface="Oswald"/>
-              <a:sym typeface="Oswald"/>
-            </a:endParaRPr>
-          </a:p>
-          <a:p>
-            <a:pPr indent="0" lvl="0" marL="0" rtl="0" algn="l">
-              <a:spcBef>
-                <a:spcPts val="0"/>
-              </a:spcBef>
-              <a:spcAft>
-                <a:spcPts val="0"/>
-              </a:spcAft>
-              <a:buNone/>
-            </a:pPr>
-            <a:r>
-              <a:rPr lang="en" sz="2400">
-                <a:solidFill>
-                  <a:srgbClr val="008000"/>
-                </a:solidFill>
-                <a:latin typeface="Oswald"/>
-                <a:ea typeface="Oswald"/>
-                <a:cs typeface="Oswald"/>
-                <a:sym typeface="Oswald"/>
-              </a:rPr>
-              <a:t>50-60</a:t>
-            </a:r>
-            <a:endParaRPr sz="2400">
-              <a:solidFill>
-                <a:srgbClr val="008000"/>
-              </a:solidFill>
-              <a:latin typeface="Oswald"/>
-              <a:ea typeface="Oswald"/>
-              <a:cs typeface="Oswald"/>
-              <a:sym typeface="Oswald"/>
-            </a:endParaRPr>
-          </a:p>
-          <a:p>
-            <a:pPr indent="0" lvl="0" marL="0" rtl="0" algn="l">
-              <a:spcBef>
-                <a:spcPts val="0"/>
-              </a:spcBef>
-              <a:spcAft>
-                <a:spcPts val="0"/>
-              </a:spcAft>
-              <a:buNone/>
-            </a:pPr>
-            <a:r>
-              <a:rPr lang="en" sz="2400">
-                <a:solidFill>
-                  <a:srgbClr val="008000"/>
-                </a:solidFill>
-                <a:latin typeface="Oswald"/>
-                <a:ea typeface="Oswald"/>
-                <a:cs typeface="Oswald"/>
-                <a:sym typeface="Oswald"/>
-              </a:rPr>
-              <a:t>40-50</a:t>
-            </a:r>
-            <a:endParaRPr sz="2400">
-              <a:solidFill>
-                <a:srgbClr val="008000"/>
-              </a:solidFill>
-              <a:latin typeface="Oswald"/>
-              <a:ea typeface="Oswald"/>
-              <a:cs typeface="Oswald"/>
-              <a:sym typeface="Oswald"/>
-            </a:endParaRPr>
-          </a:p>
-          <a:p>
-            <a:pPr indent="0" lvl="0" marL="0" rtl="0" algn="l">
-              <a:spcBef>
-                <a:spcPts val="0"/>
-              </a:spcBef>
-              <a:spcAft>
-                <a:spcPts val="0"/>
-              </a:spcAft>
-              <a:buNone/>
-            </a:pPr>
-            <a:r>
-              <a:rPr lang="en" sz="2400">
-                <a:solidFill>
-                  <a:srgbClr val="008000"/>
-                </a:solidFill>
-                <a:latin typeface="Oswald"/>
-                <a:ea typeface="Oswald"/>
-                <a:cs typeface="Oswald"/>
-                <a:sym typeface="Oswald"/>
-              </a:rPr>
-              <a:t>30-40</a:t>
-            </a:r>
-            <a:endParaRPr sz="2400">
-              <a:solidFill>
-                <a:srgbClr val="008000"/>
-              </a:solidFill>
-              <a:latin typeface="Oswald"/>
-              <a:ea typeface="Oswald"/>
-              <a:cs typeface="Oswald"/>
-              <a:sym typeface="Oswald"/>
-            </a:endParaRPr>
-          </a:p>
-          <a:p>
-            <a:pPr indent="0" lvl="0" marL="0" rtl="0" algn="l">
-              <a:spcBef>
-                <a:spcPts val="0"/>
-              </a:spcBef>
-              <a:spcAft>
-                <a:spcPts val="0"/>
-              </a:spcAft>
-              <a:buNone/>
-            </a:pPr>
-            <a:r>
-              <a:rPr lang="en" sz="2400">
-                <a:solidFill>
-                  <a:srgbClr val="008000"/>
-                </a:solidFill>
-                <a:latin typeface="Oswald"/>
-                <a:ea typeface="Oswald"/>
-                <a:cs typeface="Oswald"/>
-                <a:sym typeface="Oswald"/>
-              </a:rPr>
-              <a:t>20-30</a:t>
-            </a:r>
-            <a:endParaRPr sz="2400">
-              <a:solidFill>
-                <a:srgbClr val="008000"/>
-              </a:solidFill>
-              <a:latin typeface="Oswald"/>
-              <a:ea typeface="Oswald"/>
-              <a:cs typeface="Oswald"/>
-              <a:sym typeface="Oswald"/>
-            </a:endParaRPr>
-          </a:p>
-          <a:p>
-            <a:pPr indent="0" lvl="0" marL="0" rtl="0" algn="l">
-              <a:spcBef>
-                <a:spcPts val="0"/>
-              </a:spcBef>
-              <a:spcAft>
-                <a:spcPts val="0"/>
-              </a:spcAft>
-              <a:buNone/>
-            </a:pPr>
-            <a:r>
-              <a:rPr lang="en" sz="2400">
-                <a:solidFill>
-                  <a:srgbClr val="008000"/>
-                </a:solidFill>
-                <a:latin typeface="Oswald"/>
-                <a:ea typeface="Oswald"/>
-                <a:cs typeface="Oswald"/>
-                <a:sym typeface="Oswald"/>
-              </a:rPr>
-              <a:t>10-20</a:t>
-            </a:r>
-            <a:endParaRPr sz="2400">
-              <a:solidFill>
-                <a:srgbClr val="008000"/>
-              </a:solidFill>
-              <a:latin typeface="Oswald"/>
-              <a:ea typeface="Oswald"/>
-              <a:cs typeface="Oswald"/>
-              <a:sym typeface="Oswald"/>
-            </a:endParaRPr>
-          </a:p>
-        </p:txBody>
-      </p:sp>
-      <p:sp>
-        <p:nvSpPr>
-          <p:cNvPr id="147" name="Google Shape;147;p23"/>
-          <p:cNvSpPr txBox="1"/>
-          <p:nvPr/>
-        </p:nvSpPr>
-        <p:spPr>
-          <a:xfrm>
-            <a:off x="2657300" y="4332975"/>
+            <a:off x="2450625" y="4401975"/>
             <a:ext cx="4038300" cy="554100"/>
           </a:xfrm>
           <a:prstGeom prst="rect">
@@ -12282,7 +12268,7 @@
       </p:sp>
       <p:sp>
         <p:nvSpPr>
-          <p:cNvPr id="148" name="Google Shape;148;p23"/>
+          <p:cNvPr id="147" name="Google Shape;147;p23"/>
           <p:cNvSpPr txBox="1"/>
           <p:nvPr>
             <p:ph type="title"/>
@@ -12337,7 +12323,7 @@
   <p:cSld>
     <p:spTree>
       <p:nvGrpSpPr>
-        <p:cNvPr id="152" name="Shape 152"/>
+        <p:cNvPr id="151" name="Shape 151"/>
         <p:cNvGrpSpPr/>
         <p:nvPr/>
       </p:nvGrpSpPr>
@@ -12351,7 +12337,7 @@
       </p:grpSpPr>
       <p:sp>
         <p:nvSpPr>
-          <p:cNvPr id="153" name="Google Shape;153;p24"/>
+          <p:cNvPr id="152" name="Google Shape;152;p24"/>
           <p:cNvSpPr txBox="1"/>
           <p:nvPr/>
         </p:nvSpPr>
@@ -12409,7 +12395,7 @@
       </p:sp>
       <p:sp>
         <p:nvSpPr>
-          <p:cNvPr id="154" name="Google Shape;154;p24"/>
+          <p:cNvPr id="153" name="Google Shape;153;p24"/>
           <p:cNvSpPr txBox="1"/>
           <p:nvPr/>
         </p:nvSpPr>
@@ -12455,7 +12441,7 @@
       </p:sp>
       <p:pic>
         <p:nvPicPr>
-          <p:cNvPr id="155" name="Google Shape;155;p24"/>
+          <p:cNvPr id="154" name="Google Shape;154;p24"/>
           <p:cNvPicPr preferRelativeResize="0"/>
           <p:nvPr/>
         </p:nvPicPr>
@@ -12483,7 +12469,7 @@
       </p:pic>
       <p:sp>
         <p:nvSpPr>
-          <p:cNvPr id="156" name="Google Shape;156;p24"/>
+          <p:cNvPr id="155" name="Google Shape;155;p24"/>
           <p:cNvSpPr txBox="1"/>
           <p:nvPr>
             <p:ph type="title"/>
@@ -12538,7 +12524,7 @@
   <p:cSld>
     <p:spTree>
       <p:nvGrpSpPr>
-        <p:cNvPr id="160" name="Shape 160"/>
+        <p:cNvPr id="159" name="Shape 159"/>
         <p:cNvGrpSpPr/>
         <p:nvPr/>
       </p:nvGrpSpPr>
@@ -12552,7 +12538,7 @@
       </p:grpSpPr>
       <p:sp>
         <p:nvSpPr>
-          <p:cNvPr id="161" name="Google Shape;161;p25"/>
+          <p:cNvPr id="160" name="Google Shape;160;p25"/>
           <p:cNvSpPr txBox="1"/>
           <p:nvPr/>
         </p:nvSpPr>
@@ -12610,7 +12596,7 @@
       </p:sp>
       <p:pic>
         <p:nvPicPr>
-          <p:cNvPr id="162" name="Google Shape;162;p25"/>
+          <p:cNvPr id="161" name="Google Shape;161;p25"/>
           <p:cNvPicPr preferRelativeResize="0"/>
           <p:nvPr/>
         </p:nvPicPr>
@@ -12638,7 +12624,7 @@
       </p:pic>
       <p:sp>
         <p:nvSpPr>
-          <p:cNvPr id="163" name="Google Shape;163;p25"/>
+          <p:cNvPr id="162" name="Google Shape;162;p25"/>
           <p:cNvSpPr txBox="1"/>
           <p:nvPr/>
         </p:nvSpPr>
@@ -12696,7 +12682,7 @@
       </p:sp>
       <p:sp>
         <p:nvSpPr>
-          <p:cNvPr id="164" name="Google Shape;164;p25"/>
+          <p:cNvPr id="163" name="Google Shape;163;p25"/>
           <p:cNvSpPr txBox="1"/>
           <p:nvPr>
             <p:ph type="title"/>
@@ -12740,7 +12726,7 @@
       </p:sp>
       <p:sp>
         <p:nvSpPr>
-          <p:cNvPr id="165" name="Google Shape;165;p25"/>
+          <p:cNvPr id="164" name="Google Shape;164;p25"/>
           <p:cNvSpPr txBox="1"/>
           <p:nvPr/>
         </p:nvSpPr>
@@ -12833,7 +12819,7 @@
   <p:cSld>
     <p:spTree>
       <p:nvGrpSpPr>
-        <p:cNvPr id="169" name="Shape 169"/>
+        <p:cNvPr id="168" name="Shape 168"/>
         <p:cNvGrpSpPr/>
         <p:nvPr/>
       </p:nvGrpSpPr>
@@ -12847,7 +12833,7 @@
       </p:grpSpPr>
       <p:sp>
         <p:nvSpPr>
-          <p:cNvPr id="170" name="Google Shape;170;p26"/>
+          <p:cNvPr id="169" name="Google Shape;169;p26"/>
           <p:cNvSpPr txBox="1"/>
           <p:nvPr/>
         </p:nvSpPr>
@@ -12949,7 +12935,7 @@
       </p:sp>
       <p:sp>
         <p:nvSpPr>
-          <p:cNvPr id="171" name="Google Shape;171;p26"/>
+          <p:cNvPr id="170" name="Google Shape;170;p26"/>
           <p:cNvSpPr txBox="1"/>
           <p:nvPr>
             <p:ph type="title"/>
@@ -12993,7 +12979,7 @@
       </p:sp>
       <p:pic>
         <p:nvPicPr>
-          <p:cNvPr id="172" name="Google Shape;172;p26"/>
+          <p:cNvPr id="171" name="Google Shape;171;p26"/>
           <p:cNvPicPr preferRelativeResize="0"/>
           <p:nvPr/>
         </p:nvPicPr>
@@ -13021,7 +13007,7 @@
       </p:pic>
       <p:sp>
         <p:nvSpPr>
-          <p:cNvPr id="173" name="Google Shape;173;p26"/>
+          <p:cNvPr id="172" name="Google Shape;172;p26"/>
           <p:cNvSpPr txBox="1"/>
           <p:nvPr/>
         </p:nvSpPr>
@@ -13079,7 +13065,7 @@
       </p:sp>
       <p:sp>
         <p:nvSpPr>
-          <p:cNvPr id="174" name="Google Shape;174;p26"/>
+          <p:cNvPr id="173" name="Google Shape;173;p26"/>
           <p:cNvSpPr txBox="1"/>
           <p:nvPr/>
         </p:nvSpPr>
@@ -13148,7 +13134,7 @@
   <p:cSld>
     <p:spTree>
       <p:nvGrpSpPr>
-        <p:cNvPr id="178" name="Shape 178"/>
+        <p:cNvPr id="177" name="Shape 177"/>
         <p:cNvGrpSpPr/>
         <p:nvPr/>
       </p:nvGrpSpPr>
@@ -13162,7 +13148,7 @@
       </p:grpSpPr>
       <p:sp>
         <p:nvSpPr>
-          <p:cNvPr id="179" name="Google Shape;179;p27"/>
+          <p:cNvPr id="178" name="Google Shape;178;p27"/>
           <p:cNvSpPr txBox="1"/>
           <p:nvPr/>
         </p:nvSpPr>
@@ -13220,7 +13206,7 @@
       </p:sp>
       <p:pic>
         <p:nvPicPr>
-          <p:cNvPr id="180" name="Google Shape;180;p27"/>
+          <p:cNvPr id="179" name="Google Shape;179;p27"/>
           <p:cNvPicPr preferRelativeResize="0"/>
           <p:nvPr/>
         </p:nvPicPr>
@@ -13248,7 +13234,7 @@
       </p:pic>
       <p:sp>
         <p:nvSpPr>
-          <p:cNvPr id="181" name="Google Shape;181;p27"/>
+          <p:cNvPr id="180" name="Google Shape;180;p27"/>
           <p:cNvSpPr txBox="1"/>
           <p:nvPr>
             <p:ph type="title"/>
@@ -13303,7 +13289,7 @@
   <p:cSld>
     <p:spTree>
       <p:nvGrpSpPr>
-        <p:cNvPr id="185" name="Shape 185"/>
+        <p:cNvPr id="184" name="Shape 184"/>
         <p:cNvGrpSpPr/>
         <p:nvPr/>
       </p:nvGrpSpPr>
@@ -13317,7 +13303,7 @@
       </p:grpSpPr>
       <p:sp>
         <p:nvSpPr>
-          <p:cNvPr id="186" name="Google Shape;186;p28"/>
+          <p:cNvPr id="185" name="Google Shape;185;p28"/>
           <p:cNvSpPr txBox="1"/>
           <p:nvPr/>
         </p:nvSpPr>
@@ -13375,7 +13361,7 @@
       </p:sp>
       <p:pic>
         <p:nvPicPr>
-          <p:cNvPr id="187" name="Google Shape;187;p28"/>
+          <p:cNvPr id="186" name="Google Shape;186;p28"/>
           <p:cNvPicPr preferRelativeResize="0"/>
           <p:nvPr/>
         </p:nvPicPr>
@@ -13403,7 +13389,7 @@
       </p:pic>
       <p:pic>
         <p:nvPicPr>
-          <p:cNvPr id="188" name="Google Shape;188;p28"/>
+          <p:cNvPr id="187" name="Google Shape;187;p28"/>
           <p:cNvPicPr preferRelativeResize="0"/>
           <p:nvPr/>
         </p:nvPicPr>
@@ -13431,7 +13417,7 @@
       </p:pic>
       <p:sp>
         <p:nvSpPr>
-          <p:cNvPr id="189" name="Google Shape;189;p28"/>
+          <p:cNvPr id="188" name="Google Shape;188;p28"/>
           <p:cNvSpPr txBox="1"/>
           <p:nvPr/>
         </p:nvSpPr>
@@ -13489,7 +13475,7 @@
       </p:sp>
       <p:sp>
         <p:nvSpPr>
-          <p:cNvPr id="190" name="Google Shape;190;p28"/>
+          <p:cNvPr id="189" name="Google Shape;189;p28"/>
           <p:cNvSpPr txBox="1"/>
           <p:nvPr>
             <p:ph type="title"/>
@@ -13544,7 +13530,7 @@
   <p:cSld>
     <p:spTree>
       <p:nvGrpSpPr>
-        <p:cNvPr id="194" name="Shape 194"/>
+        <p:cNvPr id="193" name="Shape 193"/>
         <p:cNvGrpSpPr/>
         <p:nvPr/>
       </p:nvGrpSpPr>
@@ -13558,7 +13544,7 @@
       </p:grpSpPr>
       <p:sp>
         <p:nvSpPr>
-          <p:cNvPr id="195" name="Google Shape;195;p29"/>
+          <p:cNvPr id="194" name="Google Shape;194;p29"/>
           <p:cNvSpPr txBox="1"/>
           <p:nvPr/>
         </p:nvSpPr>
@@ -13616,7 +13602,7 @@
       </p:sp>
       <p:pic>
         <p:nvPicPr>
-          <p:cNvPr id="196" name="Google Shape;196;p29"/>
+          <p:cNvPr id="195" name="Google Shape;195;p29"/>
           <p:cNvPicPr preferRelativeResize="0"/>
           <p:nvPr/>
         </p:nvPicPr>
@@ -13644,7 +13630,7 @@
       </p:pic>
       <p:pic>
         <p:nvPicPr>
-          <p:cNvPr id="197" name="Google Shape;197;p29"/>
+          <p:cNvPr id="196" name="Google Shape;196;p29"/>
           <p:cNvPicPr preferRelativeResize="0"/>
           <p:nvPr/>
         </p:nvPicPr>
@@ -13672,7 +13658,7 @@
       </p:pic>
       <p:sp>
         <p:nvSpPr>
-          <p:cNvPr id="198" name="Google Shape;198;p29"/>
+          <p:cNvPr id="197" name="Google Shape;197;p29"/>
           <p:cNvSpPr txBox="1"/>
           <p:nvPr/>
         </p:nvSpPr>
@@ -13730,7 +13716,7 @@
       </p:sp>
       <p:pic>
         <p:nvPicPr>
-          <p:cNvPr id="199" name="Google Shape;199;p29"/>
+          <p:cNvPr id="198" name="Google Shape;198;p29"/>
           <p:cNvPicPr preferRelativeResize="0"/>
           <p:nvPr/>
         </p:nvPicPr>
@@ -13758,7 +13744,7 @@
       </p:pic>
       <p:sp>
         <p:nvSpPr>
-          <p:cNvPr id="200" name="Google Shape;200;p29"/>
+          <p:cNvPr id="199" name="Google Shape;199;p29"/>
           <p:cNvSpPr txBox="1"/>
           <p:nvPr>
             <p:ph type="title"/>
@@ -13813,7 +13799,7 @@
   <p:cSld>
     <p:spTree>
       <p:nvGrpSpPr>
-        <p:cNvPr id="204" name="Shape 204"/>
+        <p:cNvPr id="203" name="Shape 203"/>
         <p:cNvGrpSpPr/>
         <p:nvPr/>
       </p:nvGrpSpPr>
@@ -13827,7 +13813,7 @@
       </p:grpSpPr>
       <p:sp>
         <p:nvSpPr>
-          <p:cNvPr id="205" name="Google Shape;205;p30"/>
+          <p:cNvPr id="204" name="Google Shape;204;p30"/>
           <p:cNvSpPr txBox="1"/>
           <p:nvPr>
             <p:ph type="title"/>
@@ -13875,7 +13861,7 @@
       </p:sp>
       <p:sp>
         <p:nvSpPr>
-          <p:cNvPr id="206" name="Google Shape;206;p30"/>
+          <p:cNvPr id="205" name="Google Shape;205;p30"/>
           <p:cNvSpPr txBox="1"/>
           <p:nvPr>
             <p:ph idx="1" type="body"/>
@@ -13977,7 +13963,7 @@
       </p:sp>
       <p:pic>
         <p:nvPicPr>
-          <p:cNvPr id="207" name="Google Shape;207;p30"/>
+          <p:cNvPr id="206" name="Google Shape;206;p30"/>
           <p:cNvPicPr preferRelativeResize="0"/>
           <p:nvPr/>
         </p:nvPicPr>
@@ -14016,7 +14002,7 @@
   <p:cSld>
     <p:spTree>
       <p:nvGrpSpPr>
-        <p:cNvPr id="211" name="Shape 211"/>
+        <p:cNvPr id="210" name="Shape 210"/>
         <p:cNvGrpSpPr/>
         <p:nvPr/>
       </p:nvGrpSpPr>
@@ -14030,7 +14016,7 @@
       </p:grpSpPr>
       <p:sp>
         <p:nvSpPr>
-          <p:cNvPr id="212" name="Google Shape;212;p31"/>
+          <p:cNvPr id="211" name="Google Shape;211;p31"/>
           <p:cNvSpPr txBox="1"/>
           <p:nvPr>
             <p:ph type="title"/>
@@ -14078,7 +14064,7 @@
       </p:sp>
       <p:sp>
         <p:nvSpPr>
-          <p:cNvPr id="213" name="Google Shape;213;p31"/>
+          <p:cNvPr id="212" name="Google Shape;212;p31"/>
           <p:cNvSpPr txBox="1"/>
           <p:nvPr>
             <p:ph idx="1" type="body"/>
@@ -14180,7 +14166,7 @@
       </p:sp>
       <p:pic>
         <p:nvPicPr>
-          <p:cNvPr id="214" name="Google Shape;214;p31"/>
+          <p:cNvPr id="213" name="Google Shape;213;p31"/>
           <p:cNvPicPr preferRelativeResize="0"/>
           <p:nvPr/>
         </p:nvPicPr>
@@ -14208,7 +14194,7 @@
       </p:pic>
       <p:sp>
         <p:nvSpPr>
-          <p:cNvPr id="215" name="Google Shape;215;p31"/>
+          <p:cNvPr id="214" name="Google Shape;214;p31"/>
           <p:cNvSpPr txBox="1"/>
           <p:nvPr/>
         </p:nvSpPr>
@@ -14443,7 +14429,7 @@
   <p:cSld>
     <p:spTree>
       <p:nvGrpSpPr>
-        <p:cNvPr id="219" name="Shape 219"/>
+        <p:cNvPr id="218" name="Shape 218"/>
         <p:cNvGrpSpPr/>
         <p:nvPr/>
       </p:nvGrpSpPr>
@@ -14457,7 +14443,7 @@
       </p:grpSpPr>
       <p:sp>
         <p:nvSpPr>
-          <p:cNvPr id="220" name="Google Shape;220;p32"/>
+          <p:cNvPr id="219" name="Google Shape;219;p32"/>
           <p:cNvSpPr txBox="1"/>
           <p:nvPr>
             <p:ph type="title"/>
@@ -14505,7 +14491,7 @@
       </p:sp>
       <p:sp>
         <p:nvSpPr>
-          <p:cNvPr id="221" name="Google Shape;221;p32"/>
+          <p:cNvPr id="220" name="Google Shape;220;p32"/>
           <p:cNvSpPr txBox="1"/>
           <p:nvPr>
             <p:ph idx="1" type="body"/>
@@ -14607,7 +14593,7 @@
       </p:sp>
       <p:pic>
         <p:nvPicPr>
-          <p:cNvPr id="222" name="Google Shape;222;p32"/>
+          <p:cNvPr id="221" name="Google Shape;221;p32"/>
           <p:cNvPicPr preferRelativeResize="0"/>
           <p:nvPr/>
         </p:nvPicPr>
@@ -14635,7 +14621,7 @@
       </p:pic>
       <p:sp>
         <p:nvSpPr>
-          <p:cNvPr id="223" name="Google Shape;223;p32"/>
+          <p:cNvPr id="222" name="Google Shape;222;p32"/>
           <p:cNvSpPr txBox="1"/>
           <p:nvPr/>
         </p:nvSpPr>
@@ -14693,7 +14679,7 @@
       </p:sp>
       <p:sp>
         <p:nvSpPr>
-          <p:cNvPr id="224" name="Google Shape;224;p32"/>
+          <p:cNvPr id="223" name="Google Shape;223;p32"/>
           <p:cNvSpPr/>
           <p:nvPr/>
         </p:nvSpPr>
@@ -14736,7 +14722,7 @@
       </p:sp>
       <p:sp>
         <p:nvSpPr>
-          <p:cNvPr id="225" name="Google Shape;225;p32"/>
+          <p:cNvPr id="224" name="Google Shape;224;p32"/>
           <p:cNvSpPr/>
           <p:nvPr/>
         </p:nvSpPr>
@@ -14779,7 +14765,7 @@
       </p:sp>
       <p:sp>
         <p:nvSpPr>
-          <p:cNvPr id="226" name="Google Shape;226;p32"/>
+          <p:cNvPr id="225" name="Google Shape;225;p32"/>
           <p:cNvSpPr/>
           <p:nvPr/>
         </p:nvSpPr>
@@ -14822,7 +14808,7 @@
       </p:sp>
       <p:sp>
         <p:nvSpPr>
-          <p:cNvPr id="227" name="Google Shape;227;p32"/>
+          <p:cNvPr id="226" name="Google Shape;226;p32"/>
           <p:cNvSpPr/>
           <p:nvPr/>
         </p:nvSpPr>
@@ -14888,7 +14874,7 @@
   <p:cSld>
     <p:spTree>
       <p:nvGrpSpPr>
-        <p:cNvPr id="231" name="Shape 231"/>
+        <p:cNvPr id="230" name="Shape 230"/>
         <p:cNvGrpSpPr/>
         <p:nvPr/>
       </p:nvGrpSpPr>
@@ -14902,7 +14888,7 @@
       </p:grpSpPr>
       <p:sp>
         <p:nvSpPr>
-          <p:cNvPr id="232" name="Google Shape;232;p33"/>
+          <p:cNvPr id="231" name="Google Shape;231;p33"/>
           <p:cNvSpPr txBox="1"/>
           <p:nvPr>
             <p:ph type="title"/>
@@ -14942,7 +14928,7 @@
       </p:sp>
       <p:sp>
         <p:nvSpPr>
-          <p:cNvPr id="233" name="Google Shape;233;p33"/>
+          <p:cNvPr id="232" name="Google Shape;232;p33"/>
           <p:cNvSpPr txBox="1"/>
           <p:nvPr>
             <p:ph idx="1" type="body"/>
@@ -15099,7 +15085,7 @@
       </p:sp>
       <p:graphicFrame>
         <p:nvGraphicFramePr>
-          <p:cNvPr id="234" name="Google Shape;234;p33"/>
+          <p:cNvPr id="233" name="Google Shape;233;p33"/>
           <p:cNvGraphicFramePr/>
           <p:nvPr/>
         </p:nvGraphicFramePr>
@@ -15112,7 +15098,7 @@
             <a:tbl>
               <a:tblPr>
                 <a:noFill/>
-                <a:tableStyleId>{25046B50-B42A-4E8D-87F8-D130027FF7FD}</a:tableStyleId>
+                <a:tableStyleId>{15CEA422-259F-4F7E-8148-CA9F75A001DA}</a:tableStyleId>
               </a:tblPr>
               <a:tblGrid>
                 <a:gridCol w="2971800"/>
@@ -15732,7 +15718,7 @@
   <p:cSld>
     <p:spTree>
       <p:nvGrpSpPr>
-        <p:cNvPr id="238" name="Shape 238"/>
+        <p:cNvPr id="237" name="Shape 237"/>
         <p:cNvGrpSpPr/>
         <p:nvPr/>
       </p:nvGrpSpPr>
@@ -15746,7 +15732,7 @@
       </p:grpSpPr>
       <p:sp>
         <p:nvSpPr>
-          <p:cNvPr id="239" name="Google Shape;239;p34"/>
+          <p:cNvPr id="238" name="Google Shape;238;p34"/>
           <p:cNvSpPr txBox="1"/>
           <p:nvPr>
             <p:ph type="title"/>
@@ -15786,7 +15772,7 @@
       </p:sp>
       <p:sp>
         <p:nvSpPr>
-          <p:cNvPr id="240" name="Google Shape;240;p34"/>
+          <p:cNvPr id="239" name="Google Shape;239;p34"/>
           <p:cNvSpPr txBox="1"/>
           <p:nvPr>
             <p:ph idx="1" type="body"/>
@@ -15894,7 +15880,7 @@
       </p:sp>
       <p:graphicFrame>
         <p:nvGraphicFramePr>
-          <p:cNvPr id="241" name="Google Shape;241;p34"/>
+          <p:cNvPr id="240" name="Google Shape;240;p34"/>
           <p:cNvGraphicFramePr/>
           <p:nvPr/>
         </p:nvGraphicFramePr>
@@ -15907,7 +15893,7 @@
             <a:tbl>
               <a:tblPr>
                 <a:noFill/>
-                <a:tableStyleId>{25046B50-B42A-4E8D-87F8-D130027FF7FD}</a:tableStyleId>
+                <a:tableStyleId>{15CEA422-259F-4F7E-8148-CA9F75A001DA}</a:tableStyleId>
               </a:tblPr>
               <a:tblGrid>
                 <a:gridCol w="1485900"/>
@@ -16526,7 +16512,7 @@
   <p:cSld>
     <p:spTree>
       <p:nvGrpSpPr>
-        <p:cNvPr id="245" name="Shape 245"/>
+        <p:cNvPr id="244" name="Shape 244"/>
         <p:cNvGrpSpPr/>
         <p:nvPr/>
       </p:nvGrpSpPr>
@@ -16540,7 +16526,7 @@
       </p:grpSpPr>
       <p:sp>
         <p:nvSpPr>
-          <p:cNvPr id="246" name="Google Shape;246;p35"/>
+          <p:cNvPr id="245" name="Google Shape;245;p35"/>
           <p:cNvSpPr txBox="1"/>
           <p:nvPr>
             <p:ph type="title"/>
@@ -16580,7 +16566,7 @@
       </p:sp>
       <p:sp>
         <p:nvSpPr>
-          <p:cNvPr id="247" name="Google Shape;247;p35"/>
+          <p:cNvPr id="246" name="Google Shape;246;p35"/>
           <p:cNvSpPr txBox="1"/>
           <p:nvPr>
             <p:ph idx="1" type="body"/>
@@ -16688,7 +16674,7 @@
       </p:sp>
       <p:graphicFrame>
         <p:nvGraphicFramePr>
-          <p:cNvPr id="248" name="Google Shape;248;p35"/>
+          <p:cNvPr id="247" name="Google Shape;247;p35"/>
           <p:cNvGraphicFramePr/>
           <p:nvPr/>
         </p:nvGraphicFramePr>
@@ -16701,7 +16687,7 @@
             <a:tbl>
               <a:tblPr>
                 <a:noFill/>
-                <a:tableStyleId>{25046B50-B42A-4E8D-87F8-D130027FF7FD}</a:tableStyleId>
+                <a:tableStyleId>{15CEA422-259F-4F7E-8148-CA9F75A001DA}</a:tableStyleId>
               </a:tblPr>
               <a:tblGrid>
                 <a:gridCol w="1485900"/>
@@ -17301,7 +17287,7 @@
       </p:graphicFrame>
       <p:sp>
         <p:nvSpPr>
-          <p:cNvPr id="249" name="Google Shape;249;p35"/>
+          <p:cNvPr id="248" name="Google Shape;248;p35"/>
           <p:cNvSpPr/>
           <p:nvPr/>
         </p:nvSpPr>
@@ -17344,7 +17330,7 @@
       </p:sp>
       <p:sp>
         <p:nvSpPr>
-          <p:cNvPr id="250" name="Google Shape;250;p35"/>
+          <p:cNvPr id="249" name="Google Shape;249;p35"/>
           <p:cNvSpPr/>
           <p:nvPr/>
         </p:nvSpPr>
@@ -17387,7 +17373,7 @@
       </p:sp>
       <p:sp>
         <p:nvSpPr>
-          <p:cNvPr id="251" name="Google Shape;251;p35"/>
+          <p:cNvPr id="250" name="Google Shape;250;p35"/>
           <p:cNvSpPr/>
           <p:nvPr/>
         </p:nvSpPr>
@@ -17430,7 +17416,7 @@
       </p:sp>
       <p:sp>
         <p:nvSpPr>
-          <p:cNvPr id="252" name="Google Shape;252;p35"/>
+          <p:cNvPr id="251" name="Google Shape;251;p35"/>
           <p:cNvSpPr/>
           <p:nvPr/>
         </p:nvSpPr>
@@ -17473,7 +17459,7 @@
       </p:sp>
       <p:sp>
         <p:nvSpPr>
-          <p:cNvPr id="253" name="Google Shape;253;p35"/>
+          <p:cNvPr id="252" name="Google Shape;252;p35"/>
           <p:cNvSpPr/>
           <p:nvPr/>
         </p:nvSpPr>
@@ -17516,7 +17502,7 @@
       </p:sp>
       <p:sp>
         <p:nvSpPr>
-          <p:cNvPr id="254" name="Google Shape;254;p35"/>
+          <p:cNvPr id="253" name="Google Shape;253;p35"/>
           <p:cNvSpPr/>
           <p:nvPr/>
         </p:nvSpPr>
@@ -17582,7 +17568,7 @@
   <p:cSld>
     <p:spTree>
       <p:nvGrpSpPr>
-        <p:cNvPr id="258" name="Shape 258"/>
+        <p:cNvPr id="257" name="Shape 257"/>
         <p:cNvGrpSpPr/>
         <p:nvPr/>
       </p:nvGrpSpPr>
@@ -17596,7 +17582,7 @@
       </p:grpSpPr>
       <p:sp>
         <p:nvSpPr>
-          <p:cNvPr id="259" name="Google Shape;259;p36"/>
+          <p:cNvPr id="258" name="Google Shape;258;p36"/>
           <p:cNvSpPr txBox="1"/>
           <p:nvPr>
             <p:ph type="title"/>
@@ -17636,7 +17622,7 @@
       </p:sp>
       <p:sp>
         <p:nvSpPr>
-          <p:cNvPr id="260" name="Google Shape;260;p36"/>
+          <p:cNvPr id="259" name="Google Shape;259;p36"/>
           <p:cNvSpPr txBox="1"/>
           <p:nvPr>
             <p:ph idx="1" type="body"/>
@@ -17744,7 +17730,7 @@
       </p:sp>
       <p:graphicFrame>
         <p:nvGraphicFramePr>
-          <p:cNvPr id="261" name="Google Shape;261;p36"/>
+          <p:cNvPr id="260" name="Google Shape;260;p36"/>
           <p:cNvGraphicFramePr/>
           <p:nvPr/>
         </p:nvGraphicFramePr>
@@ -17757,7 +17743,7 @@
             <a:tbl>
               <a:tblPr>
                 <a:noFill/>
-                <a:tableStyleId>{25046B50-B42A-4E8D-87F8-D130027FF7FD}</a:tableStyleId>
+                <a:tableStyleId>{15CEA422-259F-4F7E-8148-CA9F75A001DA}</a:tableStyleId>
               </a:tblPr>
               <a:tblGrid>
                 <a:gridCol w="1485900"/>
@@ -18357,7 +18343,7 @@
       </p:graphicFrame>
       <p:sp>
         <p:nvSpPr>
-          <p:cNvPr id="262" name="Google Shape;262;p36"/>
+          <p:cNvPr id="261" name="Google Shape;261;p36"/>
           <p:cNvSpPr/>
           <p:nvPr/>
         </p:nvSpPr>
@@ -18400,7 +18386,7 @@
       </p:sp>
       <p:sp>
         <p:nvSpPr>
-          <p:cNvPr id="263" name="Google Shape;263;p36"/>
+          <p:cNvPr id="262" name="Google Shape;262;p36"/>
           <p:cNvSpPr/>
           <p:nvPr/>
         </p:nvSpPr>
@@ -18443,7 +18429,7 @@
       </p:sp>
       <p:sp>
         <p:nvSpPr>
-          <p:cNvPr id="264" name="Google Shape;264;p36"/>
+          <p:cNvPr id="263" name="Google Shape;263;p36"/>
           <p:cNvSpPr/>
           <p:nvPr/>
         </p:nvSpPr>
@@ -18486,7 +18472,7 @@
       </p:sp>
       <p:sp>
         <p:nvSpPr>
-          <p:cNvPr id="265" name="Google Shape;265;p36"/>
+          <p:cNvPr id="264" name="Google Shape;264;p36"/>
           <p:cNvSpPr/>
           <p:nvPr/>
         </p:nvSpPr>
@@ -18529,7 +18515,7 @@
       </p:sp>
       <p:sp>
         <p:nvSpPr>
-          <p:cNvPr id="266" name="Google Shape;266;p36"/>
+          <p:cNvPr id="265" name="Google Shape;265;p36"/>
           <p:cNvSpPr/>
           <p:nvPr/>
         </p:nvSpPr>
@@ -18572,7 +18558,7 @@
       </p:sp>
       <p:sp>
         <p:nvSpPr>
-          <p:cNvPr id="267" name="Google Shape;267;p36"/>
+          <p:cNvPr id="266" name="Google Shape;266;p36"/>
           <p:cNvSpPr/>
           <p:nvPr/>
         </p:nvSpPr>
@@ -18615,7 +18601,7 @@
       </p:sp>
       <p:sp>
         <p:nvSpPr>
-          <p:cNvPr id="268" name="Google Shape;268;p36"/>
+          <p:cNvPr id="267" name="Google Shape;267;p36"/>
           <p:cNvSpPr txBox="1"/>
           <p:nvPr/>
         </p:nvSpPr>
@@ -18698,7 +18684,7 @@
   <p:cSld>
     <p:spTree>
       <p:nvGrpSpPr>
-        <p:cNvPr id="272" name="Shape 272"/>
+        <p:cNvPr id="271" name="Shape 271"/>
         <p:cNvGrpSpPr/>
         <p:nvPr/>
       </p:nvGrpSpPr>
@@ -18712,7 +18698,7 @@
       </p:grpSpPr>
       <p:sp>
         <p:nvSpPr>
-          <p:cNvPr id="273" name="Google Shape;273;p37"/>
+          <p:cNvPr id="272" name="Google Shape;272;p37"/>
           <p:cNvSpPr txBox="1"/>
           <p:nvPr>
             <p:ph type="title"/>
@@ -18752,7 +18738,7 @@
       </p:sp>
       <p:graphicFrame>
         <p:nvGraphicFramePr>
-          <p:cNvPr id="274" name="Google Shape;274;p37"/>
+          <p:cNvPr id="273" name="Google Shape;273;p37"/>
           <p:cNvGraphicFramePr/>
           <p:nvPr/>
         </p:nvGraphicFramePr>
@@ -18765,7 +18751,7 @@
             <a:tbl>
               <a:tblPr>
                 <a:noFill/>
-                <a:tableStyleId>{FC1A4F12-566B-4368-A98D-1E2B01CCDE5D}</a:tableStyleId>
+                <a:tableStyleId>{51D0904B-B90D-4FE4-868D-A69E394BCB53}</a:tableStyleId>
               </a:tblPr>
               <a:tblGrid>
                 <a:gridCol w="2639800"/>
@@ -18946,7 +18932,7 @@
       </p:graphicFrame>
       <p:pic>
         <p:nvPicPr>
-          <p:cNvPr id="275" name="Google Shape;275;p37"/>
+          <p:cNvPr id="274" name="Google Shape;274;p37"/>
           <p:cNvPicPr preferRelativeResize="0"/>
           <p:nvPr/>
         </p:nvPicPr>
@@ -18974,7 +18960,7 @@
       </p:pic>
       <p:pic>
         <p:nvPicPr>
-          <p:cNvPr id="276" name="Google Shape;276;p37"/>
+          <p:cNvPr id="275" name="Google Shape;275;p37"/>
           <p:cNvPicPr preferRelativeResize="0"/>
           <p:nvPr/>
         </p:nvPicPr>
@@ -19002,7 +18988,7 @@
       </p:pic>
       <p:pic>
         <p:nvPicPr>
-          <p:cNvPr id="277" name="Google Shape;277;p37"/>
+          <p:cNvPr id="276" name="Google Shape;276;p37"/>
           <p:cNvPicPr preferRelativeResize="0"/>
           <p:nvPr/>
         </p:nvPicPr>
@@ -19041,7 +19027,7 @@
   <p:cSld>
     <p:spTree>
       <p:nvGrpSpPr>
-        <p:cNvPr id="281" name="Shape 281"/>
+        <p:cNvPr id="280" name="Shape 280"/>
         <p:cNvGrpSpPr/>
         <p:nvPr/>
       </p:nvGrpSpPr>
@@ -19055,7 +19041,7 @@
       </p:grpSpPr>
       <p:sp>
         <p:nvSpPr>
-          <p:cNvPr id="282" name="Google Shape;282;p38"/>
+          <p:cNvPr id="281" name="Google Shape;281;p38"/>
           <p:cNvSpPr txBox="1"/>
           <p:nvPr>
             <p:ph type="title"/>
@@ -19095,7 +19081,7 @@
       </p:sp>
       <p:graphicFrame>
         <p:nvGraphicFramePr>
-          <p:cNvPr id="283" name="Google Shape;283;p38"/>
+          <p:cNvPr id="282" name="Google Shape;282;p38"/>
           <p:cNvGraphicFramePr/>
           <p:nvPr/>
         </p:nvGraphicFramePr>
@@ -19108,7 +19094,7 @@
             <a:tbl>
               <a:tblPr>
                 <a:noFill/>
-                <a:tableStyleId>{FC1A4F12-566B-4368-A98D-1E2B01CCDE5D}</a:tableStyleId>
+                <a:tableStyleId>{51D0904B-B90D-4FE4-868D-A69E394BCB53}</a:tableStyleId>
               </a:tblPr>
               <a:tblGrid>
                 <a:gridCol w="2639800"/>
@@ -19285,7 +19271,7 @@
       </p:graphicFrame>
       <p:pic>
         <p:nvPicPr>
-          <p:cNvPr id="284" name="Google Shape;284;p38"/>
+          <p:cNvPr id="283" name="Google Shape;283;p38"/>
           <p:cNvPicPr preferRelativeResize="0"/>
           <p:nvPr/>
         </p:nvPicPr>
@@ -19313,7 +19299,7 @@
       </p:pic>
       <p:pic>
         <p:nvPicPr>
-          <p:cNvPr id="285" name="Google Shape;285;p38"/>
+          <p:cNvPr id="284" name="Google Shape;284;p38"/>
           <p:cNvPicPr preferRelativeResize="0"/>
           <p:nvPr/>
         </p:nvPicPr>
@@ -19341,7 +19327,7 @@
       </p:pic>
       <p:pic>
         <p:nvPicPr>
-          <p:cNvPr id="286" name="Google Shape;286;p38"/>
+          <p:cNvPr id="285" name="Google Shape;285;p38"/>
           <p:cNvPicPr preferRelativeResize="0"/>
           <p:nvPr/>
         </p:nvPicPr>
@@ -19369,7 +19355,7 @@
       </p:pic>
       <p:sp>
         <p:nvSpPr>
-          <p:cNvPr id="287" name="Google Shape;287;p38"/>
+          <p:cNvPr id="286" name="Google Shape;286;p38"/>
           <p:cNvSpPr/>
           <p:nvPr/>
         </p:nvSpPr>
@@ -19429,7 +19415,7 @@
   <p:cSld>
     <p:spTree>
       <p:nvGrpSpPr>
-        <p:cNvPr id="291" name="Shape 291"/>
+        <p:cNvPr id="290" name="Shape 290"/>
         <p:cNvGrpSpPr/>
         <p:nvPr/>
       </p:nvGrpSpPr>
@@ -19443,7 +19429,7 @@
       </p:grpSpPr>
       <p:sp>
         <p:nvSpPr>
-          <p:cNvPr id="292" name="Google Shape;292;p39"/>
+          <p:cNvPr id="291" name="Google Shape;291;p39"/>
           <p:cNvSpPr txBox="1"/>
           <p:nvPr>
             <p:ph type="title"/>
@@ -19483,7 +19469,7 @@
       </p:sp>
       <p:sp>
         <p:nvSpPr>
-          <p:cNvPr id="293" name="Google Shape;293;p39"/>
+          <p:cNvPr id="292" name="Google Shape;292;p39"/>
           <p:cNvSpPr txBox="1"/>
           <p:nvPr>
             <p:ph idx="1" type="body"/>
@@ -19613,7 +19599,7 @@
       </p:sp>
       <p:pic>
         <p:nvPicPr>
-          <p:cNvPr id="294" name="Google Shape;294;p39"/>
+          <p:cNvPr id="293" name="Google Shape;293;p39"/>
           <p:cNvPicPr preferRelativeResize="0"/>
           <p:nvPr/>
         </p:nvPicPr>
@@ -19647,7 +19633,7 @@
       </p:pic>
       <p:pic>
         <p:nvPicPr>
-          <p:cNvPr id="295" name="Google Shape;295;p39"/>
+          <p:cNvPr id="294" name="Google Shape;294;p39"/>
           <p:cNvPicPr preferRelativeResize="0"/>
           <p:nvPr/>
         </p:nvPicPr>
@@ -19686,7 +19672,7 @@
   <p:cSld>
     <p:spTree>
       <p:nvGrpSpPr>
-        <p:cNvPr id="299" name="Shape 299"/>
+        <p:cNvPr id="298" name="Shape 298"/>
         <p:cNvGrpSpPr/>
         <p:nvPr/>
       </p:nvGrpSpPr>
@@ -19700,7 +19686,7 @@
       </p:grpSpPr>
       <p:sp>
         <p:nvSpPr>
-          <p:cNvPr id="300" name="Google Shape;300;p40"/>
+          <p:cNvPr id="299" name="Google Shape;299;p40"/>
           <p:cNvSpPr txBox="1"/>
           <p:nvPr>
             <p:ph idx="1" type="body"/>
@@ -19764,7 +19750,7 @@
       </p:sp>
       <p:sp>
         <p:nvSpPr>
-          <p:cNvPr id="301" name="Google Shape;301;p40"/>
+          <p:cNvPr id="300" name="Google Shape;300;p40"/>
           <p:cNvSpPr txBox="1"/>
           <p:nvPr>
             <p:ph type="title"/>
@@ -19804,7 +19790,7 @@
       </p:sp>
       <p:pic>
         <p:nvPicPr>
-          <p:cNvPr id="302" name="Google Shape;302;p40"/>
+          <p:cNvPr id="301" name="Google Shape;301;p40"/>
           <p:cNvPicPr preferRelativeResize="0"/>
           <p:nvPr/>
         </p:nvPicPr>
@@ -19832,7 +19818,7 @@
       </p:pic>
       <p:pic>
         <p:nvPicPr>
-          <p:cNvPr id="303" name="Google Shape;303;p40"/>
+          <p:cNvPr id="302" name="Google Shape;302;p40"/>
           <p:cNvPicPr preferRelativeResize="0"/>
           <p:nvPr/>
         </p:nvPicPr>
@@ -19877,7 +19863,7 @@
   <p:cSld>
     <p:spTree>
       <p:nvGrpSpPr>
-        <p:cNvPr id="307" name="Shape 307"/>
+        <p:cNvPr id="306" name="Shape 306"/>
         <p:cNvGrpSpPr/>
         <p:nvPr/>
       </p:nvGrpSpPr>
@@ -19891,7 +19877,7 @@
       </p:grpSpPr>
       <p:sp>
         <p:nvSpPr>
-          <p:cNvPr id="308" name="Google Shape;308;p41"/>
+          <p:cNvPr id="307" name="Google Shape;307;p41"/>
           <p:cNvSpPr txBox="1"/>
           <p:nvPr>
             <p:ph idx="1" type="body"/>
@@ -19963,7 +19949,7 @@
       </p:sp>
       <p:sp>
         <p:nvSpPr>
-          <p:cNvPr id="309" name="Google Shape;309;p41"/>
+          <p:cNvPr id="308" name="Google Shape;308;p41"/>
           <p:cNvSpPr txBox="1"/>
           <p:nvPr>
             <p:ph type="title"/>
@@ -20003,7 +19989,7 @@
       </p:sp>
       <p:pic>
         <p:nvPicPr>
-          <p:cNvPr id="310" name="Google Shape;310;p41"/>
+          <p:cNvPr id="309" name="Google Shape;309;p41"/>
           <p:cNvPicPr preferRelativeResize="0"/>
           <p:nvPr/>
         </p:nvPicPr>
@@ -20031,7 +20017,7 @@
       </p:pic>
       <p:pic>
         <p:nvPicPr>
-          <p:cNvPr id="311" name="Google Shape;311;p41"/>
+          <p:cNvPr id="310" name="Google Shape;310;p41"/>
           <p:cNvPicPr preferRelativeResize="0"/>
           <p:nvPr/>
         </p:nvPicPr>
@@ -20065,7 +20051,7 @@
       </p:pic>
       <p:sp>
         <p:nvSpPr>
-          <p:cNvPr id="312" name="Google Shape;312;p41"/>
+          <p:cNvPr id="311" name="Google Shape;311;p41"/>
           <p:cNvSpPr txBox="1"/>
           <p:nvPr>
             <p:ph idx="1" type="body"/>
@@ -20185,7 +20171,7 @@
       </p:sp>
       <p:pic>
         <p:nvPicPr>
-          <p:cNvPr id="313" name="Google Shape;313;p41"/>
+          <p:cNvPr id="312" name="Google Shape;312;p41"/>
           <p:cNvPicPr preferRelativeResize="0"/>
           <p:nvPr/>
         </p:nvPicPr>
@@ -20213,7 +20199,7 @@
       </p:pic>
       <p:sp>
         <p:nvSpPr>
-          <p:cNvPr id="314" name="Google Shape;314;p41"/>
+          <p:cNvPr id="313" name="Google Shape;313;p41"/>
           <p:cNvSpPr txBox="1"/>
           <p:nvPr/>
         </p:nvSpPr>
@@ -20554,7 +20540,7 @@
   <p:cSld>
     <p:spTree>
       <p:nvGrpSpPr>
-        <p:cNvPr id="318" name="Shape 318"/>
+        <p:cNvPr id="317" name="Shape 317"/>
         <p:cNvGrpSpPr/>
         <p:nvPr/>
       </p:nvGrpSpPr>
@@ -20568,7 +20554,7 @@
       </p:grpSpPr>
       <p:sp>
         <p:nvSpPr>
-          <p:cNvPr id="319" name="Google Shape;319;p42"/>
+          <p:cNvPr id="318" name="Google Shape;318;p42"/>
           <p:cNvSpPr txBox="1"/>
           <p:nvPr>
             <p:ph idx="1" type="body"/>
@@ -20654,7 +20640,7 @@
       </p:sp>
       <p:sp>
         <p:nvSpPr>
-          <p:cNvPr id="320" name="Google Shape;320;p42"/>
+          <p:cNvPr id="319" name="Google Shape;319;p42"/>
           <p:cNvSpPr txBox="1"/>
           <p:nvPr>
             <p:ph type="title"/>
@@ -20698,7 +20684,7 @@
       </p:sp>
       <p:pic>
         <p:nvPicPr>
-          <p:cNvPr id="321" name="Google Shape;321;p42"/>
+          <p:cNvPr id="320" name="Google Shape;320;p42"/>
           <p:cNvPicPr preferRelativeResize="0"/>
           <p:nvPr/>
         </p:nvPicPr>
@@ -20725,7 +20711,7 @@
       </p:pic>
       <p:pic>
         <p:nvPicPr>
-          <p:cNvPr id="322" name="Google Shape;322;p42"/>
+          <p:cNvPr id="321" name="Google Shape;321;p42"/>
           <p:cNvPicPr preferRelativeResize="0"/>
           <p:nvPr/>
         </p:nvPicPr>
@@ -20759,7 +20745,7 @@
       </p:pic>
       <p:sp>
         <p:nvSpPr>
-          <p:cNvPr id="323" name="Google Shape;323;p42"/>
+          <p:cNvPr id="322" name="Google Shape;322;p42"/>
           <p:cNvSpPr txBox="1"/>
           <p:nvPr>
             <p:ph idx="1" type="body"/>
@@ -20809,7 +20795,7 @@
       </p:sp>
       <p:sp>
         <p:nvSpPr>
-          <p:cNvPr id="324" name="Google Shape;324;p42"/>
+          <p:cNvPr id="323" name="Google Shape;323;p42"/>
           <p:cNvSpPr/>
           <p:nvPr/>
         </p:nvSpPr>
@@ -20872,7 +20858,7 @@
   <p:cSld>
     <p:spTree>
       <p:nvGrpSpPr>
-        <p:cNvPr id="328" name="Shape 328"/>
+        <p:cNvPr id="327" name="Shape 327"/>
         <p:cNvGrpSpPr/>
         <p:nvPr/>
       </p:nvGrpSpPr>
@@ -20886,7 +20872,7 @@
       </p:grpSpPr>
       <p:sp>
         <p:nvSpPr>
-          <p:cNvPr id="329" name="Google Shape;329;p43"/>
+          <p:cNvPr id="328" name="Google Shape;328;p43"/>
           <p:cNvSpPr txBox="1"/>
           <p:nvPr>
             <p:ph idx="1" type="body"/>
@@ -20934,7 +20920,7 @@
       </p:sp>
       <p:sp>
         <p:nvSpPr>
-          <p:cNvPr id="330" name="Google Shape;330;p43"/>
+          <p:cNvPr id="329" name="Google Shape;329;p43"/>
           <p:cNvSpPr txBox="1"/>
           <p:nvPr>
             <p:ph type="title"/>
@@ -20978,7 +20964,7 @@
       </p:sp>
       <p:pic>
         <p:nvPicPr>
-          <p:cNvPr id="331" name="Google Shape;331;p43"/>
+          <p:cNvPr id="330" name="Google Shape;330;p43"/>
           <p:cNvPicPr preferRelativeResize="0"/>
           <p:nvPr/>
         </p:nvPicPr>
@@ -21005,7 +20991,7 @@
       </p:pic>
       <p:pic>
         <p:nvPicPr>
-          <p:cNvPr id="332" name="Google Shape;332;p43"/>
+          <p:cNvPr id="331" name="Google Shape;331;p43"/>
           <p:cNvPicPr preferRelativeResize="0"/>
           <p:nvPr/>
         </p:nvPicPr>
@@ -21039,7 +21025,7 @@
       </p:pic>
       <p:sp>
         <p:nvSpPr>
-          <p:cNvPr id="333" name="Google Shape;333;p43"/>
+          <p:cNvPr id="332" name="Google Shape;332;p43"/>
           <p:cNvSpPr/>
           <p:nvPr/>
         </p:nvSpPr>
@@ -21088,7 +21074,7 @@
       </p:sp>
       <p:pic>
         <p:nvPicPr>
-          <p:cNvPr id="334" name="Google Shape;334;p43"/>
+          <p:cNvPr id="333" name="Google Shape;333;p43"/>
           <p:cNvPicPr preferRelativeResize="0"/>
           <p:nvPr/>
         </p:nvPicPr>
@@ -21116,7 +21102,7 @@
       </p:pic>
       <p:sp>
         <p:nvSpPr>
-          <p:cNvPr id="335" name="Google Shape;335;p43"/>
+          <p:cNvPr id="334" name="Google Shape;334;p43"/>
           <p:cNvSpPr/>
           <p:nvPr/>
         </p:nvSpPr>
@@ -21165,7 +21151,7 @@
       </p:sp>
       <p:sp>
         <p:nvSpPr>
-          <p:cNvPr id="336" name="Google Shape;336;p43"/>
+          <p:cNvPr id="335" name="Google Shape;335;p43"/>
           <p:cNvSpPr txBox="1"/>
           <p:nvPr>
             <p:ph idx="1" type="body"/>
@@ -21221,7 +21207,7 @@
       </p:sp>
       <p:sp>
         <p:nvSpPr>
-          <p:cNvPr id="337" name="Google Shape;337;p43"/>
+          <p:cNvPr id="336" name="Google Shape;336;p43"/>
           <p:cNvSpPr txBox="1"/>
           <p:nvPr>
             <p:ph idx="1" type="body"/>
@@ -21300,7 +21286,7 @@
   <p:cSld>
     <p:spTree>
       <p:nvGrpSpPr>
-        <p:cNvPr id="341" name="Shape 341"/>
+        <p:cNvPr id="340" name="Shape 340"/>
         <p:cNvGrpSpPr/>
         <p:nvPr/>
       </p:nvGrpSpPr>
@@ -21314,7 +21300,7 @@
       </p:grpSpPr>
       <p:sp>
         <p:nvSpPr>
-          <p:cNvPr id="342" name="Google Shape;342;p44"/>
+          <p:cNvPr id="341" name="Google Shape;341;p44"/>
           <p:cNvSpPr txBox="1"/>
           <p:nvPr>
             <p:ph type="title"/>
@@ -21354,7 +21340,7 @@
       </p:sp>
       <p:sp>
         <p:nvSpPr>
-          <p:cNvPr id="343" name="Google Shape;343;p44"/>
+          <p:cNvPr id="342" name="Google Shape;342;p44"/>
           <p:cNvSpPr txBox="1"/>
           <p:nvPr>
             <p:ph idx="1" type="body"/>
@@ -21622,7 +21608,7 @@
       </p:sp>
       <p:pic>
         <p:nvPicPr>
-          <p:cNvPr id="344" name="Google Shape;344;p44"/>
+          <p:cNvPr id="343" name="Google Shape;343;p44"/>
           <p:cNvPicPr preferRelativeResize="0"/>
           <p:nvPr/>
         </p:nvPicPr>
@@ -21656,7 +21642,7 @@
       </p:pic>
       <p:sp>
         <p:nvSpPr>
-          <p:cNvPr id="345" name="Google Shape;345;p44"/>
+          <p:cNvPr id="344" name="Google Shape;344;p44"/>
           <p:cNvSpPr/>
           <p:nvPr/>
         </p:nvSpPr>
@@ -21705,7 +21691,7 @@
       </p:sp>
       <p:pic>
         <p:nvPicPr>
-          <p:cNvPr id="346" name="Google Shape;346;p44"/>
+          <p:cNvPr id="345" name="Google Shape;345;p44"/>
           <p:cNvPicPr preferRelativeResize="0"/>
           <p:nvPr/>
         </p:nvPicPr>
@@ -21750,7 +21736,7 @@
   <p:cSld>
     <p:spTree>
       <p:nvGrpSpPr>
-        <p:cNvPr id="350" name="Shape 350"/>
+        <p:cNvPr id="349" name="Shape 349"/>
         <p:cNvGrpSpPr/>
         <p:nvPr/>
       </p:nvGrpSpPr>
@@ -21764,7 +21750,7 @@
       </p:grpSpPr>
       <p:sp>
         <p:nvSpPr>
-          <p:cNvPr id="351" name="Google Shape;351;p45"/>
+          <p:cNvPr id="350" name="Google Shape;350;p45"/>
           <p:cNvSpPr txBox="1"/>
           <p:nvPr>
             <p:ph type="title"/>
@@ -21804,7 +21790,7 @@
       </p:sp>
       <p:sp>
         <p:nvSpPr>
-          <p:cNvPr id="352" name="Google Shape;352;p45"/>
+          <p:cNvPr id="351" name="Google Shape;351;p45"/>
           <p:cNvSpPr txBox="1"/>
           <p:nvPr>
             <p:ph idx="1" type="body"/>
@@ -21884,7 +21870,7 @@
       </p:sp>
       <p:pic>
         <p:nvPicPr>
-          <p:cNvPr id="353" name="Google Shape;353;p45"/>
+          <p:cNvPr id="352" name="Google Shape;352;p45"/>
           <p:cNvPicPr preferRelativeResize="0"/>
           <p:nvPr/>
         </p:nvPicPr>
@@ -21918,7 +21904,7 @@
       </p:pic>
       <p:sp>
         <p:nvSpPr>
-          <p:cNvPr id="354" name="Google Shape;354;p45"/>
+          <p:cNvPr id="353" name="Google Shape;353;p45"/>
           <p:cNvSpPr/>
           <p:nvPr/>
         </p:nvSpPr>
@@ -21967,7 +21953,7 @@
       </p:sp>
       <p:pic>
         <p:nvPicPr>
-          <p:cNvPr id="355" name="Google Shape;355;p45"/>
+          <p:cNvPr id="354" name="Google Shape;354;p45"/>
           <p:cNvPicPr preferRelativeResize="0"/>
           <p:nvPr/>
         </p:nvPicPr>
@@ -22012,7 +21998,7 @@
   <p:cSld>
     <p:spTree>
       <p:nvGrpSpPr>
-        <p:cNvPr id="359" name="Shape 359"/>
+        <p:cNvPr id="358" name="Shape 358"/>
         <p:cNvGrpSpPr/>
         <p:nvPr/>
       </p:nvGrpSpPr>
@@ -22026,7 +22012,7 @@
       </p:grpSpPr>
       <p:pic>
         <p:nvPicPr>
-          <p:cNvPr id="360" name="Google Shape;360;p46"/>
+          <p:cNvPr id="359" name="Google Shape;359;p46"/>
           <p:cNvPicPr preferRelativeResize="0"/>
           <p:nvPr/>
         </p:nvPicPr>
@@ -22054,7 +22040,7 @@
       </p:pic>
       <p:sp>
         <p:nvSpPr>
-          <p:cNvPr id="361" name="Google Shape;361;p46"/>
+          <p:cNvPr id="360" name="Google Shape;360;p46"/>
           <p:cNvSpPr txBox="1"/>
           <p:nvPr/>
         </p:nvSpPr>
@@ -22106,7 +22092,7 @@
       </p:sp>
       <p:sp>
         <p:nvSpPr>
-          <p:cNvPr id="362" name="Google Shape;362;p46"/>
+          <p:cNvPr id="361" name="Google Shape;361;p46"/>
           <p:cNvSpPr txBox="1"/>
           <p:nvPr/>
         </p:nvSpPr>
@@ -22159,7 +22145,7 @@
       </p:sp>
       <p:sp>
         <p:nvSpPr>
-          <p:cNvPr id="363" name="Google Shape;363;p46"/>
+          <p:cNvPr id="362" name="Google Shape;362;p46"/>
           <p:cNvSpPr txBox="1"/>
           <p:nvPr>
             <p:ph idx="1" type="body"/>
@@ -22367,7 +22353,7 @@
       </p:sp>
       <p:sp>
         <p:nvSpPr>
-          <p:cNvPr id="364" name="Google Shape;364;p46"/>
+          <p:cNvPr id="363" name="Google Shape;363;p46"/>
           <p:cNvSpPr txBox="1"/>
           <p:nvPr/>
         </p:nvSpPr>
@@ -22424,7 +22410,7 @@
       </p:sp>
       <p:sp>
         <p:nvSpPr>
-          <p:cNvPr id="365" name="Google Shape;365;p46"/>
+          <p:cNvPr id="364" name="Google Shape;364;p46"/>
           <p:cNvSpPr txBox="1"/>
           <p:nvPr>
             <p:ph type="title"/>
@@ -22479,7 +22465,7 @@
   <p:cSld>
     <p:spTree>
       <p:nvGrpSpPr>
-        <p:cNvPr id="369" name="Shape 369"/>
+        <p:cNvPr id="368" name="Shape 368"/>
         <p:cNvGrpSpPr/>
         <p:nvPr/>
       </p:nvGrpSpPr>
@@ -22493,7 +22479,7 @@
       </p:grpSpPr>
       <p:pic>
         <p:nvPicPr>
-          <p:cNvPr id="370" name="Google Shape;370;p47"/>
+          <p:cNvPr id="369" name="Google Shape;369;p47"/>
           <p:cNvPicPr preferRelativeResize="0"/>
           <p:nvPr/>
         </p:nvPicPr>
@@ -22521,7 +22507,7 @@
       </p:pic>
       <p:sp>
         <p:nvSpPr>
-          <p:cNvPr id="371" name="Google Shape;371;p47"/>
+          <p:cNvPr id="370" name="Google Shape;370;p47"/>
           <p:cNvSpPr txBox="1"/>
           <p:nvPr/>
         </p:nvSpPr>
@@ -22573,7 +22559,7 @@
       </p:sp>
       <p:sp>
         <p:nvSpPr>
-          <p:cNvPr id="372" name="Google Shape;372;p47"/>
+          <p:cNvPr id="371" name="Google Shape;371;p47"/>
           <p:cNvSpPr txBox="1"/>
           <p:nvPr/>
         </p:nvSpPr>
@@ -22626,7 +22612,7 @@
       </p:sp>
       <p:sp>
         <p:nvSpPr>
-          <p:cNvPr id="373" name="Google Shape;373;p47"/>
+          <p:cNvPr id="372" name="Google Shape;372;p47"/>
           <p:cNvSpPr txBox="1"/>
           <p:nvPr>
             <p:ph idx="1" type="body"/>
@@ -22842,7 +22828,7 @@
       </p:sp>
       <p:sp>
         <p:nvSpPr>
-          <p:cNvPr id="374" name="Google Shape;374;p47"/>
+          <p:cNvPr id="373" name="Google Shape;373;p47"/>
           <p:cNvSpPr txBox="1"/>
           <p:nvPr/>
         </p:nvSpPr>
@@ -22899,7 +22885,7 @@
       </p:sp>
       <p:sp>
         <p:nvSpPr>
-          <p:cNvPr id="375" name="Google Shape;375;p47"/>
+          <p:cNvPr id="374" name="Google Shape;374;p47"/>
           <p:cNvSpPr txBox="1"/>
           <p:nvPr>
             <p:ph type="title"/>
@@ -22943,7 +22929,7 @@
       </p:sp>
       <p:sp>
         <p:nvSpPr>
-          <p:cNvPr id="376" name="Google Shape;376;p47"/>
+          <p:cNvPr id="375" name="Google Shape;375;p47"/>
           <p:cNvSpPr/>
           <p:nvPr/>
         </p:nvSpPr>
@@ -22990,7 +22976,7 @@
       </p:sp>
       <p:sp>
         <p:nvSpPr>
-          <p:cNvPr id="377" name="Google Shape;377;p47"/>
+          <p:cNvPr id="376" name="Google Shape;376;p47"/>
           <p:cNvSpPr/>
           <p:nvPr/>
         </p:nvSpPr>
@@ -23033,7 +23019,7 @@
       </p:sp>
       <p:sp>
         <p:nvSpPr>
-          <p:cNvPr id="378" name="Google Shape;378;p47"/>
+          <p:cNvPr id="377" name="Google Shape;377;p47"/>
           <p:cNvSpPr/>
           <p:nvPr/>
         </p:nvSpPr>
@@ -23099,7 +23085,7 @@
   <p:cSld>
     <p:spTree>
       <p:nvGrpSpPr>
-        <p:cNvPr id="382" name="Shape 382"/>
+        <p:cNvPr id="381" name="Shape 381"/>
         <p:cNvGrpSpPr/>
         <p:nvPr/>
       </p:nvGrpSpPr>
@@ -23113,7 +23099,7 @@
       </p:grpSpPr>
       <p:sp>
         <p:nvSpPr>
-          <p:cNvPr id="383" name="Google Shape;383;p48"/>
+          <p:cNvPr id="382" name="Google Shape;382;p48"/>
           <p:cNvSpPr txBox="1"/>
           <p:nvPr>
             <p:ph type="title"/>
@@ -23146,6 +23132,122 @@
             <a:r>
               <a:rPr lang="en"/>
               <a:t>A brief look at oversampling</a:t>
+            </a:r>
+            <a:endParaRPr/>
+          </a:p>
+        </p:txBody>
+      </p:sp>
+      <p:sp>
+        <p:nvSpPr>
+          <p:cNvPr id="383" name="Google Shape;383;p48"/>
+          <p:cNvSpPr txBox="1"/>
+          <p:nvPr>
+            <p:ph idx="1" type="body"/>
+          </p:nvPr>
+        </p:nvSpPr>
+        <p:spPr>
+          <a:xfrm>
+            <a:off x="311700" y="1152475"/>
+            <a:ext cx="3999900" cy="3416400"/>
+          </a:xfrm>
+          <a:prstGeom prst="rect">
+            <a:avLst/>
+          </a:prstGeom>
+        </p:spPr>
+        <p:txBody>
+          <a:bodyPr anchorCtr="0" anchor="t" bIns="91425" lIns="91425" spcFirstLastPara="1" rIns="91425" wrap="square" tIns="91425">
+            <a:normAutofit fontScale="85000" lnSpcReduction="20000"/>
+          </a:bodyPr>
+          <a:lstStyle/>
+          <a:p>
+            <a:pPr indent="0" lvl="0" marL="0" rtl="0" algn="l">
+              <a:spcBef>
+                <a:spcPts val="0"/>
+              </a:spcBef>
+              <a:spcAft>
+                <a:spcPts val="0"/>
+              </a:spcAft>
+              <a:buNone/>
+            </a:pPr>
+            <a:r>
+              <a:rPr lang="en"/>
+              <a:t>T</a:t>
+            </a:r>
+            <a:r>
+              <a:rPr lang="en"/>
+              <a:t>he method of oversampling the minority (or target) class to a 1:1 ratio with the majority class was briefly explored:</a:t>
+            </a:r>
+            <a:endParaRPr/>
+          </a:p>
+          <a:p>
+            <a:pPr indent="457200" lvl="0" marL="0" rtl="0" algn="l">
+              <a:spcBef>
+                <a:spcPts val="1200"/>
+              </a:spcBef>
+              <a:spcAft>
+                <a:spcPts val="0"/>
+              </a:spcAft>
+              <a:buNone/>
+            </a:pPr>
+            <a:r>
+              <a:rPr lang="en"/>
+              <a:t> The classification report for this XGBoost Classifier with oversampling shows a slight improvement over the base model.</a:t>
+            </a:r>
+            <a:endParaRPr/>
+          </a:p>
+          <a:p>
+            <a:pPr indent="457200" lvl="0" marL="0" rtl="0" algn="l">
+              <a:spcBef>
+                <a:spcPts val="1200"/>
+              </a:spcBef>
+              <a:spcAft>
+                <a:spcPts val="0"/>
+              </a:spcAft>
+              <a:buNone/>
+            </a:pPr>
+            <a:r>
+              <a:rPr lang="en"/>
+              <a:t>The improvement seen by this simple oversampling hints that an even better model could be produced with the combination of multiple methods to handle class imbalance.</a:t>
+            </a:r>
+            <a:endParaRPr/>
+          </a:p>
+          <a:p>
+            <a:pPr indent="457200" lvl="0" marL="0" rtl="0" algn="l">
+              <a:spcBef>
+                <a:spcPts val="1200"/>
+              </a:spcBef>
+              <a:spcAft>
+                <a:spcPts val="0"/>
+              </a:spcAft>
+              <a:buNone/>
+            </a:pPr>
+            <a:r>
+              <a:rPr lang="en">
+                <a:solidFill>
+                  <a:schemeClr val="dk1"/>
+                </a:solidFill>
+              </a:rPr>
+              <a:t>The best model would most likely be an XGBClassifier with the use of thresholding and oversampling of the minority class.</a:t>
+            </a:r>
+            <a:endParaRPr>
+              <a:solidFill>
+                <a:schemeClr val="dk1"/>
+              </a:solidFill>
+            </a:endParaRPr>
+          </a:p>
+          <a:p>
+            <a:pPr indent="457200" lvl="0" marL="0" rtl="0" algn="l">
+              <a:spcBef>
+                <a:spcPts val="1200"/>
+              </a:spcBef>
+              <a:spcAft>
+                <a:spcPts val="1200"/>
+              </a:spcAft>
+              <a:buNone/>
+            </a:pPr>
+            <a:r>
+              <a:rPr lang="en"/>
+              <a:t>A balance could also be struck between ‘scale_pos_weight’ and the oversampling in order to reduce the impact of each transformation independently.</a:t>
             </a:r>
             <a:endParaRPr/>
           </a:p>
@@ -23156,122 +23258,6 @@
           <p:cNvPr id="384" name="Google Shape;384;p48"/>
           <p:cNvSpPr txBox="1"/>
           <p:nvPr>
-            <p:ph idx="1" type="body"/>
-          </p:nvPr>
-        </p:nvSpPr>
-        <p:spPr>
-          <a:xfrm>
-            <a:off x="311700" y="1152475"/>
-            <a:ext cx="3999900" cy="3416400"/>
-          </a:xfrm>
-          <a:prstGeom prst="rect">
-            <a:avLst/>
-          </a:prstGeom>
-        </p:spPr>
-        <p:txBody>
-          <a:bodyPr anchorCtr="0" anchor="t" bIns="91425" lIns="91425" spcFirstLastPara="1" rIns="91425" wrap="square" tIns="91425">
-            <a:normAutofit fontScale="85000" lnSpcReduction="20000"/>
-          </a:bodyPr>
-          <a:lstStyle/>
-          <a:p>
-            <a:pPr indent="0" lvl="0" marL="0" rtl="0" algn="l">
-              <a:spcBef>
-                <a:spcPts val="0"/>
-              </a:spcBef>
-              <a:spcAft>
-                <a:spcPts val="0"/>
-              </a:spcAft>
-              <a:buNone/>
-            </a:pPr>
-            <a:r>
-              <a:rPr lang="en"/>
-              <a:t>T</a:t>
-            </a:r>
-            <a:r>
-              <a:rPr lang="en"/>
-              <a:t>he method of oversampling the minority (or target) class to a 1:1 ratio with the majority class was briefly explored:</a:t>
-            </a:r>
-            <a:endParaRPr/>
-          </a:p>
-          <a:p>
-            <a:pPr indent="457200" lvl="0" marL="0" rtl="0" algn="l">
-              <a:spcBef>
-                <a:spcPts val="1200"/>
-              </a:spcBef>
-              <a:spcAft>
-                <a:spcPts val="0"/>
-              </a:spcAft>
-              <a:buNone/>
-            </a:pPr>
-            <a:r>
-              <a:rPr lang="en"/>
-              <a:t> The classification report for this XGBoost Classifier with oversampling shows a slight improvement over the base model.</a:t>
-            </a:r>
-            <a:endParaRPr/>
-          </a:p>
-          <a:p>
-            <a:pPr indent="457200" lvl="0" marL="0" rtl="0" algn="l">
-              <a:spcBef>
-                <a:spcPts val="1200"/>
-              </a:spcBef>
-              <a:spcAft>
-                <a:spcPts val="0"/>
-              </a:spcAft>
-              <a:buNone/>
-            </a:pPr>
-            <a:r>
-              <a:rPr lang="en"/>
-              <a:t>The improvement seen by this simple oversampling hints that an even better model could be produced with the combination of multiple methods to handle class imbalance.</a:t>
-            </a:r>
-            <a:endParaRPr/>
-          </a:p>
-          <a:p>
-            <a:pPr indent="457200" lvl="0" marL="0" rtl="0" algn="l">
-              <a:spcBef>
-                <a:spcPts val="1200"/>
-              </a:spcBef>
-              <a:spcAft>
-                <a:spcPts val="0"/>
-              </a:spcAft>
-              <a:buNone/>
-            </a:pPr>
-            <a:r>
-              <a:rPr lang="en">
-                <a:solidFill>
-                  <a:schemeClr val="dk1"/>
-                </a:solidFill>
-              </a:rPr>
-              <a:t>The best model would most likely be an XGBClassifier with the use of thresholding and oversampling of the minority class.</a:t>
-            </a:r>
-            <a:endParaRPr>
-              <a:solidFill>
-                <a:schemeClr val="dk1"/>
-              </a:solidFill>
-            </a:endParaRPr>
-          </a:p>
-          <a:p>
-            <a:pPr indent="457200" lvl="0" marL="0" rtl="0" algn="l">
-              <a:spcBef>
-                <a:spcPts val="1200"/>
-              </a:spcBef>
-              <a:spcAft>
-                <a:spcPts val="1200"/>
-              </a:spcAft>
-              <a:buNone/>
-            </a:pPr>
-            <a:r>
-              <a:rPr lang="en"/>
-              <a:t>A balance could also be struck between ‘scale_pos_weight’ and the oversampling in order to reduce the impact of each transformation independently.</a:t>
-            </a:r>
-            <a:endParaRPr/>
-          </a:p>
-        </p:txBody>
-      </p:sp>
-      <p:sp>
-        <p:nvSpPr>
-          <p:cNvPr id="385" name="Google Shape;385;p48"/>
-          <p:cNvSpPr txBox="1"/>
-          <p:nvPr>
             <p:ph idx="2" type="body"/>
           </p:nvPr>
         </p:nvSpPr>
@@ -23309,7 +23295,7 @@
       </p:sp>
       <p:pic>
         <p:nvPicPr>
-          <p:cNvPr id="386" name="Google Shape;386;p48"/>
+          <p:cNvPr id="385" name="Google Shape;385;p48"/>
           <p:cNvPicPr preferRelativeResize="0"/>
           <p:nvPr/>
         </p:nvPicPr>
@@ -23343,7 +23329,7 @@
       </p:pic>
       <p:pic>
         <p:nvPicPr>
-          <p:cNvPr id="387" name="Google Shape;387;p48"/>
+          <p:cNvPr id="386" name="Google Shape;386;p48"/>
           <p:cNvPicPr preferRelativeResize="0"/>
           <p:nvPr/>
         </p:nvPicPr>
@@ -23377,7 +23363,7 @@
       </p:pic>
       <p:sp>
         <p:nvSpPr>
-          <p:cNvPr id="388" name="Google Shape;388;p48"/>
+          <p:cNvPr id="387" name="Google Shape;387;p48"/>
           <p:cNvSpPr txBox="1"/>
           <p:nvPr>
             <p:ph idx="2" type="body"/>
@@ -23417,7 +23403,7 @@
       </p:sp>
       <p:sp>
         <p:nvSpPr>
-          <p:cNvPr id="389" name="Google Shape;389;p48"/>
+          <p:cNvPr id="388" name="Google Shape;388;p48"/>
           <p:cNvSpPr/>
           <p:nvPr/>
         </p:nvSpPr>
@@ -23466,7 +23452,7 @@
       </p:sp>
       <p:sp>
         <p:nvSpPr>
-          <p:cNvPr id="390" name="Google Shape;390;p48"/>
+          <p:cNvPr id="389" name="Google Shape;389;p48"/>
           <p:cNvSpPr/>
           <p:nvPr/>
         </p:nvSpPr>
@@ -23515,7 +23501,7 @@
       </p:sp>
       <p:sp>
         <p:nvSpPr>
-          <p:cNvPr id="391" name="Google Shape;391;p48"/>
+          <p:cNvPr id="390" name="Google Shape;390;p48"/>
           <p:cNvSpPr txBox="1"/>
           <p:nvPr>
             <p:ph idx="2" type="body"/>
@@ -23578,7 +23564,7 @@
   <p:cSld>
     <p:spTree>
       <p:nvGrpSpPr>
-        <p:cNvPr id="395" name="Shape 395"/>
+        <p:cNvPr id="394" name="Shape 394"/>
         <p:cNvGrpSpPr/>
         <p:nvPr/>
       </p:nvGrpSpPr>
@@ -23592,7 +23578,7 @@
       </p:grpSpPr>
       <p:sp>
         <p:nvSpPr>
-          <p:cNvPr id="396" name="Google Shape;396;p49"/>
+          <p:cNvPr id="395" name="Google Shape;395;p49"/>
           <p:cNvSpPr txBox="1"/>
           <p:nvPr>
             <p:ph idx="1" type="body"/>
@@ -23665,7 +23651,7 @@
       </p:sp>
       <p:sp>
         <p:nvSpPr>
-          <p:cNvPr id="397" name="Google Shape;397;p49"/>
+          <p:cNvPr id="396" name="Google Shape;396;p49"/>
           <p:cNvSpPr txBox="1"/>
           <p:nvPr>
             <p:ph type="title"/>
@@ -25351,6 +25337,285 @@
 </file>
 
 <file path=ppt/theme/theme1.xml><?xml version="1.0" encoding="utf-8"?>
+<a:theme xmlns:a="http://schemas.openxmlformats.org/drawingml/2006/main" xmlns:r="http://schemas.openxmlformats.org/officeDocument/2006/relationships">
+  <a:themeElements>
+    <a:clrScheme name="Default">
+      <a:dk1>
+        <a:srgbClr val="000000"/>
+      </a:dk1>
+      <a:lt1>
+        <a:srgbClr val="FFFFFF"/>
+      </a:lt1>
+      <a:dk2>
+        <a:srgbClr val="158158"/>
+      </a:dk2>
+      <a:lt2>
+        <a:srgbClr val="F3F3F3"/>
+      </a:lt2>
+      <a:accent1>
+        <a:srgbClr val="058DC7"/>
+      </a:accent1>
+      <a:accent2>
+        <a:srgbClr val="50B432"/>
+      </a:accent2>
+      <a:accent3>
+        <a:srgbClr val="ED561B"/>
+      </a:accent3>
+      <a:accent4>
+        <a:srgbClr val="EDEF00"/>
+      </a:accent4>
+      <a:accent5>
+        <a:srgbClr val="24CBE5"/>
+      </a:accent5>
+      <a:accent6>
+        <a:srgbClr val="64E572"/>
+      </a:accent6>
+      <a:hlink>
+        <a:srgbClr val="2200CC"/>
+      </a:hlink>
+      <a:folHlink>
+        <a:srgbClr val="551A8B"/>
+      </a:folHlink>
+    </a:clrScheme>
+    <a:fontScheme name="Office">
+      <a:majorFont>
+        <a:latin typeface="Arial"/>
+        <a:ea typeface=""/>
+        <a:cs typeface=""/>
+        <a:font script="Jpan" typeface="ＭＳ Ｐゴシック"/>
+        <a:font script="Hang" typeface="맑은 고딕"/>
+        <a:font script="Hans" typeface="宋体"/>
+        <a:font script="Hant" typeface="新細明體"/>
+        <a:font script="Arab" typeface="Times New Roman"/>
+        <a:font script="Hebr" typeface="Times New Roman"/>
+        <a:font script="Thai" typeface="Angsana New"/>
+        <a:font script="Ethi" typeface="Nyala"/>
+        <a:font script="Beng" typeface="Vrinda"/>
+        <a:font script="Gujr" typeface="Shruti"/>
+        <a:font script="Khmr" typeface="MoolBoran"/>
+        <a:font script="Knda" typeface="Tunga"/>
+        <a:font script="Guru" typeface="Raavi"/>
+        <a:font script="Cans" typeface="Euphemia"/>
+        <a:font script="Cher" typeface="Plantagenet Cherokee"/>
+        <a:font script="Yiii" typeface="Microsoft Yi Baiti"/>
+        <a:font script="Tibt" typeface="Microsoft Himalaya"/>
+        <a:font script="Thaa" typeface="MV Boli"/>
+        <a:font script="Deva" typeface="Mangal"/>
+        <a:font script="Telu" typeface="Gautami"/>
+        <a:font script="Taml" typeface="Latha"/>
+        <a:font script="Syrc" typeface="Estrangelo Edessa"/>
+        <a:font script="Orya" typeface="Kalinga"/>
+        <a:font script="Mlym" typeface="Kartika"/>
+        <a:font script="Laoo" typeface="DokChampa"/>
+        <a:font script="Sinh" typeface="Iskoola Pota"/>
+        <a:font script="Mong" typeface="Mongolian Baiti"/>
+        <a:font script="Viet" typeface="Times New Roman"/>
+        <a:font script="Uigh" typeface="Microsoft Uighur"/>
+        <a:font script="Geor" typeface="Sylfaen"/>
+      </a:majorFont>
+      <a:minorFont>
+        <a:latin typeface="Arial"/>
+        <a:ea typeface=""/>
+        <a:cs typeface=""/>
+        <a:font script="Jpan" typeface="ＭＳ Ｐゴシック"/>
+        <a:font script="Hang" typeface="맑은 고딕"/>
+        <a:font script="Hans" typeface="宋体"/>
+        <a:font script="Hant" typeface="新細明體"/>
+        <a:font script="Arab" typeface="Arial"/>
+        <a:font script="Hebr" typeface="Arial"/>
+        <a:font script="Thai" typeface="Cordia New"/>
+        <a:font script="Ethi" typeface="Nyala"/>
+        <a:font script="Beng" typeface="Vrinda"/>
+        <a:font script="Gujr" typeface="Shruti"/>
+        <a:font script="Khmr" typeface="DaunPenh"/>
+        <a:font script="Knda" typeface="Tunga"/>
+        <a:font script="Guru" typeface="Raavi"/>
+        <a:font script="Cans" typeface="Euphemia"/>
+        <a:font script="Cher" typeface="Plantagenet Cherokee"/>
+        <a:font script="Yiii" typeface="Microsoft Yi Baiti"/>
+        <a:font script="Tibt" typeface="Microsoft Himalaya"/>
+        <a:font script="Thaa" typeface="MV Boli"/>
+        <a:font script="Deva" typeface="Mangal"/>
+        <a:font script="Telu" typeface="Gautami"/>
+        <a:font script="Taml" typeface="Latha"/>
+        <a:font script="Syrc" typeface="Estrangelo Edessa"/>
+        <a:font script="Orya" typeface="Kalinga"/>
+        <a:font script="Mlym" typeface="Kartika"/>
+        <a:font script="Laoo" typeface="DokChampa"/>
+        <a:font script="Sinh" typeface="Iskoola Pota"/>
+        <a:font script="Mong" typeface="Mongolian Baiti"/>
+        <a:font script="Viet" typeface="Arial"/>
+        <a:font script="Uigh" typeface="Microsoft Uighur"/>
+        <a:font script="Geor" typeface="Sylfaen"/>
+      </a:minorFont>
+    </a:fontScheme>
+    <a:fmtScheme name="Office">
+      <a:fillStyleLst>
+        <a:solidFill>
+          <a:schemeClr val="phClr"/>
+        </a:solidFill>
+        <a:gradFill rotWithShape="1">
+          <a:gsLst>
+            <a:gs pos="0">
+              <a:schemeClr val="phClr">
+                <a:tint val="50000"/>
+                <a:satMod val="300000"/>
+              </a:schemeClr>
+            </a:gs>
+            <a:gs pos="35000">
+              <a:schemeClr val="phClr">
+                <a:tint val="37000"/>
+                <a:satMod val="300000"/>
+              </a:schemeClr>
+            </a:gs>
+            <a:gs pos="100000">
+              <a:schemeClr val="phClr">
+                <a:tint val="15000"/>
+                <a:satMod val="350000"/>
+              </a:schemeClr>
+            </a:gs>
+          </a:gsLst>
+          <a:lin ang="16200000" scaled="1"/>
+        </a:gradFill>
+        <a:gradFill rotWithShape="1">
+          <a:gsLst>
+            <a:gs pos="0">
+              <a:schemeClr val="phClr">
+                <a:tint val="100000"/>
+                <a:shade val="100000"/>
+                <a:satMod val="130000"/>
+              </a:schemeClr>
+            </a:gs>
+            <a:gs pos="100000">
+              <a:schemeClr val="phClr">
+                <a:tint val="50000"/>
+                <a:shade val="100000"/>
+                <a:satMod val="350000"/>
+              </a:schemeClr>
+            </a:gs>
+          </a:gsLst>
+          <a:lin ang="16200000" scaled="0"/>
+        </a:gradFill>
+      </a:fillStyleLst>
+      <a:lnStyleLst>
+        <a:ln w="9525" cap="flat" cmpd="sng" algn="ctr">
+          <a:solidFill>
+            <a:schemeClr val="phClr">
+              <a:shade val="95000"/>
+              <a:satMod val="105000"/>
+            </a:schemeClr>
+          </a:solidFill>
+          <a:prstDash val="solid"/>
+        </a:ln>
+        <a:ln w="25400" cap="flat" cmpd="sng" algn="ctr">
+          <a:solidFill>
+            <a:schemeClr val="phClr"/>
+          </a:solidFill>
+          <a:prstDash val="solid"/>
+        </a:ln>
+        <a:ln w="38100" cap="flat" cmpd="sng" algn="ctr">
+          <a:solidFill>
+            <a:schemeClr val="phClr"/>
+          </a:solidFill>
+          <a:prstDash val="solid"/>
+        </a:ln>
+      </a:lnStyleLst>
+      <a:effectStyleLst>
+        <a:effectStyle>
+          <a:effectLst>
+            <a:outerShdw blurRad="40000" dist="20000" dir="5400000" rotWithShape="0">
+              <a:srgbClr val="000000">
+                <a:alpha val="38000"/>
+              </a:srgbClr>
+            </a:outerShdw>
+          </a:effectLst>
+        </a:effectStyle>
+        <a:effectStyle>
+          <a:effectLst>
+            <a:outerShdw blurRad="40000" dist="23000" dir="5400000" rotWithShape="0">
+              <a:srgbClr val="000000">
+                <a:alpha val="35000"/>
+              </a:srgbClr>
+            </a:outerShdw>
+          </a:effectLst>
+        </a:effectStyle>
+        <a:effectStyle>
+          <a:effectLst>
+            <a:outerShdw blurRad="40000" dist="23000" dir="5400000" rotWithShape="0">
+              <a:srgbClr val="000000">
+                <a:alpha val="35000"/>
+              </a:srgbClr>
+            </a:outerShdw>
+          </a:effectLst>
+          <a:scene3d>
+            <a:camera prst="orthographicFront">
+              <a:rot lat="0" lon="0" rev="0"/>
+            </a:camera>
+            <a:lightRig rig="threePt" dir="t">
+              <a:rot lat="0" lon="0" rev="1200000"/>
+            </a:lightRig>
+          </a:scene3d>
+          <a:sp3d>
+            <a:bevelT w="63500" h="25400"/>
+          </a:sp3d>
+        </a:effectStyle>
+      </a:effectStyleLst>
+      <a:bgFillStyleLst>
+        <a:solidFill>
+          <a:schemeClr val="phClr"/>
+        </a:solidFill>
+        <a:gradFill rotWithShape="1">
+          <a:gsLst>
+            <a:gs pos="0">
+              <a:schemeClr val="phClr">
+                <a:tint val="40000"/>
+                <a:satMod val="350000"/>
+              </a:schemeClr>
+            </a:gs>
+            <a:gs pos="40000">
+              <a:schemeClr val="phClr">
+                <a:tint val="45000"/>
+                <a:shade val="99000"/>
+                <a:satMod val="350000"/>
+              </a:schemeClr>
+            </a:gs>
+            <a:gs pos="100000">
+              <a:schemeClr val="phClr">
+                <a:shade val="20000"/>
+                <a:satMod val="255000"/>
+              </a:schemeClr>
+            </a:gs>
+          </a:gsLst>
+          <a:path path="circle">
+            <a:fillToRect l="50000" t="-80000" r="50000" b="180000"/>
+          </a:path>
+        </a:gradFill>
+        <a:gradFill rotWithShape="1">
+          <a:gsLst>
+            <a:gs pos="0">
+              <a:schemeClr val="phClr">
+                <a:tint val="80000"/>
+                <a:satMod val="300000"/>
+              </a:schemeClr>
+            </a:gs>
+            <a:gs pos="100000">
+              <a:schemeClr val="phClr">
+                <a:shade val="30000"/>
+                <a:satMod val="200000"/>
+              </a:schemeClr>
+            </a:gs>
+          </a:gsLst>
+          <a:path path="circle">
+            <a:fillToRect l="50000" t="50000" r="50000" b="50000"/>
+          </a:path>
+        </a:gradFill>
+      </a:bgFillStyleLst>
+    </a:fmtScheme>
+  </a:themeElements>
+</a:theme>
+</file>
+
+<file path=ppt/theme/theme2.xml><?xml version="1.0" encoding="utf-8"?>
 <a:theme xmlns:a="http://schemas.openxmlformats.org/drawingml/2006/main" xmlns:r="http://schemas.openxmlformats.org/officeDocument/2006/relationships" name="Slate">
   <a:themeElements>
     <a:clrScheme name="Slate">
@@ -25627,283 +25892,4 @@
     </a:fmtScheme>
   </a:themeElements>
 </a:theme>
-</file>
-
-<file path=ppt/theme/theme2.xml><?xml version="1.0" encoding="utf-8"?>
-<a:theme xmlns:a="http://schemas.openxmlformats.org/drawingml/2006/main" xmlns:r="http://schemas.openxmlformats.org/officeDocument/2006/relationships">
-  <a:themeElements>
-    <a:clrScheme name="Default">
-      <a:dk1>
-        <a:srgbClr val="000000"/>
-      </a:dk1>
-      <a:lt1>
-        <a:srgbClr val="FFFFFF"/>
-      </a:lt1>
-      <a:dk2>
-        <a:srgbClr val="158158"/>
-      </a:dk2>
-      <a:lt2>
-        <a:srgbClr val="F3F3F3"/>
-      </a:lt2>
-      <a:accent1>
-        <a:srgbClr val="058DC7"/>
-      </a:accent1>
-      <a:accent2>
-        <a:srgbClr val="50B432"/>
-      </a:accent2>
-      <a:accent3>
-        <a:srgbClr val="ED561B"/>
-      </a:accent3>
-      <a:accent4>
-        <a:srgbClr val="EDEF00"/>
-      </a:accent4>
-      <a:accent5>
-        <a:srgbClr val="24CBE5"/>
-      </a:accent5>
-      <a:accent6>
-        <a:srgbClr val="64E572"/>
-      </a:accent6>
-      <a:hlink>
-        <a:srgbClr val="2200CC"/>
-      </a:hlink>
-      <a:folHlink>
-        <a:srgbClr val="551A8B"/>
-      </a:folHlink>
-    </a:clrScheme>
-    <a:fontScheme name="Office">
-      <a:majorFont>
-        <a:latin typeface="Arial"/>
-        <a:ea typeface=""/>
-        <a:cs typeface=""/>
-        <a:font script="Jpan" typeface="ＭＳ Ｐゴシック"/>
-        <a:font script="Hang" typeface="맑은 고딕"/>
-        <a:font script="Hans" typeface="宋体"/>
-        <a:font script="Hant" typeface="新細明體"/>
-        <a:font script="Arab" typeface="Times New Roman"/>
-        <a:font script="Hebr" typeface="Times New Roman"/>
-        <a:font script="Thai" typeface="Angsana New"/>
-        <a:font script="Ethi" typeface="Nyala"/>
-        <a:font script="Beng" typeface="Vrinda"/>
-        <a:font script="Gujr" typeface="Shruti"/>
-        <a:font script="Khmr" typeface="MoolBoran"/>
-        <a:font script="Knda" typeface="Tunga"/>
-        <a:font script="Guru" typeface="Raavi"/>
-        <a:font script="Cans" typeface="Euphemia"/>
-        <a:font script="Cher" typeface="Plantagenet Cherokee"/>
-        <a:font script="Yiii" typeface="Microsoft Yi Baiti"/>
-        <a:font script="Tibt" typeface="Microsoft Himalaya"/>
-        <a:font script="Thaa" typeface="MV Boli"/>
-        <a:font script="Deva" typeface="Mangal"/>
-        <a:font script="Telu" typeface="Gautami"/>
-        <a:font script="Taml" typeface="Latha"/>
-        <a:font script="Syrc" typeface="Estrangelo Edessa"/>
-        <a:font script="Orya" typeface="Kalinga"/>
-        <a:font script="Mlym" typeface="Kartika"/>
-        <a:font script="Laoo" typeface="DokChampa"/>
-        <a:font script="Sinh" typeface="Iskoola Pota"/>
-        <a:font script="Mong" typeface="Mongolian Baiti"/>
-        <a:font script="Viet" typeface="Times New Roman"/>
-        <a:font script="Uigh" typeface="Microsoft Uighur"/>
-        <a:font script="Geor" typeface="Sylfaen"/>
-      </a:majorFont>
-      <a:minorFont>
-        <a:latin typeface="Arial"/>
-        <a:ea typeface=""/>
-        <a:cs typeface=""/>
-        <a:font script="Jpan" typeface="ＭＳ Ｐゴシック"/>
-        <a:font script="Hang" typeface="맑은 고딕"/>
-        <a:font script="Hans" typeface="宋体"/>
-        <a:font script="Hant" typeface="新細明體"/>
-        <a:font script="Arab" typeface="Arial"/>
-        <a:font script="Hebr" typeface="Arial"/>
-        <a:font script="Thai" typeface="Cordia New"/>
-        <a:font script="Ethi" typeface="Nyala"/>
-        <a:font script="Beng" typeface="Vrinda"/>
-        <a:font script="Gujr" typeface="Shruti"/>
-        <a:font script="Khmr" typeface="DaunPenh"/>
-        <a:font script="Knda" typeface="Tunga"/>
-        <a:font script="Guru" typeface="Raavi"/>
-        <a:font script="Cans" typeface="Euphemia"/>
-        <a:font script="Cher" typeface="Plantagenet Cherokee"/>
-        <a:font script="Yiii" typeface="Microsoft Yi Baiti"/>
-        <a:font script="Tibt" typeface="Microsoft Himalaya"/>
-        <a:font script="Thaa" typeface="MV Boli"/>
-        <a:font script="Deva" typeface="Mangal"/>
-        <a:font script="Telu" typeface="Gautami"/>
-        <a:font script="Taml" typeface="Latha"/>
-        <a:font script="Syrc" typeface="Estrangelo Edessa"/>
-        <a:font script="Orya" typeface="Kalinga"/>
-        <a:font script="Mlym" typeface="Kartika"/>
-        <a:font script="Laoo" typeface="DokChampa"/>
-        <a:font script="Sinh" typeface="Iskoola Pota"/>
-        <a:font script="Mong" typeface="Mongolian Baiti"/>
-        <a:font script="Viet" typeface="Arial"/>
-        <a:font script="Uigh" typeface="Microsoft Uighur"/>
-        <a:font script="Geor" typeface="Sylfaen"/>
-      </a:minorFont>
-    </a:fontScheme>
-    <a:fmtScheme name="Office">
-      <a:fillStyleLst>
-        <a:solidFill>
-          <a:schemeClr val="phClr"/>
-        </a:solidFill>
-        <a:gradFill rotWithShape="1">
-          <a:gsLst>
-            <a:gs pos="0">
-              <a:schemeClr val="phClr">
-                <a:tint val="50000"/>
-                <a:satMod val="300000"/>
-              </a:schemeClr>
-            </a:gs>
-            <a:gs pos="35000">
-              <a:schemeClr val="phClr">
-                <a:tint val="37000"/>
-                <a:satMod val="300000"/>
-              </a:schemeClr>
-            </a:gs>
-            <a:gs pos="100000">
-              <a:schemeClr val="phClr">
-                <a:tint val="15000"/>
-                <a:satMod val="350000"/>
-              </a:schemeClr>
-            </a:gs>
-          </a:gsLst>
-          <a:lin ang="16200000" scaled="1"/>
-        </a:gradFill>
-        <a:gradFill rotWithShape="1">
-          <a:gsLst>
-            <a:gs pos="0">
-              <a:schemeClr val="phClr">
-                <a:tint val="100000"/>
-                <a:shade val="100000"/>
-                <a:satMod val="130000"/>
-              </a:schemeClr>
-            </a:gs>
-            <a:gs pos="100000">
-              <a:schemeClr val="phClr">
-                <a:tint val="50000"/>
-                <a:shade val="100000"/>
-                <a:satMod val="350000"/>
-              </a:schemeClr>
-            </a:gs>
-          </a:gsLst>
-          <a:lin ang="16200000" scaled="0"/>
-        </a:gradFill>
-      </a:fillStyleLst>
-      <a:lnStyleLst>
-        <a:ln w="9525" cap="flat" cmpd="sng" algn="ctr">
-          <a:solidFill>
-            <a:schemeClr val="phClr">
-              <a:shade val="95000"/>
-              <a:satMod val="105000"/>
-            </a:schemeClr>
-          </a:solidFill>
-          <a:prstDash val="solid"/>
-        </a:ln>
-        <a:ln w="25400" cap="flat" cmpd="sng" algn="ctr">
-          <a:solidFill>
-            <a:schemeClr val="phClr"/>
-          </a:solidFill>
-          <a:prstDash val="solid"/>
-        </a:ln>
-        <a:ln w="38100" cap="flat" cmpd="sng" algn="ctr">
-          <a:solidFill>
-            <a:schemeClr val="phClr"/>
-          </a:solidFill>
-          <a:prstDash val="solid"/>
-        </a:ln>
-      </a:lnStyleLst>
-      <a:effectStyleLst>
-        <a:effectStyle>
-          <a:effectLst>
-            <a:outerShdw blurRad="40000" dist="20000" dir="5400000" rotWithShape="0">
-              <a:srgbClr val="000000">
-                <a:alpha val="38000"/>
-              </a:srgbClr>
-            </a:outerShdw>
-          </a:effectLst>
-        </a:effectStyle>
-        <a:effectStyle>
-          <a:effectLst>
-            <a:outerShdw blurRad="40000" dist="23000" dir="5400000" rotWithShape="0">
-              <a:srgbClr val="000000">
-                <a:alpha val="35000"/>
-              </a:srgbClr>
-            </a:outerShdw>
-          </a:effectLst>
-        </a:effectStyle>
-        <a:effectStyle>
-          <a:effectLst>
-            <a:outerShdw blurRad="40000" dist="23000" dir="5400000" rotWithShape="0">
-              <a:srgbClr val="000000">
-                <a:alpha val="35000"/>
-              </a:srgbClr>
-            </a:outerShdw>
-          </a:effectLst>
-          <a:scene3d>
-            <a:camera prst="orthographicFront">
-              <a:rot lat="0" lon="0" rev="0"/>
-            </a:camera>
-            <a:lightRig rig="threePt" dir="t">
-              <a:rot lat="0" lon="0" rev="1200000"/>
-            </a:lightRig>
-          </a:scene3d>
-          <a:sp3d>
-            <a:bevelT w="63500" h="25400"/>
-          </a:sp3d>
-        </a:effectStyle>
-      </a:effectStyleLst>
-      <a:bgFillStyleLst>
-        <a:solidFill>
-          <a:schemeClr val="phClr"/>
-        </a:solidFill>
-        <a:gradFill rotWithShape="1">
-          <a:gsLst>
-            <a:gs pos="0">
-              <a:schemeClr val="phClr">
-                <a:tint val="40000"/>
-                <a:satMod val="350000"/>
-              </a:schemeClr>
-            </a:gs>
-            <a:gs pos="40000">
-              <a:schemeClr val="phClr">
-                <a:tint val="45000"/>
-                <a:shade val="99000"/>
-                <a:satMod val="350000"/>
-              </a:schemeClr>
-            </a:gs>
-            <a:gs pos="100000">
-              <a:schemeClr val="phClr">
-                <a:shade val="20000"/>
-                <a:satMod val="255000"/>
-              </a:schemeClr>
-            </a:gs>
-          </a:gsLst>
-          <a:path path="circle">
-            <a:fillToRect l="50000" t="-80000" r="50000" b="180000"/>
-          </a:path>
-        </a:gradFill>
-        <a:gradFill rotWithShape="1">
-          <a:gsLst>
-            <a:gs pos="0">
-              <a:schemeClr val="phClr">
-                <a:tint val="80000"/>
-                <a:satMod val="300000"/>
-              </a:schemeClr>
-            </a:gs>
-            <a:gs pos="100000">
-              <a:schemeClr val="phClr">
-                <a:shade val="30000"/>
-                <a:satMod val="200000"/>
-              </a:schemeClr>
-            </a:gs>
-          </a:gsLst>
-          <a:path path="circle">
-            <a:fillToRect l="50000" t="50000" r="50000" b="50000"/>
-          </a:path>
-        </a:gradFill>
-      </a:bgFillStyleLst>
-    </a:fmtScheme>
-  </a:themeElements>
-</a:theme>
 </file>